--- a/進度報告.pptx
+++ b/進度報告.pptx
@@ -5,7 +5,7 @@
     <p:sldMasterId id="2147483648" r:id="rId1"/>
   </p:sldMasterIdLst>
   <p:notesMasterIdLst>
-    <p:notesMasterId r:id="rId17"/>
+    <p:notesMasterId r:id="rId18"/>
   </p:notesMasterIdLst>
   <p:sldIdLst>
     <p:sldId id="287" r:id="rId2"/>
@@ -16,18 +16,19 @@
     <p:sldId id="270" r:id="rId7"/>
     <p:sldId id="283" r:id="rId8"/>
     <p:sldId id="262" r:id="rId9"/>
-    <p:sldId id="282" r:id="rId10"/>
-    <p:sldId id="275" r:id="rId11"/>
-    <p:sldId id="284" r:id="rId12"/>
-    <p:sldId id="268" r:id="rId13"/>
-    <p:sldId id="285" r:id="rId14"/>
-    <p:sldId id="257" r:id="rId15"/>
-    <p:sldId id="286" r:id="rId16"/>
+    <p:sldId id="301" r:id="rId10"/>
+    <p:sldId id="282" r:id="rId11"/>
+    <p:sldId id="275" r:id="rId12"/>
+    <p:sldId id="284" r:id="rId13"/>
+    <p:sldId id="268" r:id="rId14"/>
+    <p:sldId id="285" r:id="rId15"/>
+    <p:sldId id="257" r:id="rId16"/>
+    <p:sldId id="286" r:id="rId17"/>
   </p:sldIdLst>
   <p:sldSz cx="12192000" cy="6858000"/>
   <p:notesSz cx="6858000" cy="9144000"/>
   <p:custDataLst>
-    <p:tags r:id="rId18"/>
+    <p:tags r:id="rId19"/>
   </p:custDataLst>
   <p:defaultTextStyle>
     <a:defPPr>
@@ -650,7 +651,7 @@
     </p:spTree>
     <p:extLst>
       <p:ext uri="{BB962C8B-B14F-4D97-AF65-F5344CB8AC3E}">
-        <p14:creationId xmlns:p14="http://schemas.microsoft.com/office/powerpoint/2010/main" val="685843959"/>
+        <p14:creationId xmlns:p14="http://schemas.microsoft.com/office/powerpoint/2010/main" val="975832056"/>
       </p:ext>
     </p:extLst>
   </p:cSld>
@@ -734,6 +735,90 @@
     </p:spTree>
     <p:extLst>
       <p:ext uri="{BB962C8B-B14F-4D97-AF65-F5344CB8AC3E}">
+        <p14:creationId xmlns:p14="http://schemas.microsoft.com/office/powerpoint/2010/main" val="685843959"/>
+      </p:ext>
+    </p:extLst>
+  </p:cSld>
+  <p:clrMapOvr>
+    <a:masterClrMapping/>
+  </p:clrMapOvr>
+</p:notes>
+</file>
+
+<file path=ppt/notesSlides/notesSlide12.xml><?xml version="1.0" encoding="utf-8"?>
+<p:notes xmlns:a="http://schemas.openxmlformats.org/drawingml/2006/main" xmlns:r="http://schemas.openxmlformats.org/officeDocument/2006/relationships" xmlns:p="http://schemas.openxmlformats.org/presentationml/2006/main">
+  <p:cSld>
+    <p:spTree>
+      <p:nvGrpSpPr>
+        <p:cNvPr id="1" name=""/>
+        <p:cNvGrpSpPr/>
+        <p:nvPr/>
+      </p:nvGrpSpPr>
+      <p:grpSpPr>
+        <a:xfrm>
+          <a:off x="0" y="0"/>
+          <a:ext cx="0" cy="0"/>
+          <a:chOff x="0" y="0"/>
+          <a:chExt cx="0" cy="0"/>
+        </a:xfrm>
+      </p:grpSpPr>
+      <p:sp>
+        <p:nvSpPr>
+          <p:cNvPr id="2" name="幻灯片图像占位符 1"/>
+          <p:cNvSpPr>
+            <a:spLocks noGrp="1" noRot="1" noChangeAspect="1"/>
+          </p:cNvSpPr>
+          <p:nvPr>
+            <p:ph type="sldImg"/>
+          </p:nvPr>
+        </p:nvSpPr>
+        <p:spPr/>
+      </p:sp>
+      <p:sp>
+        <p:nvSpPr>
+          <p:cNvPr id="3" name="备注占位符 2"/>
+          <p:cNvSpPr>
+            <a:spLocks noGrp="1"/>
+          </p:cNvSpPr>
+          <p:nvPr>
+            <p:ph type="body" idx="1"/>
+          </p:nvPr>
+        </p:nvSpPr>
+        <p:spPr/>
+        <p:txBody>
+          <a:bodyPr/>
+          <a:lstStyle/>
+          <a:p>
+            <a:endParaRPr lang="zh-CN" altLang="en-US"/>
+          </a:p>
+        </p:txBody>
+      </p:sp>
+      <p:sp>
+        <p:nvSpPr>
+          <p:cNvPr id="4" name="灯片编号占位符 3"/>
+          <p:cNvSpPr>
+            <a:spLocks noGrp="1"/>
+          </p:cNvSpPr>
+          <p:nvPr>
+            <p:ph type="sldNum" sz="quarter" idx="10"/>
+          </p:nvPr>
+        </p:nvSpPr>
+        <p:spPr/>
+        <p:txBody>
+          <a:bodyPr/>
+          <a:lstStyle/>
+          <a:p>
+            <a:fld id="{27016975-1D4D-491B-8EC5-CCC6AF49DF07}" type="slidenum">
+              <a:rPr lang="zh-CN" altLang="en-US" smtClean="0"/>
+              <a:t>12</a:t>
+            </a:fld>
+            <a:endParaRPr lang="zh-CN" altLang="en-US"/>
+          </a:p>
+        </p:txBody>
+      </p:sp>
+    </p:spTree>
+    <p:extLst>
+      <p:ext uri="{BB962C8B-B14F-4D97-AF65-F5344CB8AC3E}">
         <p14:creationId xmlns:p14="http://schemas.microsoft.com/office/powerpoint/2010/main" val="1614087676"/>
       </p:ext>
     </p:extLst>
@@ -744,7 +829,7 @@
 </p:notes>
 </file>
 
-<file path=ppt/notesSlides/notesSlide12.xml><?xml version="1.0" encoding="utf-8"?>
+<file path=ppt/notesSlides/notesSlide13.xml><?xml version="1.0" encoding="utf-8"?>
 <p:notes xmlns:a="http://schemas.openxmlformats.org/drawingml/2006/main" xmlns:r="http://schemas.openxmlformats.org/officeDocument/2006/relationships" xmlns:p="http://schemas.openxmlformats.org/presentationml/2006/main">
   <p:cSld>
     <p:spTree>
@@ -809,7 +894,7 @@
           <a:p>
             <a:fld id="{27016975-1D4D-491B-8EC5-CCC6AF49DF07}" type="slidenum">
               <a:rPr lang="zh-CN" altLang="en-US" smtClean="0"/>
-              <a:t>12</a:t>
+              <a:t>13</a:t>
             </a:fld>
             <a:endParaRPr lang="zh-CN" altLang="en-US"/>
           </a:p>
@@ -819,90 +904,6 @@
     <p:extLst>
       <p:ext uri="{BB962C8B-B14F-4D97-AF65-F5344CB8AC3E}">
         <p14:creationId xmlns:p14="http://schemas.microsoft.com/office/powerpoint/2010/main" val="192897076"/>
-      </p:ext>
-    </p:extLst>
-  </p:cSld>
-  <p:clrMapOvr>
-    <a:masterClrMapping/>
-  </p:clrMapOvr>
-</p:notes>
-</file>
-
-<file path=ppt/notesSlides/notesSlide13.xml><?xml version="1.0" encoding="utf-8"?>
-<p:notes xmlns:a="http://schemas.openxmlformats.org/drawingml/2006/main" xmlns:r="http://schemas.openxmlformats.org/officeDocument/2006/relationships" xmlns:p="http://schemas.openxmlformats.org/presentationml/2006/main">
-  <p:cSld>
-    <p:spTree>
-      <p:nvGrpSpPr>
-        <p:cNvPr id="1" name=""/>
-        <p:cNvGrpSpPr/>
-        <p:nvPr/>
-      </p:nvGrpSpPr>
-      <p:grpSpPr>
-        <a:xfrm>
-          <a:off x="0" y="0"/>
-          <a:ext cx="0" cy="0"/>
-          <a:chOff x="0" y="0"/>
-          <a:chExt cx="0" cy="0"/>
-        </a:xfrm>
-      </p:grpSpPr>
-      <p:sp>
-        <p:nvSpPr>
-          <p:cNvPr id="2" name="幻灯片图像占位符 1"/>
-          <p:cNvSpPr>
-            <a:spLocks noGrp="1" noRot="1" noChangeAspect="1"/>
-          </p:cNvSpPr>
-          <p:nvPr>
-            <p:ph type="sldImg"/>
-          </p:nvPr>
-        </p:nvSpPr>
-        <p:spPr/>
-      </p:sp>
-      <p:sp>
-        <p:nvSpPr>
-          <p:cNvPr id="3" name="备注占位符 2"/>
-          <p:cNvSpPr>
-            <a:spLocks noGrp="1"/>
-          </p:cNvSpPr>
-          <p:nvPr>
-            <p:ph type="body" idx="1"/>
-          </p:nvPr>
-        </p:nvSpPr>
-        <p:spPr/>
-        <p:txBody>
-          <a:bodyPr/>
-          <a:lstStyle/>
-          <a:p>
-            <a:endParaRPr lang="zh-CN" altLang="en-US"/>
-          </a:p>
-        </p:txBody>
-      </p:sp>
-      <p:sp>
-        <p:nvSpPr>
-          <p:cNvPr id="4" name="灯片编号占位符 3"/>
-          <p:cNvSpPr>
-            <a:spLocks noGrp="1"/>
-          </p:cNvSpPr>
-          <p:nvPr>
-            <p:ph type="sldNum" sz="quarter" idx="10"/>
-          </p:nvPr>
-        </p:nvSpPr>
-        <p:spPr/>
-        <p:txBody>
-          <a:bodyPr/>
-          <a:lstStyle/>
-          <a:p>
-            <a:fld id="{27016975-1D4D-491B-8EC5-CCC6AF49DF07}" type="slidenum">
-              <a:rPr lang="zh-CN" altLang="en-US" smtClean="0"/>
-              <a:t>13</a:t>
-            </a:fld>
-            <a:endParaRPr lang="zh-CN" altLang="en-US"/>
-          </a:p>
-        </p:txBody>
-      </p:sp>
-    </p:spTree>
-    <p:extLst>
-      <p:ext uri="{BB962C8B-B14F-4D97-AF65-F5344CB8AC3E}">
-        <p14:creationId xmlns:p14="http://schemas.microsoft.com/office/powerpoint/2010/main" val="2178779976"/>
       </p:ext>
     </p:extLst>
   </p:cSld>
@@ -986,7 +987,7 @@
     </p:spTree>
     <p:extLst>
       <p:ext uri="{BB962C8B-B14F-4D97-AF65-F5344CB8AC3E}">
-        <p14:creationId xmlns:p14="http://schemas.microsoft.com/office/powerpoint/2010/main" val="4125329224"/>
+        <p14:creationId xmlns:p14="http://schemas.microsoft.com/office/powerpoint/2010/main" val="2178779976"/>
       </p:ext>
     </p:extLst>
   </p:cSld>
@@ -1062,6 +1063,90 @@
             <a:fld id="{27016975-1D4D-491B-8EC5-CCC6AF49DF07}" type="slidenum">
               <a:rPr lang="zh-CN" altLang="en-US" smtClean="0"/>
               <a:t>15</a:t>
+            </a:fld>
+            <a:endParaRPr lang="zh-CN" altLang="en-US"/>
+          </a:p>
+        </p:txBody>
+      </p:sp>
+    </p:spTree>
+    <p:extLst>
+      <p:ext uri="{BB962C8B-B14F-4D97-AF65-F5344CB8AC3E}">
+        <p14:creationId xmlns:p14="http://schemas.microsoft.com/office/powerpoint/2010/main" val="4125329224"/>
+      </p:ext>
+    </p:extLst>
+  </p:cSld>
+  <p:clrMapOvr>
+    <a:masterClrMapping/>
+  </p:clrMapOvr>
+</p:notes>
+</file>
+
+<file path=ppt/notesSlides/notesSlide16.xml><?xml version="1.0" encoding="utf-8"?>
+<p:notes xmlns:a="http://schemas.openxmlformats.org/drawingml/2006/main" xmlns:r="http://schemas.openxmlformats.org/officeDocument/2006/relationships" xmlns:p="http://schemas.openxmlformats.org/presentationml/2006/main">
+  <p:cSld>
+    <p:spTree>
+      <p:nvGrpSpPr>
+        <p:cNvPr id="1" name=""/>
+        <p:cNvGrpSpPr/>
+        <p:nvPr/>
+      </p:nvGrpSpPr>
+      <p:grpSpPr>
+        <a:xfrm>
+          <a:off x="0" y="0"/>
+          <a:ext cx="0" cy="0"/>
+          <a:chOff x="0" y="0"/>
+          <a:chExt cx="0" cy="0"/>
+        </a:xfrm>
+      </p:grpSpPr>
+      <p:sp>
+        <p:nvSpPr>
+          <p:cNvPr id="2" name="幻灯片图像占位符 1"/>
+          <p:cNvSpPr>
+            <a:spLocks noGrp="1" noRot="1" noChangeAspect="1"/>
+          </p:cNvSpPr>
+          <p:nvPr>
+            <p:ph type="sldImg"/>
+          </p:nvPr>
+        </p:nvSpPr>
+        <p:spPr/>
+      </p:sp>
+      <p:sp>
+        <p:nvSpPr>
+          <p:cNvPr id="3" name="备注占位符 2"/>
+          <p:cNvSpPr>
+            <a:spLocks noGrp="1"/>
+          </p:cNvSpPr>
+          <p:nvPr>
+            <p:ph type="body" idx="1"/>
+          </p:nvPr>
+        </p:nvSpPr>
+        <p:spPr/>
+        <p:txBody>
+          <a:bodyPr/>
+          <a:lstStyle/>
+          <a:p>
+            <a:endParaRPr lang="zh-CN" altLang="en-US"/>
+          </a:p>
+        </p:txBody>
+      </p:sp>
+      <p:sp>
+        <p:nvSpPr>
+          <p:cNvPr id="4" name="灯片编号占位符 3"/>
+          <p:cNvSpPr>
+            <a:spLocks noGrp="1"/>
+          </p:cNvSpPr>
+          <p:nvPr>
+            <p:ph type="sldNum" sz="quarter" idx="10"/>
+          </p:nvPr>
+        </p:nvSpPr>
+        <p:spPr/>
+        <p:txBody>
+          <a:bodyPr/>
+          <a:lstStyle/>
+          <a:p>
+            <a:fld id="{27016975-1D4D-491B-8EC5-CCC6AF49DF07}" type="slidenum">
+              <a:rPr lang="zh-CN" altLang="en-US" smtClean="0"/>
+              <a:t>16</a:t>
             </a:fld>
             <a:endParaRPr lang="zh-CN" altLang="en-US"/>
           </a:p>
@@ -1742,7 +1827,7 @@
     </p:spTree>
     <p:extLst>
       <p:ext uri="{BB962C8B-B14F-4D97-AF65-F5344CB8AC3E}">
-        <p14:creationId xmlns:p14="http://schemas.microsoft.com/office/powerpoint/2010/main" val="975832056"/>
+        <p14:creationId xmlns:p14="http://schemas.microsoft.com/office/powerpoint/2010/main" val="2762842334"/>
       </p:ext>
     </p:extLst>
   </p:cSld>
@@ -5381,6 +5466,983 @@
 </file>
 
 <file path=ppt/slides/slide10.xml><?xml version="1.0" encoding="utf-8"?>
+<p:sld xmlns:a="http://schemas.openxmlformats.org/drawingml/2006/main" xmlns:r="http://schemas.openxmlformats.org/officeDocument/2006/relationships" xmlns:p="http://schemas.openxmlformats.org/presentationml/2006/main">
+  <p:cSld>
+    <p:spTree>
+      <p:nvGrpSpPr>
+        <p:cNvPr id="1" name=""/>
+        <p:cNvGrpSpPr/>
+        <p:nvPr/>
+      </p:nvGrpSpPr>
+      <p:grpSpPr>
+        <a:xfrm>
+          <a:off x="0" y="0"/>
+          <a:ext cx="0" cy="0"/>
+          <a:chOff x="0" y="0"/>
+          <a:chExt cx="0" cy="0"/>
+        </a:xfrm>
+      </p:grpSpPr>
+      <p:sp>
+        <p:nvSpPr>
+          <p:cNvPr id="11" name="文本框 10"/>
+          <p:cNvSpPr txBox="1"/>
+          <p:nvPr/>
+        </p:nvSpPr>
+        <p:spPr>
+          <a:xfrm>
+            <a:off x="5808246" y="2424859"/>
+            <a:ext cx="3110706" cy="707886"/>
+          </a:xfrm>
+          <a:prstGeom prst="rect">
+            <a:avLst/>
+          </a:prstGeom>
+          <a:noFill/>
+        </p:spPr>
+        <p:txBody>
+          <a:bodyPr wrap="square" rtlCol="0">
+            <a:spAutoFit/>
+            <a:scene3d>
+              <a:camera prst="orthographicFront"/>
+              <a:lightRig rig="threePt" dir="t"/>
+            </a:scene3d>
+            <a:sp3d contourW="12700"/>
+          </a:bodyPr>
+          <a:lstStyle/>
+          <a:p>
+            <a:pPr algn="dist"/>
+            <a:r>
+              <a:rPr lang="zh-TW" altLang="en-US" sz="4000" b="1" spc="300" dirty="0">
+                <a:solidFill>
+                  <a:schemeClr val="tx1">
+                    <a:lumMod val="75000"/>
+                    <a:lumOff val="25000"/>
+                  </a:schemeClr>
+                </a:solidFill>
+              </a:rPr>
+              <a:t>討論狀況</a:t>
+            </a:r>
+            <a:endParaRPr lang="zh-CN" altLang="en-US" sz="4000" b="1" spc="300" dirty="0">
+              <a:solidFill>
+                <a:schemeClr val="tx1">
+                  <a:lumMod val="75000"/>
+                  <a:lumOff val="25000"/>
+                </a:schemeClr>
+              </a:solidFill>
+            </a:endParaRPr>
+          </a:p>
+        </p:txBody>
+      </p:sp>
+      <p:cxnSp>
+        <p:nvCxnSpPr>
+          <p:cNvPr id="4" name="直接连接符 3"/>
+          <p:cNvCxnSpPr/>
+          <p:nvPr/>
+        </p:nvCxnSpPr>
+        <p:spPr>
+          <a:xfrm>
+            <a:off x="5920353" y="3313263"/>
+            <a:ext cx="2998599" cy="0"/>
+          </a:xfrm>
+          <a:prstGeom prst="line">
+            <a:avLst/>
+          </a:prstGeom>
+          <a:ln w="38100">
+            <a:solidFill>
+              <a:schemeClr val="bg1">
+                <a:lumMod val="75000"/>
+              </a:schemeClr>
+            </a:solidFill>
+          </a:ln>
+        </p:spPr>
+        <p:style>
+          <a:lnRef idx="1">
+            <a:schemeClr val="accent1"/>
+          </a:lnRef>
+          <a:fillRef idx="0">
+            <a:schemeClr val="accent1"/>
+          </a:fillRef>
+          <a:effectRef idx="0">
+            <a:schemeClr val="accent1"/>
+          </a:effectRef>
+          <a:fontRef idx="minor">
+            <a:schemeClr val="tx1"/>
+          </a:fontRef>
+        </p:style>
+      </p:cxnSp>
+      <p:grpSp>
+        <p:nvGrpSpPr>
+          <p:cNvPr id="18" name="组合 17"/>
+          <p:cNvGrpSpPr/>
+          <p:nvPr/>
+        </p:nvGrpSpPr>
+        <p:grpSpPr>
+          <a:xfrm>
+            <a:off x="1006820" y="1229537"/>
+            <a:ext cx="3800348" cy="4408404"/>
+            <a:chOff x="1006820" y="1229537"/>
+            <a:chExt cx="3800348" cy="4408404"/>
+          </a:xfrm>
+        </p:grpSpPr>
+        <p:pic>
+          <p:nvPicPr>
+            <p:cNvPr id="16" name="图片 15"/>
+            <p:cNvPicPr>
+              <a:picLocks noChangeAspect="1"/>
+            </p:cNvPicPr>
+            <p:nvPr/>
+          </p:nvPicPr>
+          <p:blipFill rotWithShape="1">
+            <a:blip r:embed="rId3" cstate="print">
+              <a:extLst>
+                <a:ext uri="{28A0092B-C50C-407E-A947-70E740481C1C}">
+                  <a14:useLocalDpi xmlns:a14="http://schemas.microsoft.com/office/drawing/2010/main" val="0"/>
+                </a:ext>
+              </a:extLst>
+            </a:blip>
+            <a:srcRect l="5588" t="20893" r="62629" b="13562"/>
+            <a:stretch/>
+          </p:blipFill>
+          <p:spPr>
+            <a:xfrm>
+              <a:off x="1006820" y="1229537"/>
+              <a:ext cx="3800348" cy="4408404"/>
+            </a:xfrm>
+            <a:prstGeom prst="rect">
+              <a:avLst/>
+            </a:prstGeom>
+            <a:effectLst>
+              <a:outerShdw blurRad="190500" dist="127000" dir="2700000" algn="tl" rotWithShape="0">
+                <a:prstClr val="black">
+                  <a:alpha val="40000"/>
+                </a:prstClr>
+              </a:outerShdw>
+            </a:effectLst>
+          </p:spPr>
+        </p:pic>
+        <p:sp>
+          <p:nvSpPr>
+            <p:cNvPr id="5" name="矩形 4"/>
+            <p:cNvSpPr/>
+            <p:nvPr/>
+          </p:nvSpPr>
+          <p:spPr>
+            <a:xfrm>
+              <a:off x="1989575" y="2139630"/>
+              <a:ext cx="2270454" cy="2650211"/>
+            </a:xfrm>
+            <a:prstGeom prst="rect">
+              <a:avLst/>
+            </a:prstGeom>
+            <a:solidFill>
+              <a:srgbClr val="E5E8ED"/>
+            </a:solidFill>
+            <a:ln>
+              <a:noFill/>
+            </a:ln>
+            <a:effectLst>
+              <a:innerShdw blurRad="304800" dist="76200" dir="13500000">
+                <a:prstClr val="black">
+                  <a:alpha val="67000"/>
+                </a:prstClr>
+              </a:innerShdw>
+            </a:effectLst>
+          </p:spPr>
+          <p:style>
+            <a:lnRef idx="2">
+              <a:schemeClr val="accent1">
+                <a:shade val="50000"/>
+              </a:schemeClr>
+            </a:lnRef>
+            <a:fillRef idx="1">
+              <a:schemeClr val="accent1"/>
+            </a:fillRef>
+            <a:effectRef idx="0">
+              <a:schemeClr val="accent1"/>
+            </a:effectRef>
+            <a:fontRef idx="minor">
+              <a:schemeClr val="lt1"/>
+            </a:fontRef>
+          </p:style>
+          <p:txBody>
+            <a:bodyPr rtlCol="0" anchor="ctr"/>
+            <a:lstStyle/>
+            <a:p>
+              <a:pPr algn="ctr"/>
+              <a:endParaRPr lang="zh-CN" altLang="en-US"/>
+            </a:p>
+          </p:txBody>
+        </p:sp>
+        <p:sp>
+          <p:nvSpPr>
+            <p:cNvPr id="10" name="文本框 9"/>
+            <p:cNvSpPr txBox="1"/>
+            <p:nvPr/>
+          </p:nvSpPr>
+          <p:spPr>
+            <a:xfrm>
+              <a:off x="2400216" y="2532580"/>
+              <a:ext cx="1210588" cy="1200329"/>
+            </a:xfrm>
+            <a:prstGeom prst="rect">
+              <a:avLst/>
+            </a:prstGeom>
+            <a:noFill/>
+          </p:spPr>
+          <p:txBody>
+            <a:bodyPr wrap="none" rtlCol="0">
+              <a:spAutoFit/>
+              <a:scene3d>
+                <a:camera prst="orthographicFront"/>
+                <a:lightRig rig="threePt" dir="t"/>
+              </a:scene3d>
+              <a:sp3d contourW="12700"/>
+            </a:bodyPr>
+            <a:lstStyle/>
+            <a:p>
+              <a:pPr algn="r"/>
+              <a:r>
+                <a:rPr lang="en-US" altLang="zh-CN" sz="7200" b="1" dirty="0">
+                  <a:solidFill>
+                    <a:srgbClr val="191919"/>
+                  </a:solidFill>
+                </a:rPr>
+                <a:t>03</a:t>
+              </a:r>
+              <a:endParaRPr lang="zh-CN" altLang="en-US" sz="7200" b="1" dirty="0">
+                <a:solidFill>
+                  <a:srgbClr val="191919"/>
+                </a:solidFill>
+              </a:endParaRPr>
+            </a:p>
+          </p:txBody>
+        </p:sp>
+        <p:sp>
+          <p:nvSpPr>
+            <p:cNvPr id="13" name="文本框 12"/>
+            <p:cNvSpPr txBox="1"/>
+            <p:nvPr/>
+          </p:nvSpPr>
+          <p:spPr>
+            <a:xfrm>
+              <a:off x="2360141" y="3732319"/>
+              <a:ext cx="1290738" cy="584775"/>
+            </a:xfrm>
+            <a:prstGeom prst="rect">
+              <a:avLst/>
+            </a:prstGeom>
+            <a:noFill/>
+          </p:spPr>
+          <p:txBody>
+            <a:bodyPr wrap="none" rtlCol="0">
+              <a:spAutoFit/>
+              <a:scene3d>
+                <a:camera prst="orthographicFront"/>
+                <a:lightRig rig="threePt" dir="t"/>
+              </a:scene3d>
+              <a:sp3d contourW="12700"/>
+            </a:bodyPr>
+            <a:lstStyle/>
+            <a:p>
+              <a:pPr algn="r"/>
+              <a:r>
+                <a:rPr lang="en-US" altLang="zh-CN" sz="3200" b="1" spc="600" dirty="0">
+                  <a:solidFill>
+                    <a:srgbClr val="191919"/>
+                  </a:solidFill>
+                </a:rPr>
+                <a:t>Part</a:t>
+              </a:r>
+              <a:endParaRPr lang="zh-CN" altLang="en-US" sz="3200" b="1" spc="600" dirty="0">
+                <a:solidFill>
+                  <a:srgbClr val="191919"/>
+                </a:solidFill>
+              </a:endParaRPr>
+            </a:p>
+          </p:txBody>
+        </p:sp>
+      </p:grpSp>
+    </p:spTree>
+    <p:extLst>
+      <p:ext uri="{BB962C8B-B14F-4D97-AF65-F5344CB8AC3E}">
+        <p14:creationId xmlns:p14="http://schemas.microsoft.com/office/powerpoint/2010/main" val="641506186"/>
+      </p:ext>
+    </p:extLst>
+  </p:cSld>
+  <p:clrMapOvr>
+    <a:masterClrMapping/>
+  </p:clrMapOvr>
+  <mc:AlternateContent xmlns:mc="http://schemas.openxmlformats.org/markup-compatibility/2006" xmlns:p14="http://schemas.microsoft.com/office/powerpoint/2010/main">
+    <mc:Choice Requires="p14">
+      <p:transition spd="slow" p14:dur="900">
+        <p14:warp dir="in"/>
+      </p:transition>
+    </mc:Choice>
+    <mc:Fallback xmlns="">
+      <p:transition spd="slow">
+        <p:fade/>
+      </p:transition>
+    </mc:Fallback>
+  </mc:AlternateContent>
+  <mc:AlternateContent xmlns:mc="http://schemas.openxmlformats.org/markup-compatibility/2006" xmlns:p14="http://schemas.microsoft.com/office/powerpoint/2010/main">
+    <mc:Choice Requires="p14">
+      <p:timing>
+        <p:tnLst>
+          <p:par>
+            <p:cTn id="1" dur="indefinite" restart="never" nodeType="tmRoot">
+              <p:childTnLst>
+                <p:seq concurrent="1" nextAc="seek">
+                  <p:cTn id="2" dur="indefinite" nodeType="mainSeq">
+                    <p:childTnLst>
+                      <p:par>
+                        <p:cTn id="3" fill="hold">
+                          <p:stCondLst>
+                            <p:cond delay="indefinite"/>
+                            <p:cond evt="onBegin" delay="0">
+                              <p:tn val="2"/>
+                            </p:cond>
+                          </p:stCondLst>
+                          <p:childTnLst>
+                            <p:par>
+                              <p:cTn id="4" fill="hold">
+                                <p:stCondLst>
+                                  <p:cond delay="0"/>
+                                </p:stCondLst>
+                                <p:childTnLst>
+                                  <p:par>
+                                    <p:cTn id="5" presetID="2" presetClass="entr" presetSubtype="8" fill="hold" nodeType="afterEffect" p14:presetBounceEnd="40000">
+                                      <p:stCondLst>
+                                        <p:cond delay="0"/>
+                                      </p:stCondLst>
+                                      <p:childTnLst>
+                                        <p:set>
+                                          <p:cBhvr>
+                                            <p:cTn id="6" dur="1" fill="hold">
+                                              <p:stCondLst>
+                                                <p:cond delay="0"/>
+                                              </p:stCondLst>
+                                            </p:cTn>
+                                            <p:tgtEl>
+                                              <p:spTgt spid="18"/>
+                                            </p:tgtEl>
+                                            <p:attrNameLst>
+                                              <p:attrName>style.visibility</p:attrName>
+                                            </p:attrNameLst>
+                                          </p:cBhvr>
+                                          <p:to>
+                                            <p:strVal val="visible"/>
+                                          </p:to>
+                                        </p:set>
+                                        <p:anim calcmode="lin" valueType="num" p14:bounceEnd="40000">
+                                          <p:cBhvr additive="base">
+                                            <p:cTn id="7" dur="750" fill="hold"/>
+                                            <p:tgtEl>
+                                              <p:spTgt spid="18"/>
+                                            </p:tgtEl>
+                                            <p:attrNameLst>
+                                              <p:attrName>ppt_x</p:attrName>
+                                            </p:attrNameLst>
+                                          </p:cBhvr>
+                                          <p:tavLst>
+                                            <p:tav tm="0">
+                                              <p:val>
+                                                <p:strVal val="0-#ppt_w/2"/>
+                                              </p:val>
+                                            </p:tav>
+                                            <p:tav tm="100000">
+                                              <p:val>
+                                                <p:strVal val="#ppt_x"/>
+                                              </p:val>
+                                            </p:tav>
+                                          </p:tavLst>
+                                        </p:anim>
+                                        <p:anim calcmode="lin" valueType="num" p14:bounceEnd="40000">
+                                          <p:cBhvr additive="base">
+                                            <p:cTn id="8" dur="750" fill="hold"/>
+                                            <p:tgtEl>
+                                              <p:spTgt spid="18"/>
+                                            </p:tgtEl>
+                                            <p:attrNameLst>
+                                              <p:attrName>ppt_y</p:attrName>
+                                            </p:attrNameLst>
+                                          </p:cBhvr>
+                                          <p:tavLst>
+                                            <p:tav tm="0">
+                                              <p:val>
+                                                <p:strVal val="#ppt_y"/>
+                                              </p:val>
+                                            </p:tav>
+                                            <p:tav tm="100000">
+                                              <p:val>
+                                                <p:strVal val="#ppt_y"/>
+                                              </p:val>
+                                            </p:tav>
+                                          </p:tavLst>
+                                        </p:anim>
+                                      </p:childTnLst>
+                                    </p:cTn>
+                                  </p:par>
+                                </p:childTnLst>
+                              </p:cTn>
+                            </p:par>
+                            <p:par>
+                              <p:cTn id="9" fill="hold">
+                                <p:stCondLst>
+                                  <p:cond delay="750"/>
+                                </p:stCondLst>
+                                <p:childTnLst>
+                                  <p:par>
+                                    <p:cTn id="10" presetID="41" presetClass="entr" presetSubtype="0" fill="hold" grpId="0" nodeType="afterEffect">
+                                      <p:stCondLst>
+                                        <p:cond delay="0"/>
+                                      </p:stCondLst>
+                                      <p:iterate type="lt">
+                                        <p:tmPct val="10000"/>
+                                      </p:iterate>
+                                      <p:childTnLst>
+                                        <p:set>
+                                          <p:cBhvr>
+                                            <p:cTn id="11" dur="1" fill="hold">
+                                              <p:stCondLst>
+                                                <p:cond delay="0"/>
+                                              </p:stCondLst>
+                                            </p:cTn>
+                                            <p:tgtEl>
+                                              <p:spTgt spid="11"/>
+                                            </p:tgtEl>
+                                            <p:attrNameLst>
+                                              <p:attrName>style.visibility</p:attrName>
+                                            </p:attrNameLst>
+                                          </p:cBhvr>
+                                          <p:to>
+                                            <p:strVal val="visible"/>
+                                          </p:to>
+                                        </p:set>
+                                        <p:anim calcmode="lin" valueType="num">
+                                          <p:cBhvr>
+                                            <p:cTn id="12" dur="500" fill="hold"/>
+                                            <p:tgtEl>
+                                              <p:spTgt spid="11"/>
+                                            </p:tgtEl>
+                                            <p:attrNameLst>
+                                              <p:attrName>ppt_x</p:attrName>
+                                            </p:attrNameLst>
+                                          </p:cBhvr>
+                                          <p:tavLst>
+                                            <p:tav tm="0">
+                                              <p:val>
+                                                <p:strVal val="#ppt_x"/>
+                                              </p:val>
+                                            </p:tav>
+                                            <p:tav tm="50000">
+                                              <p:val>
+                                                <p:strVal val="#ppt_x+.1"/>
+                                              </p:val>
+                                            </p:tav>
+                                            <p:tav tm="100000">
+                                              <p:val>
+                                                <p:strVal val="#ppt_x"/>
+                                              </p:val>
+                                            </p:tav>
+                                          </p:tavLst>
+                                        </p:anim>
+                                        <p:anim calcmode="lin" valueType="num">
+                                          <p:cBhvr>
+                                            <p:cTn id="13" dur="500" fill="hold"/>
+                                            <p:tgtEl>
+                                              <p:spTgt spid="11"/>
+                                            </p:tgtEl>
+                                            <p:attrNameLst>
+                                              <p:attrName>ppt_y</p:attrName>
+                                            </p:attrNameLst>
+                                          </p:cBhvr>
+                                          <p:tavLst>
+                                            <p:tav tm="0">
+                                              <p:val>
+                                                <p:strVal val="#ppt_y"/>
+                                              </p:val>
+                                            </p:tav>
+                                            <p:tav tm="100000">
+                                              <p:val>
+                                                <p:strVal val="#ppt_y"/>
+                                              </p:val>
+                                            </p:tav>
+                                          </p:tavLst>
+                                        </p:anim>
+                                        <p:anim calcmode="lin" valueType="num">
+                                          <p:cBhvr>
+                                            <p:cTn id="14" dur="500" fill="hold"/>
+                                            <p:tgtEl>
+                                              <p:spTgt spid="11"/>
+                                            </p:tgtEl>
+                                            <p:attrNameLst>
+                                              <p:attrName>ppt_h</p:attrName>
+                                            </p:attrNameLst>
+                                          </p:cBhvr>
+                                          <p:tavLst>
+                                            <p:tav tm="0">
+                                              <p:val>
+                                                <p:strVal val="#ppt_h/10"/>
+                                              </p:val>
+                                            </p:tav>
+                                            <p:tav tm="50000">
+                                              <p:val>
+                                                <p:strVal val="#ppt_h+.01"/>
+                                              </p:val>
+                                            </p:tav>
+                                            <p:tav tm="100000">
+                                              <p:val>
+                                                <p:strVal val="#ppt_h"/>
+                                              </p:val>
+                                            </p:tav>
+                                          </p:tavLst>
+                                        </p:anim>
+                                        <p:anim calcmode="lin" valueType="num">
+                                          <p:cBhvr>
+                                            <p:cTn id="15" dur="500" fill="hold"/>
+                                            <p:tgtEl>
+                                              <p:spTgt spid="11"/>
+                                            </p:tgtEl>
+                                            <p:attrNameLst>
+                                              <p:attrName>ppt_w</p:attrName>
+                                            </p:attrNameLst>
+                                          </p:cBhvr>
+                                          <p:tavLst>
+                                            <p:tav tm="0">
+                                              <p:val>
+                                                <p:strVal val="#ppt_w/10"/>
+                                              </p:val>
+                                            </p:tav>
+                                            <p:tav tm="50000">
+                                              <p:val>
+                                                <p:strVal val="#ppt_w+.01"/>
+                                              </p:val>
+                                            </p:tav>
+                                            <p:tav tm="100000">
+                                              <p:val>
+                                                <p:strVal val="#ppt_w"/>
+                                              </p:val>
+                                            </p:tav>
+                                          </p:tavLst>
+                                        </p:anim>
+                                        <p:animEffect transition="in" filter="fade">
+                                          <p:cBhvr>
+                                            <p:cTn id="16" dur="500" tmFilter="0,0; .5, 1; 1, 1"/>
+                                            <p:tgtEl>
+                                              <p:spTgt spid="11"/>
+                                            </p:tgtEl>
+                                          </p:cBhvr>
+                                        </p:animEffect>
+                                      </p:childTnLst>
+                                    </p:cTn>
+                                  </p:par>
+                                </p:childTnLst>
+                              </p:cTn>
+                            </p:par>
+                            <p:par>
+                              <p:cTn id="17" fill="hold">
+                                <p:stCondLst>
+                                  <p:cond delay="1400"/>
+                                </p:stCondLst>
+                                <p:childTnLst>
+                                  <p:par>
+                                    <p:cTn id="18" presetID="22" presetClass="entr" presetSubtype="8" fill="hold" nodeType="afterEffect">
+                                      <p:stCondLst>
+                                        <p:cond delay="0"/>
+                                      </p:stCondLst>
+                                      <p:childTnLst>
+                                        <p:set>
+                                          <p:cBhvr>
+                                            <p:cTn id="19" dur="1" fill="hold">
+                                              <p:stCondLst>
+                                                <p:cond delay="0"/>
+                                              </p:stCondLst>
+                                            </p:cTn>
+                                            <p:tgtEl>
+                                              <p:spTgt spid="4"/>
+                                            </p:tgtEl>
+                                            <p:attrNameLst>
+                                              <p:attrName>style.visibility</p:attrName>
+                                            </p:attrNameLst>
+                                          </p:cBhvr>
+                                          <p:to>
+                                            <p:strVal val="visible"/>
+                                          </p:to>
+                                        </p:set>
+                                        <p:animEffect transition="in" filter="wipe(left)">
+                                          <p:cBhvr>
+                                            <p:cTn id="20" dur="500"/>
+                                            <p:tgtEl>
+                                              <p:spTgt spid="4"/>
+                                            </p:tgtEl>
+                                          </p:cBhvr>
+                                        </p:animEffect>
+                                      </p:childTnLst>
+                                    </p:cTn>
+                                  </p:par>
+                                </p:childTnLst>
+                              </p:cTn>
+                            </p:par>
+                          </p:childTnLst>
+                        </p:cTn>
+                      </p:par>
+                    </p:childTnLst>
+                  </p:cTn>
+                  <p:prevCondLst>
+                    <p:cond evt="onPrev" delay="0">
+                      <p:tgtEl>
+                        <p:sldTgt/>
+                      </p:tgtEl>
+                    </p:cond>
+                  </p:prevCondLst>
+                  <p:nextCondLst>
+                    <p:cond evt="onNext" delay="0">
+                      <p:tgtEl>
+                        <p:sldTgt/>
+                      </p:tgtEl>
+                    </p:cond>
+                  </p:nextCondLst>
+                </p:seq>
+              </p:childTnLst>
+            </p:cTn>
+          </p:par>
+        </p:tnLst>
+        <p:bldLst>
+          <p:bldP spid="11" grpId="0"/>
+        </p:bldLst>
+      </p:timing>
+    </mc:Choice>
+    <mc:Fallback xmlns="">
+      <p:timing>
+        <p:tnLst>
+          <p:par>
+            <p:cTn id="1" dur="indefinite" restart="never" nodeType="tmRoot">
+              <p:childTnLst>
+                <p:seq concurrent="1" nextAc="seek">
+                  <p:cTn id="2" dur="indefinite" nodeType="mainSeq">
+                    <p:childTnLst>
+                      <p:par>
+                        <p:cTn id="3" fill="hold">
+                          <p:stCondLst>
+                            <p:cond delay="indefinite"/>
+                            <p:cond evt="onBegin" delay="0">
+                              <p:tn val="2"/>
+                            </p:cond>
+                          </p:stCondLst>
+                          <p:childTnLst>
+                            <p:par>
+                              <p:cTn id="4" fill="hold">
+                                <p:stCondLst>
+                                  <p:cond delay="0"/>
+                                </p:stCondLst>
+                                <p:childTnLst>
+                                  <p:par>
+                                    <p:cTn id="5" presetID="2" presetClass="entr" presetSubtype="8" fill="hold" nodeType="afterEffect">
+                                      <p:stCondLst>
+                                        <p:cond delay="0"/>
+                                      </p:stCondLst>
+                                      <p:childTnLst>
+                                        <p:set>
+                                          <p:cBhvr>
+                                            <p:cTn id="6" dur="1" fill="hold">
+                                              <p:stCondLst>
+                                                <p:cond delay="0"/>
+                                              </p:stCondLst>
+                                            </p:cTn>
+                                            <p:tgtEl>
+                                              <p:spTgt spid="18"/>
+                                            </p:tgtEl>
+                                            <p:attrNameLst>
+                                              <p:attrName>style.visibility</p:attrName>
+                                            </p:attrNameLst>
+                                          </p:cBhvr>
+                                          <p:to>
+                                            <p:strVal val="visible"/>
+                                          </p:to>
+                                        </p:set>
+                                        <p:anim calcmode="lin" valueType="num">
+                                          <p:cBhvr additive="base">
+                                            <p:cTn id="7" dur="750" fill="hold"/>
+                                            <p:tgtEl>
+                                              <p:spTgt spid="18"/>
+                                            </p:tgtEl>
+                                            <p:attrNameLst>
+                                              <p:attrName>ppt_x</p:attrName>
+                                            </p:attrNameLst>
+                                          </p:cBhvr>
+                                          <p:tavLst>
+                                            <p:tav tm="0">
+                                              <p:val>
+                                                <p:strVal val="0-#ppt_w/2"/>
+                                              </p:val>
+                                            </p:tav>
+                                            <p:tav tm="100000">
+                                              <p:val>
+                                                <p:strVal val="#ppt_x"/>
+                                              </p:val>
+                                            </p:tav>
+                                          </p:tavLst>
+                                        </p:anim>
+                                        <p:anim calcmode="lin" valueType="num">
+                                          <p:cBhvr additive="base">
+                                            <p:cTn id="8" dur="750" fill="hold"/>
+                                            <p:tgtEl>
+                                              <p:spTgt spid="18"/>
+                                            </p:tgtEl>
+                                            <p:attrNameLst>
+                                              <p:attrName>ppt_y</p:attrName>
+                                            </p:attrNameLst>
+                                          </p:cBhvr>
+                                          <p:tavLst>
+                                            <p:tav tm="0">
+                                              <p:val>
+                                                <p:strVal val="#ppt_y"/>
+                                              </p:val>
+                                            </p:tav>
+                                            <p:tav tm="100000">
+                                              <p:val>
+                                                <p:strVal val="#ppt_y"/>
+                                              </p:val>
+                                            </p:tav>
+                                          </p:tavLst>
+                                        </p:anim>
+                                      </p:childTnLst>
+                                    </p:cTn>
+                                  </p:par>
+                                </p:childTnLst>
+                              </p:cTn>
+                            </p:par>
+                            <p:par>
+                              <p:cTn id="9" fill="hold">
+                                <p:stCondLst>
+                                  <p:cond delay="750"/>
+                                </p:stCondLst>
+                                <p:childTnLst>
+                                  <p:par>
+                                    <p:cTn id="10" presetID="41" presetClass="entr" presetSubtype="0" fill="hold" grpId="0" nodeType="afterEffect">
+                                      <p:stCondLst>
+                                        <p:cond delay="0"/>
+                                      </p:stCondLst>
+                                      <p:iterate type="lt">
+                                        <p:tmPct val="10000"/>
+                                      </p:iterate>
+                                      <p:childTnLst>
+                                        <p:set>
+                                          <p:cBhvr>
+                                            <p:cTn id="11" dur="1" fill="hold">
+                                              <p:stCondLst>
+                                                <p:cond delay="0"/>
+                                              </p:stCondLst>
+                                            </p:cTn>
+                                            <p:tgtEl>
+                                              <p:spTgt spid="11"/>
+                                            </p:tgtEl>
+                                            <p:attrNameLst>
+                                              <p:attrName>style.visibility</p:attrName>
+                                            </p:attrNameLst>
+                                          </p:cBhvr>
+                                          <p:to>
+                                            <p:strVal val="visible"/>
+                                          </p:to>
+                                        </p:set>
+                                        <p:anim calcmode="lin" valueType="num">
+                                          <p:cBhvr>
+                                            <p:cTn id="12" dur="500" fill="hold"/>
+                                            <p:tgtEl>
+                                              <p:spTgt spid="11"/>
+                                            </p:tgtEl>
+                                            <p:attrNameLst>
+                                              <p:attrName>ppt_x</p:attrName>
+                                            </p:attrNameLst>
+                                          </p:cBhvr>
+                                          <p:tavLst>
+                                            <p:tav tm="0">
+                                              <p:val>
+                                                <p:strVal val="#ppt_x"/>
+                                              </p:val>
+                                            </p:tav>
+                                            <p:tav tm="50000">
+                                              <p:val>
+                                                <p:strVal val="#ppt_x+.1"/>
+                                              </p:val>
+                                            </p:tav>
+                                            <p:tav tm="100000">
+                                              <p:val>
+                                                <p:strVal val="#ppt_x"/>
+                                              </p:val>
+                                            </p:tav>
+                                          </p:tavLst>
+                                        </p:anim>
+                                        <p:anim calcmode="lin" valueType="num">
+                                          <p:cBhvr>
+                                            <p:cTn id="13" dur="500" fill="hold"/>
+                                            <p:tgtEl>
+                                              <p:spTgt spid="11"/>
+                                            </p:tgtEl>
+                                            <p:attrNameLst>
+                                              <p:attrName>ppt_y</p:attrName>
+                                            </p:attrNameLst>
+                                          </p:cBhvr>
+                                          <p:tavLst>
+                                            <p:tav tm="0">
+                                              <p:val>
+                                                <p:strVal val="#ppt_y"/>
+                                              </p:val>
+                                            </p:tav>
+                                            <p:tav tm="100000">
+                                              <p:val>
+                                                <p:strVal val="#ppt_y"/>
+                                              </p:val>
+                                            </p:tav>
+                                          </p:tavLst>
+                                        </p:anim>
+                                        <p:anim calcmode="lin" valueType="num">
+                                          <p:cBhvr>
+                                            <p:cTn id="14" dur="500" fill="hold"/>
+                                            <p:tgtEl>
+                                              <p:spTgt spid="11"/>
+                                            </p:tgtEl>
+                                            <p:attrNameLst>
+                                              <p:attrName>ppt_h</p:attrName>
+                                            </p:attrNameLst>
+                                          </p:cBhvr>
+                                          <p:tavLst>
+                                            <p:tav tm="0">
+                                              <p:val>
+                                                <p:strVal val="#ppt_h/10"/>
+                                              </p:val>
+                                            </p:tav>
+                                            <p:tav tm="50000">
+                                              <p:val>
+                                                <p:strVal val="#ppt_h+.01"/>
+                                              </p:val>
+                                            </p:tav>
+                                            <p:tav tm="100000">
+                                              <p:val>
+                                                <p:strVal val="#ppt_h"/>
+                                              </p:val>
+                                            </p:tav>
+                                          </p:tavLst>
+                                        </p:anim>
+                                        <p:anim calcmode="lin" valueType="num">
+                                          <p:cBhvr>
+                                            <p:cTn id="15" dur="500" fill="hold"/>
+                                            <p:tgtEl>
+                                              <p:spTgt spid="11"/>
+                                            </p:tgtEl>
+                                            <p:attrNameLst>
+                                              <p:attrName>ppt_w</p:attrName>
+                                            </p:attrNameLst>
+                                          </p:cBhvr>
+                                          <p:tavLst>
+                                            <p:tav tm="0">
+                                              <p:val>
+                                                <p:strVal val="#ppt_w/10"/>
+                                              </p:val>
+                                            </p:tav>
+                                            <p:tav tm="50000">
+                                              <p:val>
+                                                <p:strVal val="#ppt_w+.01"/>
+                                              </p:val>
+                                            </p:tav>
+                                            <p:tav tm="100000">
+                                              <p:val>
+                                                <p:strVal val="#ppt_w"/>
+                                              </p:val>
+                                            </p:tav>
+                                          </p:tavLst>
+                                        </p:anim>
+                                        <p:animEffect transition="in" filter="fade">
+                                          <p:cBhvr>
+                                            <p:cTn id="16" dur="500" tmFilter="0,0; .5, 1; 1, 1"/>
+                                            <p:tgtEl>
+                                              <p:spTgt spid="11"/>
+                                            </p:tgtEl>
+                                          </p:cBhvr>
+                                        </p:animEffect>
+                                      </p:childTnLst>
+                                    </p:cTn>
+                                  </p:par>
+                                </p:childTnLst>
+                              </p:cTn>
+                            </p:par>
+                            <p:par>
+                              <p:cTn id="17" fill="hold">
+                                <p:stCondLst>
+                                  <p:cond delay="1400"/>
+                                </p:stCondLst>
+                                <p:childTnLst>
+                                  <p:par>
+                                    <p:cTn id="18" presetID="22" presetClass="entr" presetSubtype="8" fill="hold" nodeType="afterEffect">
+                                      <p:stCondLst>
+                                        <p:cond delay="0"/>
+                                      </p:stCondLst>
+                                      <p:childTnLst>
+                                        <p:set>
+                                          <p:cBhvr>
+                                            <p:cTn id="19" dur="1" fill="hold">
+                                              <p:stCondLst>
+                                                <p:cond delay="0"/>
+                                              </p:stCondLst>
+                                            </p:cTn>
+                                            <p:tgtEl>
+                                              <p:spTgt spid="4"/>
+                                            </p:tgtEl>
+                                            <p:attrNameLst>
+                                              <p:attrName>style.visibility</p:attrName>
+                                            </p:attrNameLst>
+                                          </p:cBhvr>
+                                          <p:to>
+                                            <p:strVal val="visible"/>
+                                          </p:to>
+                                        </p:set>
+                                        <p:animEffect transition="in" filter="wipe(left)">
+                                          <p:cBhvr>
+                                            <p:cTn id="20" dur="500"/>
+                                            <p:tgtEl>
+                                              <p:spTgt spid="4"/>
+                                            </p:tgtEl>
+                                          </p:cBhvr>
+                                        </p:animEffect>
+                                      </p:childTnLst>
+                                    </p:cTn>
+                                  </p:par>
+                                </p:childTnLst>
+                              </p:cTn>
+                            </p:par>
+                          </p:childTnLst>
+                        </p:cTn>
+                      </p:par>
+                    </p:childTnLst>
+                  </p:cTn>
+                  <p:prevCondLst>
+                    <p:cond evt="onPrev" delay="0">
+                      <p:tgtEl>
+                        <p:sldTgt/>
+                      </p:tgtEl>
+                    </p:cond>
+                  </p:prevCondLst>
+                  <p:nextCondLst>
+                    <p:cond evt="onNext" delay="0">
+                      <p:tgtEl>
+                        <p:sldTgt/>
+                      </p:tgtEl>
+                    </p:cond>
+                  </p:nextCondLst>
+                </p:seq>
+              </p:childTnLst>
+            </p:cTn>
+          </p:par>
+        </p:tnLst>
+        <p:bldLst>
+          <p:bldP spid="11" grpId="0"/>
+        </p:bldLst>
+      </p:timing>
+    </mc:Fallback>
+  </mc:AlternateContent>
+</p:sld>
+</file>
+
+<file path=ppt/slides/slide11.xml><?xml version="1.0" encoding="utf-8"?>
 <p:sld xmlns:a="http://schemas.openxmlformats.org/drawingml/2006/main" xmlns:r="http://schemas.openxmlformats.org/officeDocument/2006/relationships" xmlns:p="http://schemas.openxmlformats.org/presentationml/2006/main">
   <p:cSld>
     <p:spTree>
@@ -8647,7 +9709,7 @@
 </p:sld>
 </file>
 
-<file path=ppt/slides/slide11.xml><?xml version="1.0" encoding="utf-8"?>
+<file path=ppt/slides/slide12.xml><?xml version="1.0" encoding="utf-8"?>
 <p:sld xmlns:a="http://schemas.openxmlformats.org/drawingml/2006/main" xmlns:r="http://schemas.openxmlformats.org/officeDocument/2006/relationships" xmlns:p="http://schemas.openxmlformats.org/presentationml/2006/main">
   <p:cSld>
     <p:spTree>
@@ -9618,7 +10680,7 @@
 </p:sld>
 </file>
 
-<file path=ppt/slides/slide12.xml><?xml version="1.0" encoding="utf-8"?>
+<file path=ppt/slides/slide13.xml><?xml version="1.0" encoding="utf-8"?>
 <p:sld xmlns:a="http://schemas.openxmlformats.org/drawingml/2006/main" xmlns:r="http://schemas.openxmlformats.org/officeDocument/2006/relationships" xmlns:p="http://schemas.openxmlformats.org/presentationml/2006/main">
   <p:cSld>
     <p:spTree>
@@ -16913,7 +17975,7 @@
 </p:sld>
 </file>
 
-<file path=ppt/slides/slide13.xml><?xml version="1.0" encoding="utf-8"?>
+<file path=ppt/slides/slide14.xml><?xml version="1.0" encoding="utf-8"?>
 <p:sld xmlns:a="http://schemas.openxmlformats.org/drawingml/2006/main" xmlns:r="http://schemas.openxmlformats.org/officeDocument/2006/relationships" xmlns:p="http://schemas.openxmlformats.org/presentationml/2006/main">
   <p:cSld>
     <p:spTree>
@@ -17890,7 +18952,7 @@
 </p:sld>
 </file>
 
-<file path=ppt/slides/slide14.xml><?xml version="1.0" encoding="utf-8"?>
+<file path=ppt/slides/slide15.xml><?xml version="1.0" encoding="utf-8"?>
 <p:sld xmlns:a="http://schemas.openxmlformats.org/drawingml/2006/main" xmlns:r="http://schemas.openxmlformats.org/officeDocument/2006/relationships" xmlns:p="http://schemas.openxmlformats.org/presentationml/2006/main">
   <p:cSld>
     <p:spTree>
@@ -22107,7 +23169,7 @@
 </p:sld>
 </file>
 
-<file path=ppt/slides/slide15.xml><?xml version="1.0" encoding="utf-8"?>
+<file path=ppt/slides/slide16.xml><?xml version="1.0" encoding="utf-8"?>
 <p:sld xmlns:a="http://schemas.openxmlformats.org/drawingml/2006/main" xmlns:r="http://schemas.openxmlformats.org/officeDocument/2006/relationships" xmlns:p="http://schemas.openxmlformats.org/presentationml/2006/main">
   <p:cSld>
     <p:spTree>
@@ -32530,66 +33592,16 @@
           <a:chExt cx="0" cy="0"/>
         </a:xfrm>
       </p:grpSpPr>
-      <p:sp>
-        <p:nvSpPr>
-          <p:cNvPr id="11" name="文本框 10"/>
-          <p:cNvSpPr txBox="1"/>
-          <p:nvPr/>
-        </p:nvSpPr>
-        <p:spPr>
-          <a:xfrm>
-            <a:off x="5808246" y="2424859"/>
-            <a:ext cx="3110706" cy="707886"/>
-          </a:xfrm>
-          <a:prstGeom prst="rect">
-            <a:avLst/>
-          </a:prstGeom>
-          <a:noFill/>
-        </p:spPr>
-        <p:txBody>
-          <a:bodyPr wrap="square" rtlCol="0">
-            <a:spAutoFit/>
-            <a:scene3d>
-              <a:camera prst="orthographicFront"/>
-              <a:lightRig rig="threePt" dir="t"/>
-            </a:scene3d>
-            <a:sp3d contourW="12700"/>
-          </a:bodyPr>
-          <a:lstStyle/>
-          <a:p>
-            <a:pPr algn="dist"/>
-            <a:r>
-              <a:rPr lang="zh-TW" altLang="en-US" sz="4000" b="1" spc="300" dirty="0">
-                <a:solidFill>
-                  <a:schemeClr val="tx1">
-                    <a:lumMod val="75000"/>
-                    <a:lumOff val="25000"/>
-                  </a:schemeClr>
-                </a:solidFill>
-              </a:rPr>
-              <a:t>討論狀況</a:t>
-            </a:r>
-            <a:endParaRPr lang="zh-CN" altLang="en-US" sz="4000" b="1" spc="300" dirty="0">
-              <a:solidFill>
-                <a:schemeClr val="tx1">
-                  <a:lumMod val="75000"/>
-                  <a:lumOff val="25000"/>
-                </a:schemeClr>
-              </a:solidFill>
-            </a:endParaRPr>
-          </a:p>
-        </p:txBody>
-      </p:sp>
       <p:cxnSp>
         <p:nvCxnSpPr>
-          <p:cNvPr id="4" name="直接连接符 3"/>
+          <p:cNvPr id="21" name="直接连接符 20"/>
           <p:cNvCxnSpPr/>
           <p:nvPr/>
         </p:nvCxnSpPr>
         <p:spPr>
           <a:xfrm>
-            <a:off x="5920353" y="3313263"/>
-            <a:ext cx="2998599" cy="0"/>
+            <a:off x="1754753" y="546172"/>
+            <a:ext cx="2785497" cy="0"/>
           </a:xfrm>
           <a:prstGeom prst="line">
             <a:avLst/>
@@ -32617,876 +33629,4599 @@
           </a:fontRef>
         </p:style>
       </p:cxnSp>
-      <p:grpSp>
-        <p:nvGrpSpPr>
-          <p:cNvPr id="18" name="组合 17"/>
-          <p:cNvGrpSpPr/>
+      <p:sp>
+        <p:nvSpPr>
+          <p:cNvPr id="22" name="TextBox 19"/>
+          <p:cNvSpPr txBox="1"/>
           <p:nvPr/>
-        </p:nvGrpSpPr>
-        <p:grpSpPr>
+        </p:nvSpPr>
+        <p:spPr>
           <a:xfrm>
-            <a:off x="1006820" y="1229537"/>
-            <a:ext cx="3800348" cy="4408404"/>
-            <a:chOff x="1006820" y="1229537"/>
-            <a:chExt cx="3800348" cy="4408404"/>
+            <a:off x="4586510" y="315340"/>
+            <a:ext cx="3171371" cy="461665"/>
           </a:xfrm>
-        </p:grpSpPr>
-        <p:pic>
-          <p:nvPicPr>
-            <p:cNvPr id="16" name="图片 15"/>
-            <p:cNvPicPr>
-              <a:picLocks noChangeAspect="1"/>
-            </p:cNvPicPr>
-            <p:nvPr/>
-          </p:nvPicPr>
-          <p:blipFill rotWithShape="1">
-            <a:blip r:embed="rId3" cstate="print">
-              <a:extLst>
-                <a:ext uri="{28A0092B-C50C-407E-A947-70E740481C1C}">
-                  <a14:useLocalDpi xmlns:a14="http://schemas.microsoft.com/office/drawing/2010/main" val="0"/>
-                </a:ext>
-              </a:extLst>
-            </a:blip>
-            <a:srcRect l="5588" t="20893" r="62629" b="13562"/>
-            <a:stretch/>
-          </p:blipFill>
-          <p:spPr>
-            <a:xfrm>
-              <a:off x="1006820" y="1229537"/>
-              <a:ext cx="3800348" cy="4408404"/>
-            </a:xfrm>
-            <a:prstGeom prst="rect">
-              <a:avLst/>
-            </a:prstGeom>
-            <a:effectLst>
-              <a:outerShdw blurRad="190500" dist="127000" dir="2700000" algn="tl" rotWithShape="0">
-                <a:prstClr val="black">
-                  <a:alpha val="40000"/>
-                </a:prstClr>
-              </a:outerShdw>
-            </a:effectLst>
-          </p:spPr>
-        </p:pic>
-        <p:sp>
-          <p:nvSpPr>
-            <p:cNvPr id="5" name="矩形 4"/>
-            <p:cNvSpPr/>
-            <p:nvPr/>
-          </p:nvSpPr>
-          <p:spPr>
-            <a:xfrm>
-              <a:off x="1989575" y="2139630"/>
-              <a:ext cx="2270454" cy="2650211"/>
-            </a:xfrm>
-            <a:prstGeom prst="rect">
-              <a:avLst/>
-            </a:prstGeom>
+          <a:prstGeom prst="rect">
+            <a:avLst/>
+          </a:prstGeom>
+          <a:noFill/>
+        </p:spPr>
+        <p:txBody>
+          <a:bodyPr wrap="square" rtlCol="0">
+            <a:spAutoFit/>
+            <a:scene3d>
+              <a:camera prst="orthographicFront"/>
+              <a:lightRig rig="threePt" dir="t"/>
+            </a:scene3d>
+            <a:sp3d contourW="12700"/>
+          </a:bodyPr>
+          <a:lstStyle>
+            <a:defPPr>
+              <a:defRPr lang="zh-CN"/>
+            </a:defPPr>
+            <a:lvl1pPr>
+              <a:defRPr sz="1200">
+                <a:solidFill>
+                  <a:schemeClr val="tx1">
+                    <a:lumMod val="75000"/>
+                    <a:lumOff val="25000"/>
+                  </a:schemeClr>
+                </a:solidFill>
+                <a:latin typeface="EngraversGothic BT" panose="020B0507020203020204" pitchFamily="34" charset="0"/>
+              </a:defRPr>
+            </a:lvl1pPr>
+          </a:lstStyle>
+          <a:p>
+            <a:pPr algn="ctr"/>
+            <a:r>
+              <a:rPr lang="zh-TW" altLang="en-US" sz="2400" b="1" spc="300" dirty="0">
+                <a:latin typeface="+mn-ea"/>
+              </a:rPr>
+              <a:t>預 期 數 據</a:t>
+            </a:r>
+            <a:endParaRPr lang="en-US" altLang="zh-CN" sz="2400" b="1" spc="300" dirty="0">
+              <a:latin typeface="+mn-ea"/>
+            </a:endParaRPr>
+          </a:p>
+        </p:txBody>
+      </p:sp>
+      <p:cxnSp>
+        <p:nvCxnSpPr>
+          <p:cNvPr id="23" name="直接连接符 22"/>
+          <p:cNvCxnSpPr/>
+          <p:nvPr/>
+        </p:nvCxnSpPr>
+        <p:spPr>
+          <a:xfrm>
+            <a:off x="7676581" y="546172"/>
+            <a:ext cx="2785497" cy="0"/>
+          </a:xfrm>
+          <a:prstGeom prst="line">
+            <a:avLst/>
+          </a:prstGeom>
+          <a:ln w="38100">
             <a:solidFill>
-              <a:srgbClr val="E5E8ED"/>
+              <a:schemeClr val="bg1">
+                <a:lumMod val="75000"/>
+              </a:schemeClr>
             </a:solidFill>
-            <a:ln>
-              <a:noFill/>
-            </a:ln>
-            <a:effectLst>
-              <a:innerShdw blurRad="304800" dist="76200" dir="13500000">
-                <a:prstClr val="black">
-                  <a:alpha val="67000"/>
-                </a:prstClr>
-              </a:innerShdw>
-            </a:effectLst>
-          </p:spPr>
-          <p:style>
-            <a:lnRef idx="2">
-              <a:schemeClr val="accent1">
-                <a:shade val="50000"/>
-              </a:schemeClr>
-            </a:lnRef>
-            <a:fillRef idx="1">
-              <a:schemeClr val="accent1"/>
-            </a:fillRef>
-            <a:effectRef idx="0">
-              <a:schemeClr val="accent1"/>
-            </a:effectRef>
-            <a:fontRef idx="minor">
-              <a:schemeClr val="lt1"/>
-            </a:fontRef>
-          </p:style>
-          <p:txBody>
-            <a:bodyPr rtlCol="0" anchor="ctr"/>
-            <a:lstStyle/>
-            <a:p>
-              <a:pPr algn="ctr"/>
-              <a:endParaRPr lang="zh-CN" altLang="en-US"/>
-            </a:p>
-          </p:txBody>
-        </p:sp>
-        <p:sp>
-          <p:nvSpPr>
-            <p:cNvPr id="10" name="文本框 9"/>
-            <p:cNvSpPr txBox="1"/>
-            <p:nvPr/>
-          </p:nvSpPr>
-          <p:spPr>
-            <a:xfrm>
-              <a:off x="2400216" y="2532580"/>
-              <a:ext cx="1210588" cy="1200329"/>
-            </a:xfrm>
-            <a:prstGeom prst="rect">
-              <a:avLst/>
-            </a:prstGeom>
-            <a:noFill/>
-          </p:spPr>
-          <p:txBody>
-            <a:bodyPr wrap="none" rtlCol="0">
-              <a:spAutoFit/>
-              <a:scene3d>
-                <a:camera prst="orthographicFront"/>
-                <a:lightRig rig="threePt" dir="t"/>
-              </a:scene3d>
-              <a:sp3d contourW="12700"/>
-            </a:bodyPr>
-            <a:lstStyle/>
-            <a:p>
-              <a:pPr algn="r"/>
-              <a:r>
-                <a:rPr lang="en-US" altLang="zh-CN" sz="7200" b="1" dirty="0">
-                  <a:solidFill>
-                    <a:srgbClr val="191919"/>
-                  </a:solidFill>
-                </a:rPr>
-                <a:t>03</a:t>
-              </a:r>
-              <a:endParaRPr lang="zh-CN" altLang="en-US" sz="7200" b="1" dirty="0">
-                <a:solidFill>
-                  <a:srgbClr val="191919"/>
-                </a:solidFill>
-              </a:endParaRPr>
-            </a:p>
-          </p:txBody>
-        </p:sp>
-        <p:sp>
-          <p:nvSpPr>
-            <p:cNvPr id="13" name="文本框 12"/>
-            <p:cNvSpPr txBox="1"/>
-            <p:nvPr/>
-          </p:nvSpPr>
-          <p:spPr>
-            <a:xfrm>
-              <a:off x="2360141" y="3732319"/>
-              <a:ext cx="1290738" cy="584775"/>
-            </a:xfrm>
-            <a:prstGeom prst="rect">
-              <a:avLst/>
-            </a:prstGeom>
-            <a:noFill/>
-          </p:spPr>
-          <p:txBody>
-            <a:bodyPr wrap="none" rtlCol="0">
-              <a:spAutoFit/>
-              <a:scene3d>
-                <a:camera prst="orthographicFront"/>
-                <a:lightRig rig="threePt" dir="t"/>
-              </a:scene3d>
-              <a:sp3d contourW="12700"/>
-            </a:bodyPr>
-            <a:lstStyle/>
-            <a:p>
-              <a:pPr algn="r"/>
-              <a:r>
-                <a:rPr lang="en-US" altLang="zh-CN" sz="3200" b="1" spc="600" dirty="0">
-                  <a:solidFill>
-                    <a:srgbClr val="191919"/>
-                  </a:solidFill>
-                </a:rPr>
-                <a:t>Part</a:t>
-              </a:r>
-              <a:endParaRPr lang="zh-CN" altLang="en-US" sz="3200" b="1" spc="600" dirty="0">
-                <a:solidFill>
-                  <a:srgbClr val="191919"/>
-                </a:solidFill>
-              </a:endParaRPr>
-            </a:p>
-          </p:txBody>
-        </p:sp>
-      </p:grpSp>
+          </a:ln>
+        </p:spPr>
+        <p:style>
+          <a:lnRef idx="1">
+            <a:schemeClr val="accent1"/>
+          </a:lnRef>
+          <a:fillRef idx="0">
+            <a:schemeClr val="accent1"/>
+          </a:fillRef>
+          <a:effectRef idx="0">
+            <a:schemeClr val="accent1"/>
+          </a:effectRef>
+          <a:fontRef idx="minor">
+            <a:schemeClr val="tx1"/>
+          </a:fontRef>
+        </p:style>
+      </p:cxnSp>
+      <p:sp>
+        <p:nvSpPr>
+          <p:cNvPr id="5" name="圖片版面配置區 4">
+            <a:extLst>
+              <a:ext uri="{FF2B5EF4-FFF2-40B4-BE49-F238E27FC236}">
+                <a16:creationId xmlns:a16="http://schemas.microsoft.com/office/drawing/2014/main" id="{121A4893-3D38-4B2B-9834-0016A0D032F5}"/>
+              </a:ext>
+            </a:extLst>
+          </p:cNvPr>
+          <p:cNvSpPr>
+            <a:spLocks noGrp="1"/>
+          </p:cNvSpPr>
+          <p:nvPr>
+            <p:ph type="pic" sz="quarter" idx="11"/>
+          </p:nvPr>
+        </p:nvSpPr>
+        <p:spPr/>
+      </p:sp>
+      <p:sp>
+        <p:nvSpPr>
+          <p:cNvPr id="7" name="圖片版面配置區 6">
+            <a:extLst>
+              <a:ext uri="{FF2B5EF4-FFF2-40B4-BE49-F238E27FC236}">
+                <a16:creationId xmlns:a16="http://schemas.microsoft.com/office/drawing/2014/main" id="{07BC37A3-7E22-4E1B-9720-7B4F3BB38E6F}"/>
+              </a:ext>
+            </a:extLst>
+          </p:cNvPr>
+          <p:cNvSpPr>
+            <a:spLocks noGrp="1"/>
+          </p:cNvSpPr>
+          <p:nvPr>
+            <p:ph type="pic" sz="quarter" idx="12"/>
+          </p:nvPr>
+        </p:nvSpPr>
+        <p:spPr/>
+      </p:sp>
+      <p:sp>
+        <p:nvSpPr>
+          <p:cNvPr id="10" name="圖片版面配置區 9">
+            <a:extLst>
+              <a:ext uri="{FF2B5EF4-FFF2-40B4-BE49-F238E27FC236}">
+                <a16:creationId xmlns:a16="http://schemas.microsoft.com/office/drawing/2014/main" id="{9A528BAE-5A46-4608-9997-F03CF93A9303}"/>
+              </a:ext>
+            </a:extLst>
+          </p:cNvPr>
+          <p:cNvSpPr>
+            <a:spLocks noGrp="1"/>
+          </p:cNvSpPr>
+          <p:nvPr>
+            <p:ph type="pic" sz="quarter" idx="13"/>
+          </p:nvPr>
+        </p:nvSpPr>
+        <p:spPr/>
+      </p:sp>
+      <p:sp>
+        <p:nvSpPr>
+          <p:cNvPr id="20" name="圖片版面配置區 19">
+            <a:extLst>
+              <a:ext uri="{FF2B5EF4-FFF2-40B4-BE49-F238E27FC236}">
+                <a16:creationId xmlns:a16="http://schemas.microsoft.com/office/drawing/2014/main" id="{3F5E9F8F-97BA-4AC3-9646-7430EA66785D}"/>
+              </a:ext>
+            </a:extLst>
+          </p:cNvPr>
+          <p:cNvSpPr>
+            <a:spLocks noGrp="1"/>
+          </p:cNvSpPr>
+          <p:nvPr>
+            <p:ph type="pic" sz="quarter" idx="14"/>
+          </p:nvPr>
+        </p:nvSpPr>
+        <p:spPr/>
+      </p:sp>
+      <p:graphicFrame>
+        <p:nvGraphicFramePr>
+          <p:cNvPr id="24" name="表格 24">
+            <a:extLst>
+              <a:ext uri="{FF2B5EF4-FFF2-40B4-BE49-F238E27FC236}">
+                <a16:creationId xmlns:a16="http://schemas.microsoft.com/office/drawing/2014/main" id="{5CCED60A-C09A-4EE7-B2E8-80FA97E42AC2}"/>
+              </a:ext>
+            </a:extLst>
+          </p:cNvPr>
+          <p:cNvGraphicFramePr>
+            <a:graphicFrameLocks noGrp="1"/>
+          </p:cNvGraphicFramePr>
+          <p:nvPr>
+            <p:extLst>
+              <p:ext uri="{D42A27DB-BD31-4B8C-83A1-F6EECF244321}">
+                <p14:modId xmlns:p14="http://schemas.microsoft.com/office/powerpoint/2010/main" val="3477181508"/>
+              </p:ext>
+            </p:extLst>
+          </p:nvPr>
+        </p:nvGraphicFramePr>
+        <p:xfrm>
+          <a:off x="952107" y="1337294"/>
+          <a:ext cx="10189843" cy="4495470"/>
+        </p:xfrm>
+        <a:graphic>
+          <a:graphicData uri="http://schemas.openxmlformats.org/drawingml/2006/table">
+            <a:tbl>
+              <a:tblPr firstRow="1" firstCol="1" bandCol="1">
+                <a:tableStyleId>{F5AB1C69-6EDB-4FF4-983F-18BD219EF322}</a:tableStyleId>
+              </a:tblPr>
+              <a:tblGrid>
+                <a:gridCol w="1244284">
+                  <a:extLst>
+                    <a:ext uri="{9D8B030D-6E8A-4147-A177-3AD203B41FA5}">
+                      <a16:colId xmlns:a16="http://schemas.microsoft.com/office/drawing/2014/main" val="331537671"/>
+                    </a:ext>
+                  </a:extLst>
+                </a:gridCol>
+                <a:gridCol w="914454">
+                  <a:extLst>
+                    <a:ext uri="{9D8B030D-6E8A-4147-A177-3AD203B41FA5}">
+                      <a16:colId xmlns:a16="http://schemas.microsoft.com/office/drawing/2014/main" val="228758660"/>
+                    </a:ext>
+                  </a:extLst>
+                </a:gridCol>
+                <a:gridCol w="970961">
+                  <a:extLst>
+                    <a:ext uri="{9D8B030D-6E8A-4147-A177-3AD203B41FA5}">
+                      <a16:colId xmlns:a16="http://schemas.microsoft.com/office/drawing/2014/main" val="1913949628"/>
+                    </a:ext>
+                  </a:extLst>
+                </a:gridCol>
+                <a:gridCol w="1096438">
+                  <a:extLst>
+                    <a:ext uri="{9D8B030D-6E8A-4147-A177-3AD203B41FA5}">
+                      <a16:colId xmlns:a16="http://schemas.microsoft.com/office/drawing/2014/main" val="2772174363"/>
+                    </a:ext>
+                  </a:extLst>
+                </a:gridCol>
+                <a:gridCol w="993951">
+                  <a:extLst>
+                    <a:ext uri="{9D8B030D-6E8A-4147-A177-3AD203B41FA5}">
+                      <a16:colId xmlns:a16="http://schemas.microsoft.com/office/drawing/2014/main" val="206986900"/>
+                    </a:ext>
+                  </a:extLst>
+                </a:gridCol>
+                <a:gridCol w="993951">
+                  <a:extLst>
+                    <a:ext uri="{9D8B030D-6E8A-4147-A177-3AD203B41FA5}">
+                      <a16:colId xmlns:a16="http://schemas.microsoft.com/office/drawing/2014/main" val="1764391286"/>
+                    </a:ext>
+                  </a:extLst>
+                </a:gridCol>
+                <a:gridCol w="993951">
+                  <a:extLst>
+                    <a:ext uri="{9D8B030D-6E8A-4147-A177-3AD203B41FA5}">
+                      <a16:colId xmlns:a16="http://schemas.microsoft.com/office/drawing/2014/main" val="381867506"/>
+                    </a:ext>
+                  </a:extLst>
+                </a:gridCol>
+                <a:gridCol w="993951">
+                  <a:extLst>
+                    <a:ext uri="{9D8B030D-6E8A-4147-A177-3AD203B41FA5}">
+                      <a16:colId xmlns:a16="http://schemas.microsoft.com/office/drawing/2014/main" val="2154791359"/>
+                    </a:ext>
+                  </a:extLst>
+                </a:gridCol>
+                <a:gridCol w="993951">
+                  <a:extLst>
+                    <a:ext uri="{9D8B030D-6E8A-4147-A177-3AD203B41FA5}">
+                      <a16:colId xmlns:a16="http://schemas.microsoft.com/office/drawing/2014/main" val="3843283751"/>
+                    </a:ext>
+                  </a:extLst>
+                </a:gridCol>
+                <a:gridCol w="993951">
+                  <a:extLst>
+                    <a:ext uri="{9D8B030D-6E8A-4147-A177-3AD203B41FA5}">
+                      <a16:colId xmlns:a16="http://schemas.microsoft.com/office/drawing/2014/main" val="4171340310"/>
+                    </a:ext>
+                  </a:extLst>
+                </a:gridCol>
+              </a:tblGrid>
+              <a:tr h="716214">
+                <a:tc>
+                  <a:txBody>
+                    <a:bodyPr/>
+                    <a:lstStyle/>
+                    <a:p>
+                      <a:endParaRPr lang="zh-TW" altLang="en-US" dirty="0"/>
+                    </a:p>
+                  </a:txBody>
+                  <a:tcPr>
+                    <a:lnL w="12700" cap="flat" cmpd="sng" algn="ctr">
+                      <a:solidFill>
+                        <a:schemeClr val="tx1"/>
+                      </a:solidFill>
+                      <a:prstDash val="solid"/>
+                      <a:round/>
+                      <a:headEnd type="none" w="med" len="med"/>
+                      <a:tailEnd type="none" w="med" len="med"/>
+                    </a:lnL>
+                    <a:lnR w="12700" cap="flat" cmpd="sng" algn="ctr">
+                      <a:solidFill>
+                        <a:schemeClr val="tx1"/>
+                      </a:solidFill>
+                      <a:prstDash val="solid"/>
+                      <a:round/>
+                      <a:headEnd type="none" w="med" len="med"/>
+                      <a:tailEnd type="none" w="med" len="med"/>
+                    </a:lnR>
+                    <a:lnT w="12700" cap="flat" cmpd="sng" algn="ctr">
+                      <a:solidFill>
+                        <a:schemeClr val="tx1"/>
+                      </a:solidFill>
+                      <a:prstDash val="solid"/>
+                      <a:round/>
+                      <a:headEnd type="none" w="med" len="med"/>
+                      <a:tailEnd type="none" w="med" len="med"/>
+                    </a:lnT>
+                    <a:lnB w="12700" cap="flat" cmpd="sng" algn="ctr">
+                      <a:solidFill>
+                        <a:schemeClr val="tx1"/>
+                      </a:solidFill>
+                      <a:prstDash val="solid"/>
+                      <a:round/>
+                      <a:headEnd type="none" w="med" len="med"/>
+                      <a:tailEnd type="none" w="med" len="med"/>
+                    </a:lnB>
+                    <a:lnTlToBr w="12700" cap="flat" cmpd="sng" algn="ctr">
+                      <a:solidFill>
+                        <a:schemeClr val="tx1"/>
+                      </a:solidFill>
+                      <a:prstDash val="solid"/>
+                      <a:round/>
+                      <a:headEnd type="none" w="med" len="med"/>
+                      <a:tailEnd type="none" w="med" len="med"/>
+                    </a:lnTlToBr>
+                    <a:lnBlToTr w="12700" cmpd="sng">
+                      <a:noFill/>
+                      <a:prstDash val="solid"/>
+                    </a:lnBlToTr>
+                  </a:tcPr>
+                </a:tc>
+                <a:tc>
+                  <a:txBody>
+                    <a:bodyPr/>
+                    <a:lstStyle/>
+                    <a:p>
+                      <a:pPr marL="0" marR="0" lvl="0" indent="0" algn="ctr" defTabSz="914400" rtl="0" eaLnBrk="1" fontAlgn="auto" latinLnBrk="0" hangingPunct="1">
+                        <a:lnSpc>
+                          <a:spcPct val="100000"/>
+                        </a:lnSpc>
+                        <a:spcBef>
+                          <a:spcPts val="0"/>
+                        </a:spcBef>
+                        <a:spcAft>
+                          <a:spcPts val="0"/>
+                        </a:spcAft>
+                        <a:buClrTx/>
+                        <a:buSzTx/>
+                        <a:buFontTx/>
+                        <a:buNone/>
+                        <a:tabLst/>
+                        <a:defRPr/>
+                      </a:pPr>
+                      <a:r>
+                        <a:rPr lang="zh-TW" altLang="en-US" dirty="0">
+                          <a:solidFill>
+                            <a:srgbClr val="1C2530"/>
+                          </a:solidFill>
+                        </a:rPr>
+                        <a:t>平均</a:t>
+                      </a:r>
+                      <a:endParaRPr lang="en-US" altLang="zh-TW" dirty="0">
+                        <a:solidFill>
+                          <a:srgbClr val="1C2530"/>
+                        </a:solidFill>
+                      </a:endParaRPr>
+                    </a:p>
+                    <a:p>
+                      <a:pPr marL="0" marR="0" lvl="0" indent="0" algn="ctr" defTabSz="914400" rtl="0" eaLnBrk="1" fontAlgn="auto" latinLnBrk="0" hangingPunct="1">
+                        <a:lnSpc>
+                          <a:spcPct val="100000"/>
+                        </a:lnSpc>
+                        <a:spcBef>
+                          <a:spcPts val="0"/>
+                        </a:spcBef>
+                        <a:spcAft>
+                          <a:spcPts val="0"/>
+                        </a:spcAft>
+                        <a:buClrTx/>
+                        <a:buSzTx/>
+                        <a:buFontTx/>
+                        <a:buNone/>
+                        <a:tabLst/>
+                        <a:defRPr/>
+                      </a:pPr>
+                      <a:r>
+                        <a:rPr lang="zh-TW" altLang="en-US" dirty="0">
+                          <a:solidFill>
+                            <a:srgbClr val="1C2530"/>
+                          </a:solidFill>
+                        </a:rPr>
+                        <a:t>股價</a:t>
+                      </a:r>
+                      <a:endParaRPr lang="en-US" altLang="zh-TW" dirty="0">
+                        <a:solidFill>
+                          <a:srgbClr val="1C2530"/>
+                        </a:solidFill>
+                      </a:endParaRPr>
+                    </a:p>
+                    <a:p>
+                      <a:pPr algn="ctr"/>
+                      <a:r>
+                        <a:rPr lang="en-US" altLang="zh-TW" dirty="0">
+                          <a:solidFill>
+                            <a:srgbClr val="1C2530"/>
+                          </a:solidFill>
+                        </a:rPr>
+                        <a:t>0~50</a:t>
+                      </a:r>
+                      <a:endParaRPr lang="zh-TW" altLang="en-US" dirty="0">
+                        <a:solidFill>
+                          <a:srgbClr val="1C2530"/>
+                        </a:solidFill>
+                      </a:endParaRPr>
+                    </a:p>
+                  </a:txBody>
+                  <a:tcPr>
+                    <a:lnL w="12700" cap="flat" cmpd="sng" algn="ctr">
+                      <a:solidFill>
+                        <a:schemeClr val="tx1"/>
+                      </a:solidFill>
+                      <a:prstDash val="solid"/>
+                      <a:round/>
+                      <a:headEnd type="none" w="med" len="med"/>
+                      <a:tailEnd type="none" w="med" len="med"/>
+                    </a:lnL>
+                    <a:lnR w="12700" cap="flat" cmpd="sng" algn="ctr">
+                      <a:solidFill>
+                        <a:schemeClr val="tx1"/>
+                      </a:solidFill>
+                      <a:prstDash val="solid"/>
+                      <a:round/>
+                      <a:headEnd type="none" w="med" len="med"/>
+                      <a:tailEnd type="none" w="med" len="med"/>
+                    </a:lnR>
+                    <a:lnT w="12700" cap="flat" cmpd="sng" algn="ctr">
+                      <a:solidFill>
+                        <a:schemeClr val="tx1"/>
+                      </a:solidFill>
+                      <a:prstDash val="solid"/>
+                      <a:round/>
+                      <a:headEnd type="none" w="med" len="med"/>
+                      <a:tailEnd type="none" w="med" len="med"/>
+                    </a:lnT>
+                    <a:lnB w="12700" cap="flat" cmpd="sng" algn="ctr">
+                      <a:solidFill>
+                        <a:schemeClr val="tx1"/>
+                      </a:solidFill>
+                      <a:prstDash val="solid"/>
+                      <a:round/>
+                      <a:headEnd type="none" w="med" len="med"/>
+                      <a:tailEnd type="none" w="med" len="med"/>
+                    </a:lnB>
+                    <a:lnTlToBr w="12700" cmpd="sng">
+                      <a:noFill/>
+                      <a:prstDash val="solid"/>
+                    </a:lnTlToBr>
+                    <a:lnBlToTr w="12700" cmpd="sng">
+                      <a:noFill/>
+                      <a:prstDash val="solid"/>
+                    </a:lnBlToTr>
+                  </a:tcPr>
+                </a:tc>
+                <a:tc>
+                  <a:txBody>
+                    <a:bodyPr/>
+                    <a:lstStyle/>
+                    <a:p>
+                      <a:pPr marL="0" marR="0" lvl="0" indent="0" algn="ctr" defTabSz="914400" rtl="0" eaLnBrk="1" fontAlgn="auto" latinLnBrk="0" hangingPunct="1">
+                        <a:lnSpc>
+                          <a:spcPct val="100000"/>
+                        </a:lnSpc>
+                        <a:spcBef>
+                          <a:spcPts val="0"/>
+                        </a:spcBef>
+                        <a:spcAft>
+                          <a:spcPts val="0"/>
+                        </a:spcAft>
+                        <a:buClrTx/>
+                        <a:buSzTx/>
+                        <a:buFontTx/>
+                        <a:buNone/>
+                        <a:tabLst/>
+                        <a:defRPr/>
+                      </a:pPr>
+                      <a:r>
+                        <a:rPr lang="zh-TW" altLang="en-US" dirty="0">
+                          <a:solidFill>
+                            <a:srgbClr val="1C2530"/>
+                          </a:solidFill>
+                        </a:rPr>
+                        <a:t>平均</a:t>
+                      </a:r>
+                      <a:endParaRPr lang="en-US" altLang="zh-TW" dirty="0">
+                        <a:solidFill>
+                          <a:srgbClr val="1C2530"/>
+                        </a:solidFill>
+                      </a:endParaRPr>
+                    </a:p>
+                    <a:p>
+                      <a:pPr marL="0" marR="0" lvl="0" indent="0" algn="ctr" defTabSz="914400" rtl="0" eaLnBrk="1" fontAlgn="auto" latinLnBrk="0" hangingPunct="1">
+                        <a:lnSpc>
+                          <a:spcPct val="100000"/>
+                        </a:lnSpc>
+                        <a:spcBef>
+                          <a:spcPts val="0"/>
+                        </a:spcBef>
+                        <a:spcAft>
+                          <a:spcPts val="0"/>
+                        </a:spcAft>
+                        <a:buClrTx/>
+                        <a:buSzTx/>
+                        <a:buFontTx/>
+                        <a:buNone/>
+                        <a:tabLst/>
+                        <a:defRPr/>
+                      </a:pPr>
+                      <a:r>
+                        <a:rPr lang="zh-TW" altLang="en-US" dirty="0">
+                          <a:solidFill>
+                            <a:srgbClr val="1C2530"/>
+                          </a:solidFill>
+                        </a:rPr>
+                        <a:t>股價</a:t>
+                      </a:r>
+                      <a:endParaRPr lang="en-US" altLang="zh-TW" dirty="0">
+                        <a:solidFill>
+                          <a:srgbClr val="1C2530"/>
+                        </a:solidFill>
+                      </a:endParaRPr>
+                    </a:p>
+                    <a:p>
+                      <a:pPr algn="ctr"/>
+                      <a:r>
+                        <a:rPr lang="en-US" altLang="zh-TW" dirty="0">
+                          <a:solidFill>
+                            <a:srgbClr val="1C2530"/>
+                          </a:solidFill>
+                        </a:rPr>
+                        <a:t>10~100</a:t>
+                      </a:r>
+                    </a:p>
+                  </a:txBody>
+                  <a:tcPr>
+                    <a:lnL w="12700" cap="flat" cmpd="sng" algn="ctr">
+                      <a:solidFill>
+                        <a:schemeClr val="tx1"/>
+                      </a:solidFill>
+                      <a:prstDash val="solid"/>
+                      <a:round/>
+                      <a:headEnd type="none" w="med" len="med"/>
+                      <a:tailEnd type="none" w="med" len="med"/>
+                    </a:lnL>
+                    <a:lnR w="12700" cap="flat" cmpd="sng" algn="ctr">
+                      <a:solidFill>
+                        <a:schemeClr val="tx1"/>
+                      </a:solidFill>
+                      <a:prstDash val="solid"/>
+                      <a:round/>
+                      <a:headEnd type="none" w="med" len="med"/>
+                      <a:tailEnd type="none" w="med" len="med"/>
+                    </a:lnR>
+                    <a:lnT w="12700" cap="flat" cmpd="sng" algn="ctr">
+                      <a:solidFill>
+                        <a:schemeClr val="tx1"/>
+                      </a:solidFill>
+                      <a:prstDash val="solid"/>
+                      <a:round/>
+                      <a:headEnd type="none" w="med" len="med"/>
+                      <a:tailEnd type="none" w="med" len="med"/>
+                    </a:lnT>
+                    <a:lnB w="12700" cap="flat" cmpd="sng" algn="ctr">
+                      <a:solidFill>
+                        <a:schemeClr val="tx1"/>
+                      </a:solidFill>
+                      <a:prstDash val="solid"/>
+                      <a:round/>
+                      <a:headEnd type="none" w="med" len="med"/>
+                      <a:tailEnd type="none" w="med" len="med"/>
+                    </a:lnB>
+                    <a:lnTlToBr w="12700" cmpd="sng">
+                      <a:noFill/>
+                      <a:prstDash val="solid"/>
+                    </a:lnTlToBr>
+                    <a:lnBlToTr w="12700" cmpd="sng">
+                      <a:noFill/>
+                      <a:prstDash val="solid"/>
+                    </a:lnBlToTr>
+                  </a:tcPr>
+                </a:tc>
+                <a:tc>
+                  <a:txBody>
+                    <a:bodyPr/>
+                    <a:lstStyle/>
+                    <a:p>
+                      <a:pPr marL="0" marR="0" lvl="0" indent="0" algn="ctr" defTabSz="914400" rtl="0" eaLnBrk="1" fontAlgn="auto" latinLnBrk="0" hangingPunct="1">
+                        <a:lnSpc>
+                          <a:spcPct val="100000"/>
+                        </a:lnSpc>
+                        <a:spcBef>
+                          <a:spcPts val="0"/>
+                        </a:spcBef>
+                        <a:spcAft>
+                          <a:spcPts val="0"/>
+                        </a:spcAft>
+                        <a:buClrTx/>
+                        <a:buSzTx/>
+                        <a:buFontTx/>
+                        <a:buNone/>
+                        <a:tabLst/>
+                        <a:defRPr/>
+                      </a:pPr>
+                      <a:r>
+                        <a:rPr lang="zh-TW" altLang="en-US" dirty="0">
+                          <a:solidFill>
+                            <a:srgbClr val="1C2530"/>
+                          </a:solidFill>
+                        </a:rPr>
+                        <a:t>平均</a:t>
+                      </a:r>
+                      <a:endParaRPr lang="en-US" altLang="zh-TW" dirty="0">
+                        <a:solidFill>
+                          <a:srgbClr val="1C2530"/>
+                        </a:solidFill>
+                      </a:endParaRPr>
+                    </a:p>
+                    <a:p>
+                      <a:pPr marL="0" marR="0" lvl="0" indent="0" algn="ctr" defTabSz="914400" rtl="0" eaLnBrk="1" fontAlgn="auto" latinLnBrk="0" hangingPunct="1">
+                        <a:lnSpc>
+                          <a:spcPct val="100000"/>
+                        </a:lnSpc>
+                        <a:spcBef>
+                          <a:spcPts val="0"/>
+                        </a:spcBef>
+                        <a:spcAft>
+                          <a:spcPts val="0"/>
+                        </a:spcAft>
+                        <a:buClrTx/>
+                        <a:buSzTx/>
+                        <a:buFontTx/>
+                        <a:buNone/>
+                        <a:tabLst/>
+                        <a:defRPr/>
+                      </a:pPr>
+                      <a:r>
+                        <a:rPr lang="zh-TW" altLang="en-US" dirty="0">
+                          <a:solidFill>
+                            <a:srgbClr val="1C2530"/>
+                          </a:solidFill>
+                        </a:rPr>
+                        <a:t>股價</a:t>
+                      </a:r>
+                      <a:endParaRPr lang="en-US" altLang="zh-TW" dirty="0">
+                        <a:solidFill>
+                          <a:srgbClr val="1C2530"/>
+                        </a:solidFill>
+                      </a:endParaRPr>
+                    </a:p>
+                    <a:p>
+                      <a:pPr algn="ctr"/>
+                      <a:r>
+                        <a:rPr lang="en-US" altLang="zh-TW" dirty="0">
+                          <a:solidFill>
+                            <a:srgbClr val="1C2530"/>
+                          </a:solidFill>
+                        </a:rPr>
+                        <a:t>100~500</a:t>
+                      </a:r>
+                      <a:endParaRPr lang="zh-TW" altLang="en-US" dirty="0">
+                        <a:solidFill>
+                          <a:srgbClr val="1C2530"/>
+                        </a:solidFill>
+                      </a:endParaRPr>
+                    </a:p>
+                  </a:txBody>
+                  <a:tcPr>
+                    <a:lnL w="12700" cap="flat" cmpd="sng" algn="ctr">
+                      <a:solidFill>
+                        <a:schemeClr val="tx1"/>
+                      </a:solidFill>
+                      <a:prstDash val="solid"/>
+                      <a:round/>
+                      <a:headEnd type="none" w="med" len="med"/>
+                      <a:tailEnd type="none" w="med" len="med"/>
+                    </a:lnL>
+                    <a:lnR w="12700" cap="flat" cmpd="sng" algn="ctr">
+                      <a:solidFill>
+                        <a:schemeClr val="tx1"/>
+                      </a:solidFill>
+                      <a:prstDash val="solid"/>
+                      <a:round/>
+                      <a:headEnd type="none" w="med" len="med"/>
+                      <a:tailEnd type="none" w="med" len="med"/>
+                    </a:lnR>
+                    <a:lnT w="12700" cap="flat" cmpd="sng" algn="ctr">
+                      <a:solidFill>
+                        <a:schemeClr val="tx1"/>
+                      </a:solidFill>
+                      <a:prstDash val="solid"/>
+                      <a:round/>
+                      <a:headEnd type="none" w="med" len="med"/>
+                      <a:tailEnd type="none" w="med" len="med"/>
+                    </a:lnT>
+                    <a:lnB w="12700" cap="flat" cmpd="sng" algn="ctr">
+                      <a:solidFill>
+                        <a:schemeClr val="tx1"/>
+                      </a:solidFill>
+                      <a:prstDash val="solid"/>
+                      <a:round/>
+                      <a:headEnd type="none" w="med" len="med"/>
+                      <a:tailEnd type="none" w="med" len="med"/>
+                    </a:lnB>
+                    <a:lnTlToBr w="12700" cmpd="sng">
+                      <a:noFill/>
+                      <a:prstDash val="solid"/>
+                    </a:lnTlToBr>
+                    <a:lnBlToTr w="12700" cmpd="sng">
+                      <a:noFill/>
+                      <a:prstDash val="solid"/>
+                    </a:lnBlToTr>
+                  </a:tcPr>
+                </a:tc>
+                <a:tc>
+                  <a:txBody>
+                    <a:bodyPr/>
+                    <a:lstStyle/>
+                    <a:p>
+                      <a:pPr marL="0" marR="0" lvl="0" indent="0" algn="ctr" defTabSz="914400" rtl="0" eaLnBrk="1" fontAlgn="auto" latinLnBrk="0" hangingPunct="1">
+                        <a:lnSpc>
+                          <a:spcPct val="100000"/>
+                        </a:lnSpc>
+                        <a:spcBef>
+                          <a:spcPts val="0"/>
+                        </a:spcBef>
+                        <a:spcAft>
+                          <a:spcPts val="0"/>
+                        </a:spcAft>
+                        <a:buClrTx/>
+                        <a:buSzTx/>
+                        <a:buFontTx/>
+                        <a:buNone/>
+                        <a:tabLst/>
+                        <a:defRPr/>
+                      </a:pPr>
+                      <a:r>
+                        <a:rPr lang="zh-TW" altLang="en-US" dirty="0">
+                          <a:solidFill>
+                            <a:srgbClr val="1C2530"/>
+                          </a:solidFill>
+                        </a:rPr>
+                        <a:t>平均</a:t>
+                      </a:r>
+                      <a:endParaRPr lang="en-US" altLang="zh-TW" dirty="0">
+                        <a:solidFill>
+                          <a:srgbClr val="1C2530"/>
+                        </a:solidFill>
+                      </a:endParaRPr>
+                    </a:p>
+                    <a:p>
+                      <a:pPr marL="0" marR="0" lvl="0" indent="0" algn="ctr" defTabSz="914400" rtl="0" eaLnBrk="1" fontAlgn="auto" latinLnBrk="0" hangingPunct="1">
+                        <a:lnSpc>
+                          <a:spcPct val="100000"/>
+                        </a:lnSpc>
+                        <a:spcBef>
+                          <a:spcPts val="0"/>
+                        </a:spcBef>
+                        <a:spcAft>
+                          <a:spcPts val="0"/>
+                        </a:spcAft>
+                        <a:buClrTx/>
+                        <a:buSzTx/>
+                        <a:buFontTx/>
+                        <a:buNone/>
+                        <a:tabLst/>
+                        <a:defRPr/>
+                      </a:pPr>
+                      <a:r>
+                        <a:rPr lang="zh-TW" altLang="en-US" dirty="0">
+                          <a:solidFill>
+                            <a:srgbClr val="1C2530"/>
+                          </a:solidFill>
+                        </a:rPr>
+                        <a:t>股價</a:t>
+                      </a:r>
+                      <a:endParaRPr lang="en-US" altLang="zh-TW" sz="1800" b="0" i="0" kern="1200" dirty="0">
+                        <a:solidFill>
+                          <a:srgbClr val="1C2530"/>
+                        </a:solidFill>
+                        <a:effectLst/>
+                        <a:latin typeface="+mn-lt"/>
+                        <a:ea typeface="+mn-ea"/>
+                        <a:cs typeface="+mn-cs"/>
+                      </a:endParaRPr>
+                    </a:p>
+                    <a:p>
+                      <a:pPr algn="ctr"/>
+                      <a:r>
+                        <a:rPr lang="en-US" altLang="zh-TW" sz="1800" b="1" i="0" kern="1200" dirty="0">
+                          <a:solidFill>
+                            <a:srgbClr val="1C2530"/>
+                          </a:solidFill>
+                          <a:effectLst/>
+                          <a:latin typeface="+mn-lt"/>
+                          <a:ea typeface="+mn-ea"/>
+                          <a:cs typeface="+mn-cs"/>
+                        </a:rPr>
+                        <a:t>&gt;500</a:t>
+                      </a:r>
+                    </a:p>
+                  </a:txBody>
+                  <a:tcPr>
+                    <a:lnL w="12700" cap="flat" cmpd="sng" algn="ctr">
+                      <a:solidFill>
+                        <a:schemeClr val="tx1"/>
+                      </a:solidFill>
+                      <a:prstDash val="solid"/>
+                      <a:round/>
+                      <a:headEnd type="none" w="med" len="med"/>
+                      <a:tailEnd type="none" w="med" len="med"/>
+                    </a:lnL>
+                    <a:lnR w="12700" cap="flat" cmpd="sng" algn="ctr">
+                      <a:solidFill>
+                        <a:schemeClr val="tx1"/>
+                      </a:solidFill>
+                      <a:prstDash val="solid"/>
+                      <a:round/>
+                      <a:headEnd type="none" w="med" len="med"/>
+                      <a:tailEnd type="none" w="med" len="med"/>
+                    </a:lnR>
+                    <a:lnT w="12700" cap="flat" cmpd="sng" algn="ctr">
+                      <a:solidFill>
+                        <a:schemeClr val="tx1"/>
+                      </a:solidFill>
+                      <a:prstDash val="solid"/>
+                      <a:round/>
+                      <a:headEnd type="none" w="med" len="med"/>
+                      <a:tailEnd type="none" w="med" len="med"/>
+                    </a:lnT>
+                    <a:lnB w="12700" cap="flat" cmpd="sng" algn="ctr">
+                      <a:solidFill>
+                        <a:schemeClr val="tx1"/>
+                      </a:solidFill>
+                      <a:prstDash val="solid"/>
+                      <a:round/>
+                      <a:headEnd type="none" w="med" len="med"/>
+                      <a:tailEnd type="none" w="med" len="med"/>
+                    </a:lnB>
+                    <a:lnTlToBr w="12700" cmpd="sng">
+                      <a:noFill/>
+                      <a:prstDash val="solid"/>
+                    </a:lnTlToBr>
+                    <a:lnBlToTr w="12700" cmpd="sng">
+                      <a:noFill/>
+                      <a:prstDash val="solid"/>
+                    </a:lnBlToTr>
+                  </a:tcPr>
+                </a:tc>
+                <a:tc>
+                  <a:txBody>
+                    <a:bodyPr/>
+                    <a:lstStyle/>
+                    <a:p>
+                      <a:pPr marL="0" marR="0" lvl="0" indent="0" algn="ctr" defTabSz="914400" rtl="0" eaLnBrk="1" fontAlgn="auto" latinLnBrk="0" hangingPunct="1">
+                        <a:lnSpc>
+                          <a:spcPct val="100000"/>
+                        </a:lnSpc>
+                        <a:spcBef>
+                          <a:spcPts val="0"/>
+                        </a:spcBef>
+                        <a:spcAft>
+                          <a:spcPts val="0"/>
+                        </a:spcAft>
+                        <a:buClrTx/>
+                        <a:buSzTx/>
+                        <a:buFontTx/>
+                        <a:buNone/>
+                        <a:tabLst/>
+                        <a:defRPr/>
+                      </a:pPr>
+                      <a:r>
+                        <a:rPr lang="zh-TW" altLang="en-US" dirty="0">
+                          <a:solidFill>
+                            <a:srgbClr val="1C2530"/>
+                          </a:solidFill>
+                        </a:rPr>
+                        <a:t>股息</a:t>
+                      </a:r>
+                    </a:p>
+                    <a:p>
+                      <a:pPr marL="0" marR="0" lvl="0" indent="0" algn="ctr" defTabSz="914400" rtl="0" eaLnBrk="1" fontAlgn="auto" latinLnBrk="0" hangingPunct="1">
+                        <a:lnSpc>
+                          <a:spcPct val="100000"/>
+                        </a:lnSpc>
+                        <a:spcBef>
+                          <a:spcPts val="0"/>
+                        </a:spcBef>
+                        <a:spcAft>
+                          <a:spcPts val="0"/>
+                        </a:spcAft>
+                        <a:buClrTx/>
+                        <a:buSzTx/>
+                        <a:buFontTx/>
+                        <a:buNone/>
+                        <a:tabLst/>
+                        <a:defRPr/>
+                      </a:pPr>
+                      <a:r>
+                        <a:rPr lang="en-US" altLang="zh-TW" dirty="0">
+                          <a:solidFill>
+                            <a:srgbClr val="1C2530"/>
+                          </a:solidFill>
+                        </a:rPr>
+                        <a:t>0%</a:t>
+                      </a:r>
+                    </a:p>
+                  </a:txBody>
+                  <a:tcPr>
+                    <a:lnL w="12700" cap="flat" cmpd="sng" algn="ctr">
+                      <a:solidFill>
+                        <a:schemeClr val="tx1"/>
+                      </a:solidFill>
+                      <a:prstDash val="solid"/>
+                      <a:round/>
+                      <a:headEnd type="none" w="med" len="med"/>
+                      <a:tailEnd type="none" w="med" len="med"/>
+                    </a:lnL>
+                    <a:lnR w="12700" cap="flat" cmpd="sng" algn="ctr">
+                      <a:solidFill>
+                        <a:schemeClr val="tx1"/>
+                      </a:solidFill>
+                      <a:prstDash val="solid"/>
+                      <a:round/>
+                      <a:headEnd type="none" w="med" len="med"/>
+                      <a:tailEnd type="none" w="med" len="med"/>
+                    </a:lnR>
+                    <a:lnT w="12700" cap="flat" cmpd="sng" algn="ctr">
+                      <a:solidFill>
+                        <a:schemeClr val="tx1"/>
+                      </a:solidFill>
+                      <a:prstDash val="solid"/>
+                      <a:round/>
+                      <a:headEnd type="none" w="med" len="med"/>
+                      <a:tailEnd type="none" w="med" len="med"/>
+                    </a:lnT>
+                    <a:lnB w="12700" cap="flat" cmpd="sng" algn="ctr">
+                      <a:solidFill>
+                        <a:schemeClr val="tx1"/>
+                      </a:solidFill>
+                      <a:prstDash val="solid"/>
+                      <a:round/>
+                      <a:headEnd type="none" w="med" len="med"/>
+                      <a:tailEnd type="none" w="med" len="med"/>
+                    </a:lnB>
+                    <a:lnTlToBr w="12700" cmpd="sng">
+                      <a:noFill/>
+                      <a:prstDash val="solid"/>
+                    </a:lnTlToBr>
+                    <a:lnBlToTr w="12700" cmpd="sng">
+                      <a:noFill/>
+                      <a:prstDash val="solid"/>
+                    </a:lnBlToTr>
+                  </a:tcPr>
+                </a:tc>
+                <a:tc>
+                  <a:txBody>
+                    <a:bodyPr/>
+                    <a:lstStyle/>
+                    <a:p>
+                      <a:pPr marL="0" marR="0" lvl="0" indent="0" algn="ctr" defTabSz="914400" rtl="0" eaLnBrk="1" fontAlgn="auto" latinLnBrk="0" hangingPunct="1">
+                        <a:lnSpc>
+                          <a:spcPct val="100000"/>
+                        </a:lnSpc>
+                        <a:spcBef>
+                          <a:spcPts val="0"/>
+                        </a:spcBef>
+                        <a:spcAft>
+                          <a:spcPts val="0"/>
+                        </a:spcAft>
+                        <a:buClrTx/>
+                        <a:buSzTx/>
+                        <a:buFontTx/>
+                        <a:buNone/>
+                        <a:tabLst/>
+                        <a:defRPr/>
+                      </a:pPr>
+                      <a:r>
+                        <a:rPr lang="zh-TW" altLang="en-US" dirty="0">
+                          <a:solidFill>
+                            <a:srgbClr val="1C2530"/>
+                          </a:solidFill>
+                        </a:rPr>
+                        <a:t>股息</a:t>
+                      </a:r>
+                      <a:endParaRPr lang="en-US" altLang="zh-TW" dirty="0">
+                        <a:solidFill>
+                          <a:srgbClr val="1C2530"/>
+                        </a:solidFill>
+                      </a:endParaRPr>
+                    </a:p>
+                    <a:p>
+                      <a:pPr algn="ctr"/>
+                      <a:r>
+                        <a:rPr lang="en-US" altLang="zh-TW" dirty="0">
+                          <a:solidFill>
+                            <a:srgbClr val="1C2530"/>
+                          </a:solidFill>
+                        </a:rPr>
+                        <a:t>0~2%</a:t>
+                      </a:r>
+                      <a:endParaRPr lang="zh-TW" altLang="en-US" dirty="0">
+                        <a:solidFill>
+                          <a:srgbClr val="1C2530"/>
+                        </a:solidFill>
+                      </a:endParaRPr>
+                    </a:p>
+                  </a:txBody>
+                  <a:tcPr>
+                    <a:lnL w="12700" cap="flat" cmpd="sng" algn="ctr">
+                      <a:solidFill>
+                        <a:schemeClr val="tx1"/>
+                      </a:solidFill>
+                      <a:prstDash val="solid"/>
+                      <a:round/>
+                      <a:headEnd type="none" w="med" len="med"/>
+                      <a:tailEnd type="none" w="med" len="med"/>
+                    </a:lnL>
+                    <a:lnR w="12700" cap="flat" cmpd="sng" algn="ctr">
+                      <a:solidFill>
+                        <a:schemeClr val="tx1"/>
+                      </a:solidFill>
+                      <a:prstDash val="solid"/>
+                      <a:round/>
+                      <a:headEnd type="none" w="med" len="med"/>
+                      <a:tailEnd type="none" w="med" len="med"/>
+                    </a:lnR>
+                    <a:lnT w="12700" cap="flat" cmpd="sng" algn="ctr">
+                      <a:solidFill>
+                        <a:schemeClr val="tx1"/>
+                      </a:solidFill>
+                      <a:prstDash val="solid"/>
+                      <a:round/>
+                      <a:headEnd type="none" w="med" len="med"/>
+                      <a:tailEnd type="none" w="med" len="med"/>
+                    </a:lnT>
+                    <a:lnB w="12700" cap="flat" cmpd="sng" algn="ctr">
+                      <a:solidFill>
+                        <a:schemeClr val="tx1"/>
+                      </a:solidFill>
+                      <a:prstDash val="solid"/>
+                      <a:round/>
+                      <a:headEnd type="none" w="med" len="med"/>
+                      <a:tailEnd type="none" w="med" len="med"/>
+                    </a:lnB>
+                    <a:lnTlToBr w="12700" cmpd="sng">
+                      <a:noFill/>
+                      <a:prstDash val="solid"/>
+                    </a:lnTlToBr>
+                    <a:lnBlToTr w="12700" cmpd="sng">
+                      <a:noFill/>
+                      <a:prstDash val="solid"/>
+                    </a:lnBlToTr>
+                  </a:tcPr>
+                </a:tc>
+                <a:tc>
+                  <a:txBody>
+                    <a:bodyPr/>
+                    <a:lstStyle/>
+                    <a:p>
+                      <a:pPr marL="0" marR="0" lvl="0" indent="0" algn="ctr" defTabSz="914400" rtl="0" eaLnBrk="1" fontAlgn="auto" latinLnBrk="0" hangingPunct="1">
+                        <a:lnSpc>
+                          <a:spcPct val="100000"/>
+                        </a:lnSpc>
+                        <a:spcBef>
+                          <a:spcPts val="0"/>
+                        </a:spcBef>
+                        <a:spcAft>
+                          <a:spcPts val="0"/>
+                        </a:spcAft>
+                        <a:buClrTx/>
+                        <a:buSzTx/>
+                        <a:buFontTx/>
+                        <a:buNone/>
+                        <a:tabLst/>
+                        <a:defRPr/>
+                      </a:pPr>
+                      <a:r>
+                        <a:rPr lang="zh-TW" altLang="en-US" dirty="0">
+                          <a:solidFill>
+                            <a:srgbClr val="1C2530"/>
+                          </a:solidFill>
+                        </a:rPr>
+                        <a:t>股息</a:t>
+                      </a:r>
+                      <a:endParaRPr lang="en-US" altLang="zh-TW" dirty="0">
+                        <a:solidFill>
+                          <a:srgbClr val="1C2530"/>
+                        </a:solidFill>
+                      </a:endParaRPr>
+                    </a:p>
+                    <a:p>
+                      <a:pPr algn="ctr"/>
+                      <a:r>
+                        <a:rPr lang="en-US" altLang="zh-TW" dirty="0">
+                          <a:solidFill>
+                            <a:srgbClr val="1C2530"/>
+                          </a:solidFill>
+                        </a:rPr>
+                        <a:t>2~6%</a:t>
+                      </a:r>
+                      <a:endParaRPr lang="zh-TW" altLang="en-US" dirty="0">
+                        <a:solidFill>
+                          <a:srgbClr val="1C2530"/>
+                        </a:solidFill>
+                      </a:endParaRPr>
+                    </a:p>
+                  </a:txBody>
+                  <a:tcPr>
+                    <a:lnL w="12700" cap="flat" cmpd="sng" algn="ctr">
+                      <a:solidFill>
+                        <a:schemeClr val="tx1"/>
+                      </a:solidFill>
+                      <a:prstDash val="solid"/>
+                      <a:round/>
+                      <a:headEnd type="none" w="med" len="med"/>
+                      <a:tailEnd type="none" w="med" len="med"/>
+                    </a:lnL>
+                    <a:lnR w="12700" cap="flat" cmpd="sng" algn="ctr">
+                      <a:solidFill>
+                        <a:schemeClr val="tx1"/>
+                      </a:solidFill>
+                      <a:prstDash val="solid"/>
+                      <a:round/>
+                      <a:headEnd type="none" w="med" len="med"/>
+                      <a:tailEnd type="none" w="med" len="med"/>
+                    </a:lnR>
+                    <a:lnT w="12700" cap="flat" cmpd="sng" algn="ctr">
+                      <a:solidFill>
+                        <a:schemeClr val="tx1"/>
+                      </a:solidFill>
+                      <a:prstDash val="solid"/>
+                      <a:round/>
+                      <a:headEnd type="none" w="med" len="med"/>
+                      <a:tailEnd type="none" w="med" len="med"/>
+                    </a:lnT>
+                    <a:lnB w="12700" cap="flat" cmpd="sng" algn="ctr">
+                      <a:solidFill>
+                        <a:schemeClr val="tx1"/>
+                      </a:solidFill>
+                      <a:prstDash val="solid"/>
+                      <a:round/>
+                      <a:headEnd type="none" w="med" len="med"/>
+                      <a:tailEnd type="none" w="med" len="med"/>
+                    </a:lnB>
+                    <a:lnTlToBr w="12700" cmpd="sng">
+                      <a:noFill/>
+                      <a:prstDash val="solid"/>
+                    </a:lnTlToBr>
+                    <a:lnBlToTr w="12700" cmpd="sng">
+                      <a:noFill/>
+                      <a:prstDash val="solid"/>
+                    </a:lnBlToTr>
+                  </a:tcPr>
+                </a:tc>
+                <a:tc>
+                  <a:txBody>
+                    <a:bodyPr/>
+                    <a:lstStyle/>
+                    <a:p>
+                      <a:pPr marL="0" marR="0" lvl="0" indent="0" algn="ctr" defTabSz="914400" rtl="0" eaLnBrk="1" fontAlgn="auto" latinLnBrk="0" hangingPunct="1">
+                        <a:lnSpc>
+                          <a:spcPct val="100000"/>
+                        </a:lnSpc>
+                        <a:spcBef>
+                          <a:spcPts val="0"/>
+                        </a:spcBef>
+                        <a:spcAft>
+                          <a:spcPts val="0"/>
+                        </a:spcAft>
+                        <a:buClrTx/>
+                        <a:buSzTx/>
+                        <a:buFontTx/>
+                        <a:buNone/>
+                        <a:tabLst/>
+                        <a:defRPr/>
+                      </a:pPr>
+                      <a:r>
+                        <a:rPr lang="zh-TW" altLang="en-US" dirty="0">
+                          <a:solidFill>
+                            <a:srgbClr val="1C2530"/>
+                          </a:solidFill>
+                        </a:rPr>
+                        <a:t>股息</a:t>
+                      </a:r>
+                      <a:endParaRPr lang="en-US" altLang="zh-TW" dirty="0">
+                        <a:solidFill>
+                          <a:srgbClr val="1C2530"/>
+                        </a:solidFill>
+                      </a:endParaRPr>
+                    </a:p>
+                    <a:p>
+                      <a:pPr algn="ctr"/>
+                      <a:r>
+                        <a:rPr lang="en-US" altLang="zh-TW" dirty="0">
+                          <a:solidFill>
+                            <a:srgbClr val="1C2530"/>
+                          </a:solidFill>
+                        </a:rPr>
+                        <a:t>&gt;6%</a:t>
+                      </a:r>
+                    </a:p>
+                  </a:txBody>
+                  <a:tcPr>
+                    <a:lnL w="12700" cap="flat" cmpd="sng" algn="ctr">
+                      <a:solidFill>
+                        <a:schemeClr val="tx1"/>
+                      </a:solidFill>
+                      <a:prstDash val="solid"/>
+                      <a:round/>
+                      <a:headEnd type="none" w="med" len="med"/>
+                      <a:tailEnd type="none" w="med" len="med"/>
+                    </a:lnL>
+                    <a:lnR w="12700" cap="flat" cmpd="sng" algn="ctr">
+                      <a:solidFill>
+                        <a:schemeClr val="tx1"/>
+                      </a:solidFill>
+                      <a:prstDash val="solid"/>
+                      <a:round/>
+                      <a:headEnd type="none" w="med" len="med"/>
+                      <a:tailEnd type="none" w="med" len="med"/>
+                    </a:lnR>
+                    <a:lnT w="12700" cap="flat" cmpd="sng" algn="ctr">
+                      <a:solidFill>
+                        <a:schemeClr val="tx1"/>
+                      </a:solidFill>
+                      <a:prstDash val="solid"/>
+                      <a:round/>
+                      <a:headEnd type="none" w="med" len="med"/>
+                      <a:tailEnd type="none" w="med" len="med"/>
+                    </a:lnT>
+                    <a:lnB w="12700" cap="flat" cmpd="sng" algn="ctr">
+                      <a:solidFill>
+                        <a:schemeClr val="tx1"/>
+                      </a:solidFill>
+                      <a:prstDash val="solid"/>
+                      <a:round/>
+                      <a:headEnd type="none" w="med" len="med"/>
+                      <a:tailEnd type="none" w="med" len="med"/>
+                    </a:lnB>
+                    <a:lnTlToBr w="12700" cmpd="sng">
+                      <a:noFill/>
+                      <a:prstDash val="solid"/>
+                    </a:lnTlToBr>
+                    <a:lnBlToTr w="12700" cmpd="sng">
+                      <a:noFill/>
+                      <a:prstDash val="solid"/>
+                    </a:lnBlToTr>
+                  </a:tcPr>
+                </a:tc>
+                <a:tc>
+                  <a:txBody>
+                    <a:bodyPr/>
+                    <a:lstStyle/>
+                    <a:p>
+                      <a:pPr algn="ctr"/>
+                      <a:endParaRPr lang="en-US" altLang="zh-TW" dirty="0">
+                        <a:solidFill>
+                          <a:srgbClr val="1C2530"/>
+                        </a:solidFill>
+                      </a:endParaRPr>
+                    </a:p>
+                    <a:p>
+                      <a:pPr algn="ctr"/>
+                      <a:r>
+                        <a:rPr lang="en-US" altLang="zh-TW" dirty="0">
+                          <a:solidFill>
+                            <a:srgbClr val="1C2530"/>
+                          </a:solidFill>
+                        </a:rPr>
+                        <a:t>……..</a:t>
+                      </a:r>
+                      <a:endParaRPr lang="zh-TW" altLang="en-US" dirty="0">
+                        <a:solidFill>
+                          <a:srgbClr val="1C2530"/>
+                        </a:solidFill>
+                      </a:endParaRPr>
+                    </a:p>
+                  </a:txBody>
+                  <a:tcPr>
+                    <a:lnL w="12700" cap="flat" cmpd="sng" algn="ctr">
+                      <a:solidFill>
+                        <a:schemeClr val="tx1"/>
+                      </a:solidFill>
+                      <a:prstDash val="solid"/>
+                      <a:round/>
+                      <a:headEnd type="none" w="med" len="med"/>
+                      <a:tailEnd type="none" w="med" len="med"/>
+                    </a:lnL>
+                    <a:lnR w="12700" cap="flat" cmpd="sng" algn="ctr">
+                      <a:solidFill>
+                        <a:schemeClr val="tx1"/>
+                      </a:solidFill>
+                      <a:prstDash val="solid"/>
+                      <a:round/>
+                      <a:headEnd type="none" w="med" len="med"/>
+                      <a:tailEnd type="none" w="med" len="med"/>
+                    </a:lnR>
+                    <a:lnT w="12700" cap="flat" cmpd="sng" algn="ctr">
+                      <a:solidFill>
+                        <a:schemeClr val="tx1"/>
+                      </a:solidFill>
+                      <a:prstDash val="solid"/>
+                      <a:round/>
+                      <a:headEnd type="none" w="med" len="med"/>
+                      <a:tailEnd type="none" w="med" len="med"/>
+                    </a:lnT>
+                    <a:lnB w="12700" cap="flat" cmpd="sng" algn="ctr">
+                      <a:solidFill>
+                        <a:schemeClr val="tx1"/>
+                      </a:solidFill>
+                      <a:prstDash val="solid"/>
+                      <a:round/>
+                      <a:headEnd type="none" w="med" len="med"/>
+                      <a:tailEnd type="none" w="med" len="med"/>
+                    </a:lnB>
+                    <a:lnTlToBr w="12700" cmpd="sng">
+                      <a:noFill/>
+                      <a:prstDash val="solid"/>
+                    </a:lnTlToBr>
+                    <a:lnBlToTr w="12700" cmpd="sng">
+                      <a:noFill/>
+                      <a:prstDash val="solid"/>
+                    </a:lnBlToTr>
+                  </a:tcPr>
+                </a:tc>
+                <a:extLst>
+                  <a:ext uri="{0D108BD9-81ED-4DB2-BD59-A6C34878D82A}">
+                    <a16:rowId xmlns:a16="http://schemas.microsoft.com/office/drawing/2014/main" val="1286880373"/>
+                  </a:ext>
+                </a:extLst>
+              </a:tr>
+              <a:tr h="716214">
+                <a:tc>
+                  <a:txBody>
+                    <a:bodyPr/>
+                    <a:lstStyle/>
+                    <a:p>
+                      <a:r>
+                        <a:rPr lang="en-US" altLang="zh-TW" sz="1800" dirty="0">
+                          <a:solidFill>
+                            <a:srgbClr val="1C2530"/>
+                          </a:solidFill>
+                        </a:rPr>
+                        <a:t>Apple</a:t>
+                      </a:r>
+                    </a:p>
+                    <a:p>
+                      <a:r>
+                        <a:rPr lang="en-US" altLang="zh-TW" sz="1800" dirty="0">
+                          <a:solidFill>
+                            <a:srgbClr val="1C2530"/>
+                          </a:solidFill>
+                        </a:rPr>
+                        <a:t>Inc.</a:t>
+                      </a:r>
+                      <a:endParaRPr lang="zh-TW" altLang="en-US" sz="1800" dirty="0">
+                        <a:solidFill>
+                          <a:srgbClr val="1C2530"/>
+                        </a:solidFill>
+                      </a:endParaRPr>
+                    </a:p>
+                  </a:txBody>
+                  <a:tcPr>
+                    <a:lnL w="12700" cap="flat" cmpd="sng" algn="ctr">
+                      <a:solidFill>
+                        <a:schemeClr val="tx1"/>
+                      </a:solidFill>
+                      <a:prstDash val="solid"/>
+                      <a:round/>
+                      <a:headEnd type="none" w="med" len="med"/>
+                      <a:tailEnd type="none" w="med" len="med"/>
+                    </a:lnL>
+                    <a:lnR w="12700" cap="flat" cmpd="sng" algn="ctr">
+                      <a:solidFill>
+                        <a:schemeClr val="tx1"/>
+                      </a:solidFill>
+                      <a:prstDash val="solid"/>
+                      <a:round/>
+                      <a:headEnd type="none" w="med" len="med"/>
+                      <a:tailEnd type="none" w="med" len="med"/>
+                    </a:lnR>
+                    <a:lnT w="12700" cap="flat" cmpd="sng" algn="ctr">
+                      <a:solidFill>
+                        <a:schemeClr val="tx1"/>
+                      </a:solidFill>
+                      <a:prstDash val="solid"/>
+                      <a:round/>
+                      <a:headEnd type="none" w="med" len="med"/>
+                      <a:tailEnd type="none" w="med" len="med"/>
+                    </a:lnT>
+                    <a:lnB w="12700" cap="flat" cmpd="sng" algn="ctr">
+                      <a:solidFill>
+                        <a:schemeClr val="tx1"/>
+                      </a:solidFill>
+                      <a:prstDash val="solid"/>
+                      <a:round/>
+                      <a:headEnd type="none" w="med" len="med"/>
+                      <a:tailEnd type="none" w="med" len="med"/>
+                    </a:lnB>
+                    <a:lnTlToBr w="12700" cmpd="sng">
+                      <a:noFill/>
+                      <a:prstDash val="solid"/>
+                    </a:lnTlToBr>
+                    <a:lnBlToTr w="12700" cmpd="sng">
+                      <a:noFill/>
+                      <a:prstDash val="solid"/>
+                    </a:lnBlToTr>
+                  </a:tcPr>
+                </a:tc>
+                <a:tc>
+                  <a:txBody>
+                    <a:bodyPr/>
+                    <a:lstStyle/>
+                    <a:p>
+                      <a:pPr algn="ctr"/>
+                      <a:r>
+                        <a:rPr lang="en-US" altLang="zh-TW" dirty="0"/>
+                        <a:t>0</a:t>
+                      </a:r>
+                      <a:endParaRPr lang="zh-TW" altLang="en-US" dirty="0"/>
+                    </a:p>
+                  </a:txBody>
+                  <a:tcPr>
+                    <a:lnL w="12700" cap="flat" cmpd="sng" algn="ctr">
+                      <a:solidFill>
+                        <a:schemeClr val="tx1"/>
+                      </a:solidFill>
+                      <a:prstDash val="solid"/>
+                      <a:round/>
+                      <a:headEnd type="none" w="med" len="med"/>
+                      <a:tailEnd type="none" w="med" len="med"/>
+                    </a:lnL>
+                    <a:lnR w="12700" cap="flat" cmpd="sng" algn="ctr">
+                      <a:solidFill>
+                        <a:schemeClr val="tx1"/>
+                      </a:solidFill>
+                      <a:prstDash val="solid"/>
+                      <a:round/>
+                      <a:headEnd type="none" w="med" len="med"/>
+                      <a:tailEnd type="none" w="med" len="med"/>
+                    </a:lnR>
+                    <a:lnT w="12700" cap="flat" cmpd="sng" algn="ctr">
+                      <a:solidFill>
+                        <a:schemeClr val="tx1"/>
+                      </a:solidFill>
+                      <a:prstDash val="solid"/>
+                      <a:round/>
+                      <a:headEnd type="none" w="med" len="med"/>
+                      <a:tailEnd type="none" w="med" len="med"/>
+                    </a:lnT>
+                    <a:lnB w="12700" cap="flat" cmpd="sng" algn="ctr">
+                      <a:solidFill>
+                        <a:schemeClr val="tx1"/>
+                      </a:solidFill>
+                      <a:prstDash val="solid"/>
+                      <a:round/>
+                      <a:headEnd type="none" w="med" len="med"/>
+                      <a:tailEnd type="none" w="med" len="med"/>
+                    </a:lnB>
+                    <a:lnTlToBr w="12700" cmpd="sng">
+                      <a:noFill/>
+                      <a:prstDash val="solid"/>
+                    </a:lnTlToBr>
+                    <a:lnBlToTr w="12700" cmpd="sng">
+                      <a:noFill/>
+                      <a:prstDash val="solid"/>
+                    </a:lnBlToTr>
+                  </a:tcPr>
+                </a:tc>
+                <a:tc>
+                  <a:txBody>
+                    <a:bodyPr/>
+                    <a:lstStyle/>
+                    <a:p>
+                      <a:pPr algn="ctr"/>
+                      <a:r>
+                        <a:rPr lang="en-US" altLang="zh-TW" dirty="0"/>
+                        <a:t>0</a:t>
+                      </a:r>
+                      <a:endParaRPr lang="zh-TW" altLang="en-US" dirty="0"/>
+                    </a:p>
+                  </a:txBody>
+                  <a:tcPr>
+                    <a:lnL w="12700" cap="flat" cmpd="sng" algn="ctr">
+                      <a:solidFill>
+                        <a:schemeClr val="tx1"/>
+                      </a:solidFill>
+                      <a:prstDash val="solid"/>
+                      <a:round/>
+                      <a:headEnd type="none" w="med" len="med"/>
+                      <a:tailEnd type="none" w="med" len="med"/>
+                    </a:lnL>
+                    <a:lnR w="12700" cap="flat" cmpd="sng" algn="ctr">
+                      <a:solidFill>
+                        <a:schemeClr val="tx1"/>
+                      </a:solidFill>
+                      <a:prstDash val="solid"/>
+                      <a:round/>
+                      <a:headEnd type="none" w="med" len="med"/>
+                      <a:tailEnd type="none" w="med" len="med"/>
+                    </a:lnR>
+                    <a:lnT w="12700" cap="flat" cmpd="sng" algn="ctr">
+                      <a:solidFill>
+                        <a:schemeClr val="tx1"/>
+                      </a:solidFill>
+                      <a:prstDash val="solid"/>
+                      <a:round/>
+                      <a:headEnd type="none" w="med" len="med"/>
+                      <a:tailEnd type="none" w="med" len="med"/>
+                    </a:lnT>
+                    <a:lnB w="12700" cap="flat" cmpd="sng" algn="ctr">
+                      <a:solidFill>
+                        <a:schemeClr val="tx1"/>
+                      </a:solidFill>
+                      <a:prstDash val="solid"/>
+                      <a:round/>
+                      <a:headEnd type="none" w="med" len="med"/>
+                      <a:tailEnd type="none" w="med" len="med"/>
+                    </a:lnB>
+                    <a:lnTlToBr w="12700" cmpd="sng">
+                      <a:noFill/>
+                      <a:prstDash val="solid"/>
+                    </a:lnTlToBr>
+                    <a:lnBlToTr w="12700" cmpd="sng">
+                      <a:noFill/>
+                      <a:prstDash val="solid"/>
+                    </a:lnBlToTr>
+                  </a:tcPr>
+                </a:tc>
+                <a:tc>
+                  <a:txBody>
+                    <a:bodyPr/>
+                    <a:lstStyle/>
+                    <a:p>
+                      <a:pPr algn="ctr"/>
+                      <a:r>
+                        <a:rPr lang="en-US" altLang="zh-TW" dirty="0"/>
+                        <a:t>1</a:t>
+                      </a:r>
+                      <a:endParaRPr lang="zh-TW" altLang="en-US" dirty="0"/>
+                    </a:p>
+                  </a:txBody>
+                  <a:tcPr>
+                    <a:lnL w="12700" cap="flat" cmpd="sng" algn="ctr">
+                      <a:solidFill>
+                        <a:schemeClr val="tx1"/>
+                      </a:solidFill>
+                      <a:prstDash val="solid"/>
+                      <a:round/>
+                      <a:headEnd type="none" w="med" len="med"/>
+                      <a:tailEnd type="none" w="med" len="med"/>
+                    </a:lnL>
+                    <a:lnR w="12700" cap="flat" cmpd="sng" algn="ctr">
+                      <a:solidFill>
+                        <a:schemeClr val="tx1"/>
+                      </a:solidFill>
+                      <a:prstDash val="solid"/>
+                      <a:round/>
+                      <a:headEnd type="none" w="med" len="med"/>
+                      <a:tailEnd type="none" w="med" len="med"/>
+                    </a:lnR>
+                    <a:lnT w="12700" cap="flat" cmpd="sng" algn="ctr">
+                      <a:solidFill>
+                        <a:schemeClr val="tx1"/>
+                      </a:solidFill>
+                      <a:prstDash val="solid"/>
+                      <a:round/>
+                      <a:headEnd type="none" w="med" len="med"/>
+                      <a:tailEnd type="none" w="med" len="med"/>
+                    </a:lnT>
+                    <a:lnB w="12700" cap="flat" cmpd="sng" algn="ctr">
+                      <a:solidFill>
+                        <a:schemeClr val="tx1"/>
+                      </a:solidFill>
+                      <a:prstDash val="solid"/>
+                      <a:round/>
+                      <a:headEnd type="none" w="med" len="med"/>
+                      <a:tailEnd type="none" w="med" len="med"/>
+                    </a:lnB>
+                    <a:lnTlToBr w="12700" cmpd="sng">
+                      <a:noFill/>
+                      <a:prstDash val="solid"/>
+                    </a:lnTlToBr>
+                    <a:lnBlToTr w="12700" cmpd="sng">
+                      <a:noFill/>
+                      <a:prstDash val="solid"/>
+                    </a:lnBlToTr>
+                  </a:tcPr>
+                </a:tc>
+                <a:tc>
+                  <a:txBody>
+                    <a:bodyPr/>
+                    <a:lstStyle/>
+                    <a:p>
+                      <a:pPr algn="ctr"/>
+                      <a:r>
+                        <a:rPr lang="en-US" altLang="zh-TW" dirty="0"/>
+                        <a:t>0</a:t>
+                      </a:r>
+                      <a:endParaRPr lang="zh-TW" altLang="en-US" dirty="0"/>
+                    </a:p>
+                  </a:txBody>
+                  <a:tcPr>
+                    <a:lnL w="12700" cap="flat" cmpd="sng" algn="ctr">
+                      <a:solidFill>
+                        <a:schemeClr val="tx1"/>
+                      </a:solidFill>
+                      <a:prstDash val="solid"/>
+                      <a:round/>
+                      <a:headEnd type="none" w="med" len="med"/>
+                      <a:tailEnd type="none" w="med" len="med"/>
+                    </a:lnL>
+                    <a:lnR w="12700" cap="flat" cmpd="sng" algn="ctr">
+                      <a:solidFill>
+                        <a:schemeClr val="tx1"/>
+                      </a:solidFill>
+                      <a:prstDash val="solid"/>
+                      <a:round/>
+                      <a:headEnd type="none" w="med" len="med"/>
+                      <a:tailEnd type="none" w="med" len="med"/>
+                    </a:lnR>
+                    <a:lnT w="12700" cap="flat" cmpd="sng" algn="ctr">
+                      <a:solidFill>
+                        <a:schemeClr val="tx1"/>
+                      </a:solidFill>
+                      <a:prstDash val="solid"/>
+                      <a:round/>
+                      <a:headEnd type="none" w="med" len="med"/>
+                      <a:tailEnd type="none" w="med" len="med"/>
+                    </a:lnT>
+                    <a:lnB w="12700" cap="flat" cmpd="sng" algn="ctr">
+                      <a:solidFill>
+                        <a:schemeClr val="tx1"/>
+                      </a:solidFill>
+                      <a:prstDash val="solid"/>
+                      <a:round/>
+                      <a:headEnd type="none" w="med" len="med"/>
+                      <a:tailEnd type="none" w="med" len="med"/>
+                    </a:lnB>
+                    <a:lnTlToBr w="12700" cmpd="sng">
+                      <a:noFill/>
+                      <a:prstDash val="solid"/>
+                    </a:lnTlToBr>
+                    <a:lnBlToTr w="12700" cmpd="sng">
+                      <a:noFill/>
+                      <a:prstDash val="solid"/>
+                    </a:lnBlToTr>
+                  </a:tcPr>
+                </a:tc>
+                <a:tc>
+                  <a:txBody>
+                    <a:bodyPr/>
+                    <a:lstStyle/>
+                    <a:p>
+                      <a:pPr algn="ctr"/>
+                      <a:r>
+                        <a:rPr lang="en-US" altLang="zh-TW" dirty="0"/>
+                        <a:t>0</a:t>
+                      </a:r>
+                      <a:endParaRPr lang="zh-TW" altLang="en-US" dirty="0"/>
+                    </a:p>
+                  </a:txBody>
+                  <a:tcPr>
+                    <a:lnL w="12700" cap="flat" cmpd="sng" algn="ctr">
+                      <a:solidFill>
+                        <a:schemeClr val="tx1"/>
+                      </a:solidFill>
+                      <a:prstDash val="solid"/>
+                      <a:round/>
+                      <a:headEnd type="none" w="med" len="med"/>
+                      <a:tailEnd type="none" w="med" len="med"/>
+                    </a:lnL>
+                    <a:lnR w="12700" cap="flat" cmpd="sng" algn="ctr">
+                      <a:solidFill>
+                        <a:schemeClr val="tx1"/>
+                      </a:solidFill>
+                      <a:prstDash val="solid"/>
+                      <a:round/>
+                      <a:headEnd type="none" w="med" len="med"/>
+                      <a:tailEnd type="none" w="med" len="med"/>
+                    </a:lnR>
+                    <a:lnT w="12700" cap="flat" cmpd="sng" algn="ctr">
+                      <a:solidFill>
+                        <a:schemeClr val="tx1"/>
+                      </a:solidFill>
+                      <a:prstDash val="solid"/>
+                      <a:round/>
+                      <a:headEnd type="none" w="med" len="med"/>
+                      <a:tailEnd type="none" w="med" len="med"/>
+                    </a:lnT>
+                    <a:lnB w="12700" cap="flat" cmpd="sng" algn="ctr">
+                      <a:solidFill>
+                        <a:schemeClr val="tx1"/>
+                      </a:solidFill>
+                      <a:prstDash val="solid"/>
+                      <a:round/>
+                      <a:headEnd type="none" w="med" len="med"/>
+                      <a:tailEnd type="none" w="med" len="med"/>
+                    </a:lnB>
+                    <a:lnTlToBr w="12700" cmpd="sng">
+                      <a:noFill/>
+                      <a:prstDash val="solid"/>
+                    </a:lnTlToBr>
+                    <a:lnBlToTr w="12700" cmpd="sng">
+                      <a:noFill/>
+                      <a:prstDash val="solid"/>
+                    </a:lnBlToTr>
+                  </a:tcPr>
+                </a:tc>
+                <a:tc>
+                  <a:txBody>
+                    <a:bodyPr/>
+                    <a:lstStyle/>
+                    <a:p>
+                      <a:pPr algn="ctr"/>
+                      <a:r>
+                        <a:rPr lang="en-US" altLang="zh-TW" dirty="0"/>
+                        <a:t>1</a:t>
+                      </a:r>
+                      <a:endParaRPr lang="zh-TW" altLang="en-US" dirty="0"/>
+                    </a:p>
+                  </a:txBody>
+                  <a:tcPr>
+                    <a:lnL w="12700" cap="flat" cmpd="sng" algn="ctr">
+                      <a:solidFill>
+                        <a:schemeClr val="tx1"/>
+                      </a:solidFill>
+                      <a:prstDash val="solid"/>
+                      <a:round/>
+                      <a:headEnd type="none" w="med" len="med"/>
+                      <a:tailEnd type="none" w="med" len="med"/>
+                    </a:lnL>
+                    <a:lnR w="12700" cap="flat" cmpd="sng" algn="ctr">
+                      <a:solidFill>
+                        <a:schemeClr val="tx1"/>
+                      </a:solidFill>
+                      <a:prstDash val="solid"/>
+                      <a:round/>
+                      <a:headEnd type="none" w="med" len="med"/>
+                      <a:tailEnd type="none" w="med" len="med"/>
+                    </a:lnR>
+                    <a:lnT w="12700" cap="flat" cmpd="sng" algn="ctr">
+                      <a:solidFill>
+                        <a:schemeClr val="tx1"/>
+                      </a:solidFill>
+                      <a:prstDash val="solid"/>
+                      <a:round/>
+                      <a:headEnd type="none" w="med" len="med"/>
+                      <a:tailEnd type="none" w="med" len="med"/>
+                    </a:lnT>
+                    <a:lnB w="12700" cap="flat" cmpd="sng" algn="ctr">
+                      <a:solidFill>
+                        <a:schemeClr val="tx1"/>
+                      </a:solidFill>
+                      <a:prstDash val="solid"/>
+                      <a:round/>
+                      <a:headEnd type="none" w="med" len="med"/>
+                      <a:tailEnd type="none" w="med" len="med"/>
+                    </a:lnB>
+                    <a:lnTlToBr w="12700" cmpd="sng">
+                      <a:noFill/>
+                      <a:prstDash val="solid"/>
+                    </a:lnTlToBr>
+                    <a:lnBlToTr w="12700" cmpd="sng">
+                      <a:noFill/>
+                      <a:prstDash val="solid"/>
+                    </a:lnBlToTr>
+                  </a:tcPr>
+                </a:tc>
+                <a:tc>
+                  <a:txBody>
+                    <a:bodyPr/>
+                    <a:lstStyle/>
+                    <a:p>
+                      <a:pPr algn="ctr"/>
+                      <a:r>
+                        <a:rPr lang="en-US" altLang="zh-TW" dirty="0"/>
+                        <a:t>0</a:t>
+                      </a:r>
+                      <a:endParaRPr lang="zh-TW" altLang="en-US" dirty="0"/>
+                    </a:p>
+                  </a:txBody>
+                  <a:tcPr>
+                    <a:lnL w="12700" cap="flat" cmpd="sng" algn="ctr">
+                      <a:solidFill>
+                        <a:schemeClr val="tx1"/>
+                      </a:solidFill>
+                      <a:prstDash val="solid"/>
+                      <a:round/>
+                      <a:headEnd type="none" w="med" len="med"/>
+                      <a:tailEnd type="none" w="med" len="med"/>
+                    </a:lnL>
+                    <a:lnR w="12700" cap="flat" cmpd="sng" algn="ctr">
+                      <a:solidFill>
+                        <a:schemeClr val="tx1"/>
+                      </a:solidFill>
+                      <a:prstDash val="solid"/>
+                      <a:round/>
+                      <a:headEnd type="none" w="med" len="med"/>
+                      <a:tailEnd type="none" w="med" len="med"/>
+                    </a:lnR>
+                    <a:lnT w="12700" cap="flat" cmpd="sng" algn="ctr">
+                      <a:solidFill>
+                        <a:schemeClr val="tx1"/>
+                      </a:solidFill>
+                      <a:prstDash val="solid"/>
+                      <a:round/>
+                      <a:headEnd type="none" w="med" len="med"/>
+                      <a:tailEnd type="none" w="med" len="med"/>
+                    </a:lnT>
+                    <a:lnB w="12700" cap="flat" cmpd="sng" algn="ctr">
+                      <a:solidFill>
+                        <a:schemeClr val="tx1"/>
+                      </a:solidFill>
+                      <a:prstDash val="solid"/>
+                      <a:round/>
+                      <a:headEnd type="none" w="med" len="med"/>
+                      <a:tailEnd type="none" w="med" len="med"/>
+                    </a:lnB>
+                    <a:lnTlToBr w="12700" cmpd="sng">
+                      <a:noFill/>
+                      <a:prstDash val="solid"/>
+                    </a:lnTlToBr>
+                    <a:lnBlToTr w="12700" cmpd="sng">
+                      <a:noFill/>
+                      <a:prstDash val="solid"/>
+                    </a:lnBlToTr>
+                  </a:tcPr>
+                </a:tc>
+                <a:tc>
+                  <a:txBody>
+                    <a:bodyPr/>
+                    <a:lstStyle/>
+                    <a:p>
+                      <a:pPr algn="ctr"/>
+                      <a:r>
+                        <a:rPr lang="en-US" altLang="zh-TW" dirty="0"/>
+                        <a:t>0</a:t>
+                      </a:r>
+                      <a:endParaRPr lang="zh-TW" altLang="en-US" dirty="0"/>
+                    </a:p>
+                  </a:txBody>
+                  <a:tcPr>
+                    <a:lnL w="12700" cap="flat" cmpd="sng" algn="ctr">
+                      <a:solidFill>
+                        <a:schemeClr val="tx1"/>
+                      </a:solidFill>
+                      <a:prstDash val="solid"/>
+                      <a:round/>
+                      <a:headEnd type="none" w="med" len="med"/>
+                      <a:tailEnd type="none" w="med" len="med"/>
+                    </a:lnL>
+                    <a:lnR w="12700" cap="flat" cmpd="sng" algn="ctr">
+                      <a:solidFill>
+                        <a:schemeClr val="tx1"/>
+                      </a:solidFill>
+                      <a:prstDash val="solid"/>
+                      <a:round/>
+                      <a:headEnd type="none" w="med" len="med"/>
+                      <a:tailEnd type="none" w="med" len="med"/>
+                    </a:lnR>
+                    <a:lnT w="12700" cap="flat" cmpd="sng" algn="ctr">
+                      <a:solidFill>
+                        <a:schemeClr val="tx1"/>
+                      </a:solidFill>
+                      <a:prstDash val="solid"/>
+                      <a:round/>
+                      <a:headEnd type="none" w="med" len="med"/>
+                      <a:tailEnd type="none" w="med" len="med"/>
+                    </a:lnT>
+                    <a:lnB w="12700" cap="flat" cmpd="sng" algn="ctr">
+                      <a:solidFill>
+                        <a:schemeClr val="tx1"/>
+                      </a:solidFill>
+                      <a:prstDash val="solid"/>
+                      <a:round/>
+                      <a:headEnd type="none" w="med" len="med"/>
+                      <a:tailEnd type="none" w="med" len="med"/>
+                    </a:lnB>
+                    <a:lnTlToBr w="12700" cmpd="sng">
+                      <a:noFill/>
+                      <a:prstDash val="solid"/>
+                    </a:lnTlToBr>
+                    <a:lnBlToTr w="12700" cmpd="sng">
+                      <a:noFill/>
+                      <a:prstDash val="solid"/>
+                    </a:lnBlToTr>
+                  </a:tcPr>
+                </a:tc>
+                <a:tc>
+                  <a:txBody>
+                    <a:bodyPr/>
+                    <a:lstStyle/>
+                    <a:p>
+                      <a:pPr marL="0" marR="0" lvl="0" indent="0" algn="ctr" defTabSz="914400" rtl="0" eaLnBrk="1" fontAlgn="auto" latinLnBrk="0" hangingPunct="1">
+                        <a:lnSpc>
+                          <a:spcPct val="100000"/>
+                        </a:lnSpc>
+                        <a:spcBef>
+                          <a:spcPts val="0"/>
+                        </a:spcBef>
+                        <a:spcAft>
+                          <a:spcPts val="0"/>
+                        </a:spcAft>
+                        <a:buClrTx/>
+                        <a:buSzTx/>
+                        <a:buFontTx/>
+                        <a:buNone/>
+                        <a:tabLst/>
+                        <a:defRPr/>
+                      </a:pPr>
+                      <a:r>
+                        <a:rPr lang="en-US" altLang="zh-TW" dirty="0">
+                          <a:solidFill>
+                            <a:srgbClr val="1C2530"/>
+                          </a:solidFill>
+                        </a:rPr>
+                        <a:t>……..</a:t>
+                      </a:r>
+                      <a:endParaRPr lang="zh-TW" altLang="en-US" dirty="0">
+                        <a:solidFill>
+                          <a:srgbClr val="1C2530"/>
+                        </a:solidFill>
+                      </a:endParaRPr>
+                    </a:p>
+                    <a:p>
+                      <a:pPr algn="ctr"/>
+                      <a:endParaRPr lang="zh-TW" altLang="en-US" dirty="0"/>
+                    </a:p>
+                  </a:txBody>
+                  <a:tcPr>
+                    <a:lnL w="12700" cap="flat" cmpd="sng" algn="ctr">
+                      <a:solidFill>
+                        <a:schemeClr val="tx1"/>
+                      </a:solidFill>
+                      <a:prstDash val="solid"/>
+                      <a:round/>
+                      <a:headEnd type="none" w="med" len="med"/>
+                      <a:tailEnd type="none" w="med" len="med"/>
+                    </a:lnL>
+                    <a:lnR w="12700" cap="flat" cmpd="sng" algn="ctr">
+                      <a:solidFill>
+                        <a:schemeClr val="tx1"/>
+                      </a:solidFill>
+                      <a:prstDash val="solid"/>
+                      <a:round/>
+                      <a:headEnd type="none" w="med" len="med"/>
+                      <a:tailEnd type="none" w="med" len="med"/>
+                    </a:lnR>
+                    <a:lnT w="12700" cap="flat" cmpd="sng" algn="ctr">
+                      <a:solidFill>
+                        <a:schemeClr val="tx1"/>
+                      </a:solidFill>
+                      <a:prstDash val="solid"/>
+                      <a:round/>
+                      <a:headEnd type="none" w="med" len="med"/>
+                      <a:tailEnd type="none" w="med" len="med"/>
+                    </a:lnT>
+                    <a:lnB w="12700" cap="flat" cmpd="sng" algn="ctr">
+                      <a:solidFill>
+                        <a:schemeClr val="tx1"/>
+                      </a:solidFill>
+                      <a:prstDash val="solid"/>
+                      <a:round/>
+                      <a:headEnd type="none" w="med" len="med"/>
+                      <a:tailEnd type="none" w="med" len="med"/>
+                    </a:lnB>
+                    <a:lnTlToBr w="12700" cmpd="sng">
+                      <a:noFill/>
+                      <a:prstDash val="solid"/>
+                    </a:lnTlToBr>
+                    <a:lnBlToTr w="12700" cmpd="sng">
+                      <a:noFill/>
+                      <a:prstDash val="solid"/>
+                    </a:lnBlToTr>
+                  </a:tcPr>
+                </a:tc>
+                <a:extLst>
+                  <a:ext uri="{0D108BD9-81ED-4DB2-BD59-A6C34878D82A}">
+                    <a16:rowId xmlns:a16="http://schemas.microsoft.com/office/drawing/2014/main" val="3673679524"/>
+                  </a:ext>
+                </a:extLst>
+              </a:tr>
+              <a:tr h="716214">
+                <a:tc>
+                  <a:txBody>
+                    <a:bodyPr/>
+                    <a:lstStyle/>
+                    <a:p>
+                      <a:r>
+                        <a:rPr lang="en-US" altLang="zh-TW" sz="1800" dirty="0">
+                          <a:solidFill>
+                            <a:srgbClr val="1C2530"/>
+                          </a:solidFill>
+                        </a:rPr>
+                        <a:t>Alphabet</a:t>
+                      </a:r>
+                    </a:p>
+                    <a:p>
+                      <a:r>
+                        <a:rPr lang="en-US" altLang="zh-TW" sz="1800" dirty="0">
+                          <a:solidFill>
+                            <a:srgbClr val="1C2530"/>
+                          </a:solidFill>
+                        </a:rPr>
+                        <a:t>Inc.</a:t>
+                      </a:r>
+                      <a:endParaRPr lang="zh-TW" altLang="en-US" sz="1800" dirty="0">
+                        <a:solidFill>
+                          <a:srgbClr val="1C2530"/>
+                        </a:solidFill>
+                      </a:endParaRPr>
+                    </a:p>
+                  </a:txBody>
+                  <a:tcPr>
+                    <a:lnL w="12700" cap="flat" cmpd="sng" algn="ctr">
+                      <a:solidFill>
+                        <a:schemeClr val="tx1"/>
+                      </a:solidFill>
+                      <a:prstDash val="solid"/>
+                      <a:round/>
+                      <a:headEnd type="none" w="med" len="med"/>
+                      <a:tailEnd type="none" w="med" len="med"/>
+                    </a:lnL>
+                    <a:lnR w="12700" cap="flat" cmpd="sng" algn="ctr">
+                      <a:solidFill>
+                        <a:schemeClr val="tx1"/>
+                      </a:solidFill>
+                      <a:prstDash val="solid"/>
+                      <a:round/>
+                      <a:headEnd type="none" w="med" len="med"/>
+                      <a:tailEnd type="none" w="med" len="med"/>
+                    </a:lnR>
+                    <a:lnT w="12700" cap="flat" cmpd="sng" algn="ctr">
+                      <a:solidFill>
+                        <a:schemeClr val="tx1"/>
+                      </a:solidFill>
+                      <a:prstDash val="solid"/>
+                      <a:round/>
+                      <a:headEnd type="none" w="med" len="med"/>
+                      <a:tailEnd type="none" w="med" len="med"/>
+                    </a:lnT>
+                    <a:lnB w="12700" cap="flat" cmpd="sng" algn="ctr">
+                      <a:solidFill>
+                        <a:schemeClr val="tx1"/>
+                      </a:solidFill>
+                      <a:prstDash val="solid"/>
+                      <a:round/>
+                      <a:headEnd type="none" w="med" len="med"/>
+                      <a:tailEnd type="none" w="med" len="med"/>
+                    </a:lnB>
+                    <a:lnTlToBr w="12700" cmpd="sng">
+                      <a:noFill/>
+                      <a:prstDash val="solid"/>
+                    </a:lnTlToBr>
+                    <a:lnBlToTr w="12700" cmpd="sng">
+                      <a:noFill/>
+                      <a:prstDash val="solid"/>
+                    </a:lnBlToTr>
+                  </a:tcPr>
+                </a:tc>
+                <a:tc>
+                  <a:txBody>
+                    <a:bodyPr/>
+                    <a:lstStyle/>
+                    <a:p>
+                      <a:pPr algn="ctr"/>
+                      <a:r>
+                        <a:rPr lang="en-US" altLang="zh-TW" dirty="0"/>
+                        <a:t>0</a:t>
+                      </a:r>
+                      <a:endParaRPr lang="zh-TW" altLang="en-US" dirty="0"/>
+                    </a:p>
+                  </a:txBody>
+                  <a:tcPr>
+                    <a:lnL w="12700" cap="flat" cmpd="sng" algn="ctr">
+                      <a:solidFill>
+                        <a:schemeClr val="tx1"/>
+                      </a:solidFill>
+                      <a:prstDash val="solid"/>
+                      <a:round/>
+                      <a:headEnd type="none" w="med" len="med"/>
+                      <a:tailEnd type="none" w="med" len="med"/>
+                    </a:lnL>
+                    <a:lnR w="12700" cap="flat" cmpd="sng" algn="ctr">
+                      <a:solidFill>
+                        <a:schemeClr val="tx1"/>
+                      </a:solidFill>
+                      <a:prstDash val="solid"/>
+                      <a:round/>
+                      <a:headEnd type="none" w="med" len="med"/>
+                      <a:tailEnd type="none" w="med" len="med"/>
+                    </a:lnR>
+                    <a:lnT w="12700" cap="flat" cmpd="sng" algn="ctr">
+                      <a:solidFill>
+                        <a:schemeClr val="tx1"/>
+                      </a:solidFill>
+                      <a:prstDash val="solid"/>
+                      <a:round/>
+                      <a:headEnd type="none" w="med" len="med"/>
+                      <a:tailEnd type="none" w="med" len="med"/>
+                    </a:lnT>
+                    <a:lnB w="12700" cap="flat" cmpd="sng" algn="ctr">
+                      <a:solidFill>
+                        <a:schemeClr val="tx1"/>
+                      </a:solidFill>
+                      <a:prstDash val="solid"/>
+                      <a:round/>
+                      <a:headEnd type="none" w="med" len="med"/>
+                      <a:tailEnd type="none" w="med" len="med"/>
+                    </a:lnB>
+                    <a:lnTlToBr w="12700" cmpd="sng">
+                      <a:noFill/>
+                      <a:prstDash val="solid"/>
+                    </a:lnTlToBr>
+                    <a:lnBlToTr w="12700" cmpd="sng">
+                      <a:noFill/>
+                      <a:prstDash val="solid"/>
+                    </a:lnBlToTr>
+                  </a:tcPr>
+                </a:tc>
+                <a:tc>
+                  <a:txBody>
+                    <a:bodyPr/>
+                    <a:lstStyle/>
+                    <a:p>
+                      <a:pPr algn="ctr"/>
+                      <a:r>
+                        <a:rPr lang="en-US" altLang="zh-TW" dirty="0"/>
+                        <a:t>0</a:t>
+                      </a:r>
+                      <a:endParaRPr lang="zh-TW" altLang="en-US" dirty="0"/>
+                    </a:p>
+                  </a:txBody>
+                  <a:tcPr>
+                    <a:lnL w="12700" cap="flat" cmpd="sng" algn="ctr">
+                      <a:solidFill>
+                        <a:schemeClr val="tx1"/>
+                      </a:solidFill>
+                      <a:prstDash val="solid"/>
+                      <a:round/>
+                      <a:headEnd type="none" w="med" len="med"/>
+                      <a:tailEnd type="none" w="med" len="med"/>
+                    </a:lnL>
+                    <a:lnR w="12700" cap="flat" cmpd="sng" algn="ctr">
+                      <a:solidFill>
+                        <a:schemeClr val="tx1"/>
+                      </a:solidFill>
+                      <a:prstDash val="solid"/>
+                      <a:round/>
+                      <a:headEnd type="none" w="med" len="med"/>
+                      <a:tailEnd type="none" w="med" len="med"/>
+                    </a:lnR>
+                    <a:lnT w="12700" cap="flat" cmpd="sng" algn="ctr">
+                      <a:solidFill>
+                        <a:schemeClr val="tx1"/>
+                      </a:solidFill>
+                      <a:prstDash val="solid"/>
+                      <a:round/>
+                      <a:headEnd type="none" w="med" len="med"/>
+                      <a:tailEnd type="none" w="med" len="med"/>
+                    </a:lnT>
+                    <a:lnB w="12700" cap="flat" cmpd="sng" algn="ctr">
+                      <a:solidFill>
+                        <a:schemeClr val="tx1"/>
+                      </a:solidFill>
+                      <a:prstDash val="solid"/>
+                      <a:round/>
+                      <a:headEnd type="none" w="med" len="med"/>
+                      <a:tailEnd type="none" w="med" len="med"/>
+                    </a:lnB>
+                    <a:lnTlToBr w="12700" cmpd="sng">
+                      <a:noFill/>
+                      <a:prstDash val="solid"/>
+                    </a:lnTlToBr>
+                    <a:lnBlToTr w="12700" cmpd="sng">
+                      <a:noFill/>
+                      <a:prstDash val="solid"/>
+                    </a:lnBlToTr>
+                  </a:tcPr>
+                </a:tc>
+                <a:tc>
+                  <a:txBody>
+                    <a:bodyPr/>
+                    <a:lstStyle/>
+                    <a:p>
+                      <a:pPr algn="ctr"/>
+                      <a:r>
+                        <a:rPr lang="en-US" altLang="zh-TW" dirty="0"/>
+                        <a:t>0</a:t>
+                      </a:r>
+                      <a:endParaRPr lang="zh-TW" altLang="en-US" dirty="0"/>
+                    </a:p>
+                  </a:txBody>
+                  <a:tcPr>
+                    <a:lnL w="12700" cap="flat" cmpd="sng" algn="ctr">
+                      <a:solidFill>
+                        <a:schemeClr val="tx1"/>
+                      </a:solidFill>
+                      <a:prstDash val="solid"/>
+                      <a:round/>
+                      <a:headEnd type="none" w="med" len="med"/>
+                      <a:tailEnd type="none" w="med" len="med"/>
+                    </a:lnL>
+                    <a:lnR w="12700" cap="flat" cmpd="sng" algn="ctr">
+                      <a:solidFill>
+                        <a:schemeClr val="tx1"/>
+                      </a:solidFill>
+                      <a:prstDash val="solid"/>
+                      <a:round/>
+                      <a:headEnd type="none" w="med" len="med"/>
+                      <a:tailEnd type="none" w="med" len="med"/>
+                    </a:lnR>
+                    <a:lnT w="12700" cap="flat" cmpd="sng" algn="ctr">
+                      <a:solidFill>
+                        <a:schemeClr val="tx1"/>
+                      </a:solidFill>
+                      <a:prstDash val="solid"/>
+                      <a:round/>
+                      <a:headEnd type="none" w="med" len="med"/>
+                      <a:tailEnd type="none" w="med" len="med"/>
+                    </a:lnT>
+                    <a:lnB w="12700" cap="flat" cmpd="sng" algn="ctr">
+                      <a:solidFill>
+                        <a:schemeClr val="tx1"/>
+                      </a:solidFill>
+                      <a:prstDash val="solid"/>
+                      <a:round/>
+                      <a:headEnd type="none" w="med" len="med"/>
+                      <a:tailEnd type="none" w="med" len="med"/>
+                    </a:lnB>
+                    <a:lnTlToBr w="12700" cmpd="sng">
+                      <a:noFill/>
+                      <a:prstDash val="solid"/>
+                    </a:lnTlToBr>
+                    <a:lnBlToTr w="12700" cmpd="sng">
+                      <a:noFill/>
+                      <a:prstDash val="solid"/>
+                    </a:lnBlToTr>
+                  </a:tcPr>
+                </a:tc>
+                <a:tc>
+                  <a:txBody>
+                    <a:bodyPr/>
+                    <a:lstStyle/>
+                    <a:p>
+                      <a:pPr algn="ctr"/>
+                      <a:r>
+                        <a:rPr lang="en-US" altLang="zh-TW" dirty="0"/>
+                        <a:t>1</a:t>
+                      </a:r>
+                      <a:endParaRPr lang="zh-TW" altLang="en-US" dirty="0"/>
+                    </a:p>
+                  </a:txBody>
+                  <a:tcPr>
+                    <a:lnL w="12700" cap="flat" cmpd="sng" algn="ctr">
+                      <a:solidFill>
+                        <a:schemeClr val="tx1"/>
+                      </a:solidFill>
+                      <a:prstDash val="solid"/>
+                      <a:round/>
+                      <a:headEnd type="none" w="med" len="med"/>
+                      <a:tailEnd type="none" w="med" len="med"/>
+                    </a:lnL>
+                    <a:lnR w="12700" cap="flat" cmpd="sng" algn="ctr">
+                      <a:solidFill>
+                        <a:schemeClr val="tx1"/>
+                      </a:solidFill>
+                      <a:prstDash val="solid"/>
+                      <a:round/>
+                      <a:headEnd type="none" w="med" len="med"/>
+                      <a:tailEnd type="none" w="med" len="med"/>
+                    </a:lnR>
+                    <a:lnT w="12700" cap="flat" cmpd="sng" algn="ctr">
+                      <a:solidFill>
+                        <a:schemeClr val="tx1"/>
+                      </a:solidFill>
+                      <a:prstDash val="solid"/>
+                      <a:round/>
+                      <a:headEnd type="none" w="med" len="med"/>
+                      <a:tailEnd type="none" w="med" len="med"/>
+                    </a:lnT>
+                    <a:lnB w="12700" cap="flat" cmpd="sng" algn="ctr">
+                      <a:solidFill>
+                        <a:schemeClr val="tx1"/>
+                      </a:solidFill>
+                      <a:prstDash val="solid"/>
+                      <a:round/>
+                      <a:headEnd type="none" w="med" len="med"/>
+                      <a:tailEnd type="none" w="med" len="med"/>
+                    </a:lnB>
+                    <a:lnTlToBr w="12700" cmpd="sng">
+                      <a:noFill/>
+                      <a:prstDash val="solid"/>
+                    </a:lnTlToBr>
+                    <a:lnBlToTr w="12700" cmpd="sng">
+                      <a:noFill/>
+                      <a:prstDash val="solid"/>
+                    </a:lnBlToTr>
+                  </a:tcPr>
+                </a:tc>
+                <a:tc>
+                  <a:txBody>
+                    <a:bodyPr/>
+                    <a:lstStyle/>
+                    <a:p>
+                      <a:pPr algn="ctr"/>
+                      <a:r>
+                        <a:rPr lang="en-US" altLang="zh-TW" dirty="0"/>
+                        <a:t>0</a:t>
+                      </a:r>
+                      <a:endParaRPr lang="zh-TW" altLang="en-US" dirty="0"/>
+                    </a:p>
+                  </a:txBody>
+                  <a:tcPr>
+                    <a:lnL w="12700" cap="flat" cmpd="sng" algn="ctr">
+                      <a:solidFill>
+                        <a:schemeClr val="tx1"/>
+                      </a:solidFill>
+                      <a:prstDash val="solid"/>
+                      <a:round/>
+                      <a:headEnd type="none" w="med" len="med"/>
+                      <a:tailEnd type="none" w="med" len="med"/>
+                    </a:lnL>
+                    <a:lnR w="12700" cap="flat" cmpd="sng" algn="ctr">
+                      <a:solidFill>
+                        <a:schemeClr val="tx1"/>
+                      </a:solidFill>
+                      <a:prstDash val="solid"/>
+                      <a:round/>
+                      <a:headEnd type="none" w="med" len="med"/>
+                      <a:tailEnd type="none" w="med" len="med"/>
+                    </a:lnR>
+                    <a:lnT w="12700" cap="flat" cmpd="sng" algn="ctr">
+                      <a:solidFill>
+                        <a:schemeClr val="tx1"/>
+                      </a:solidFill>
+                      <a:prstDash val="solid"/>
+                      <a:round/>
+                      <a:headEnd type="none" w="med" len="med"/>
+                      <a:tailEnd type="none" w="med" len="med"/>
+                    </a:lnT>
+                    <a:lnB w="12700" cap="flat" cmpd="sng" algn="ctr">
+                      <a:solidFill>
+                        <a:schemeClr val="tx1"/>
+                      </a:solidFill>
+                      <a:prstDash val="solid"/>
+                      <a:round/>
+                      <a:headEnd type="none" w="med" len="med"/>
+                      <a:tailEnd type="none" w="med" len="med"/>
+                    </a:lnB>
+                    <a:lnTlToBr w="12700" cmpd="sng">
+                      <a:noFill/>
+                      <a:prstDash val="solid"/>
+                    </a:lnTlToBr>
+                    <a:lnBlToTr w="12700" cmpd="sng">
+                      <a:noFill/>
+                      <a:prstDash val="solid"/>
+                    </a:lnBlToTr>
+                  </a:tcPr>
+                </a:tc>
+                <a:tc>
+                  <a:txBody>
+                    <a:bodyPr/>
+                    <a:lstStyle/>
+                    <a:p>
+                      <a:pPr algn="ctr"/>
+                      <a:r>
+                        <a:rPr lang="en-US" altLang="zh-TW" dirty="0"/>
+                        <a:t>1</a:t>
+                      </a:r>
+                      <a:endParaRPr lang="zh-TW" altLang="en-US" dirty="0"/>
+                    </a:p>
+                  </a:txBody>
+                  <a:tcPr>
+                    <a:lnL w="12700" cap="flat" cmpd="sng" algn="ctr">
+                      <a:solidFill>
+                        <a:schemeClr val="tx1"/>
+                      </a:solidFill>
+                      <a:prstDash val="solid"/>
+                      <a:round/>
+                      <a:headEnd type="none" w="med" len="med"/>
+                      <a:tailEnd type="none" w="med" len="med"/>
+                    </a:lnL>
+                    <a:lnR w="12700" cap="flat" cmpd="sng" algn="ctr">
+                      <a:solidFill>
+                        <a:schemeClr val="tx1"/>
+                      </a:solidFill>
+                      <a:prstDash val="solid"/>
+                      <a:round/>
+                      <a:headEnd type="none" w="med" len="med"/>
+                      <a:tailEnd type="none" w="med" len="med"/>
+                    </a:lnR>
+                    <a:lnT w="12700" cap="flat" cmpd="sng" algn="ctr">
+                      <a:solidFill>
+                        <a:schemeClr val="tx1"/>
+                      </a:solidFill>
+                      <a:prstDash val="solid"/>
+                      <a:round/>
+                      <a:headEnd type="none" w="med" len="med"/>
+                      <a:tailEnd type="none" w="med" len="med"/>
+                    </a:lnT>
+                    <a:lnB w="12700" cap="flat" cmpd="sng" algn="ctr">
+                      <a:solidFill>
+                        <a:schemeClr val="tx1"/>
+                      </a:solidFill>
+                      <a:prstDash val="solid"/>
+                      <a:round/>
+                      <a:headEnd type="none" w="med" len="med"/>
+                      <a:tailEnd type="none" w="med" len="med"/>
+                    </a:lnB>
+                    <a:lnTlToBr w="12700" cmpd="sng">
+                      <a:noFill/>
+                      <a:prstDash val="solid"/>
+                    </a:lnTlToBr>
+                    <a:lnBlToTr w="12700" cmpd="sng">
+                      <a:noFill/>
+                      <a:prstDash val="solid"/>
+                    </a:lnBlToTr>
+                  </a:tcPr>
+                </a:tc>
+                <a:tc>
+                  <a:txBody>
+                    <a:bodyPr/>
+                    <a:lstStyle/>
+                    <a:p>
+                      <a:pPr algn="ctr"/>
+                      <a:r>
+                        <a:rPr lang="en-US" altLang="zh-TW" dirty="0"/>
+                        <a:t>0</a:t>
+                      </a:r>
+                      <a:endParaRPr lang="zh-TW" altLang="en-US" dirty="0"/>
+                    </a:p>
+                  </a:txBody>
+                  <a:tcPr>
+                    <a:lnL w="12700" cap="flat" cmpd="sng" algn="ctr">
+                      <a:solidFill>
+                        <a:schemeClr val="tx1"/>
+                      </a:solidFill>
+                      <a:prstDash val="solid"/>
+                      <a:round/>
+                      <a:headEnd type="none" w="med" len="med"/>
+                      <a:tailEnd type="none" w="med" len="med"/>
+                    </a:lnL>
+                    <a:lnR w="12700" cap="flat" cmpd="sng" algn="ctr">
+                      <a:solidFill>
+                        <a:schemeClr val="tx1"/>
+                      </a:solidFill>
+                      <a:prstDash val="solid"/>
+                      <a:round/>
+                      <a:headEnd type="none" w="med" len="med"/>
+                      <a:tailEnd type="none" w="med" len="med"/>
+                    </a:lnR>
+                    <a:lnT w="12700" cap="flat" cmpd="sng" algn="ctr">
+                      <a:solidFill>
+                        <a:schemeClr val="tx1"/>
+                      </a:solidFill>
+                      <a:prstDash val="solid"/>
+                      <a:round/>
+                      <a:headEnd type="none" w="med" len="med"/>
+                      <a:tailEnd type="none" w="med" len="med"/>
+                    </a:lnT>
+                    <a:lnB w="12700" cap="flat" cmpd="sng" algn="ctr">
+                      <a:solidFill>
+                        <a:schemeClr val="tx1"/>
+                      </a:solidFill>
+                      <a:prstDash val="solid"/>
+                      <a:round/>
+                      <a:headEnd type="none" w="med" len="med"/>
+                      <a:tailEnd type="none" w="med" len="med"/>
+                    </a:lnB>
+                    <a:lnTlToBr w="12700" cmpd="sng">
+                      <a:noFill/>
+                      <a:prstDash val="solid"/>
+                    </a:lnTlToBr>
+                    <a:lnBlToTr w="12700" cmpd="sng">
+                      <a:noFill/>
+                      <a:prstDash val="solid"/>
+                    </a:lnBlToTr>
+                  </a:tcPr>
+                </a:tc>
+                <a:tc>
+                  <a:txBody>
+                    <a:bodyPr/>
+                    <a:lstStyle/>
+                    <a:p>
+                      <a:pPr algn="ctr"/>
+                      <a:r>
+                        <a:rPr lang="en-US" altLang="zh-TW" dirty="0"/>
+                        <a:t>0</a:t>
+                      </a:r>
+                      <a:endParaRPr lang="zh-TW" altLang="en-US" dirty="0"/>
+                    </a:p>
+                  </a:txBody>
+                  <a:tcPr>
+                    <a:lnL w="12700" cap="flat" cmpd="sng" algn="ctr">
+                      <a:solidFill>
+                        <a:schemeClr val="tx1"/>
+                      </a:solidFill>
+                      <a:prstDash val="solid"/>
+                      <a:round/>
+                      <a:headEnd type="none" w="med" len="med"/>
+                      <a:tailEnd type="none" w="med" len="med"/>
+                    </a:lnL>
+                    <a:lnR w="12700" cap="flat" cmpd="sng" algn="ctr">
+                      <a:solidFill>
+                        <a:schemeClr val="tx1"/>
+                      </a:solidFill>
+                      <a:prstDash val="solid"/>
+                      <a:round/>
+                      <a:headEnd type="none" w="med" len="med"/>
+                      <a:tailEnd type="none" w="med" len="med"/>
+                    </a:lnR>
+                    <a:lnT w="12700" cap="flat" cmpd="sng" algn="ctr">
+                      <a:solidFill>
+                        <a:schemeClr val="tx1"/>
+                      </a:solidFill>
+                      <a:prstDash val="solid"/>
+                      <a:round/>
+                      <a:headEnd type="none" w="med" len="med"/>
+                      <a:tailEnd type="none" w="med" len="med"/>
+                    </a:lnT>
+                    <a:lnB w="12700" cap="flat" cmpd="sng" algn="ctr">
+                      <a:solidFill>
+                        <a:schemeClr val="tx1"/>
+                      </a:solidFill>
+                      <a:prstDash val="solid"/>
+                      <a:round/>
+                      <a:headEnd type="none" w="med" len="med"/>
+                      <a:tailEnd type="none" w="med" len="med"/>
+                    </a:lnB>
+                    <a:lnTlToBr w="12700" cmpd="sng">
+                      <a:noFill/>
+                      <a:prstDash val="solid"/>
+                    </a:lnTlToBr>
+                    <a:lnBlToTr w="12700" cmpd="sng">
+                      <a:noFill/>
+                      <a:prstDash val="solid"/>
+                    </a:lnBlToTr>
+                  </a:tcPr>
+                </a:tc>
+                <a:tc>
+                  <a:txBody>
+                    <a:bodyPr/>
+                    <a:lstStyle/>
+                    <a:p>
+                      <a:pPr marL="0" marR="0" lvl="0" indent="0" algn="ctr" defTabSz="914400" rtl="0" eaLnBrk="1" fontAlgn="auto" latinLnBrk="0" hangingPunct="1">
+                        <a:lnSpc>
+                          <a:spcPct val="100000"/>
+                        </a:lnSpc>
+                        <a:spcBef>
+                          <a:spcPts val="0"/>
+                        </a:spcBef>
+                        <a:spcAft>
+                          <a:spcPts val="0"/>
+                        </a:spcAft>
+                        <a:buClrTx/>
+                        <a:buSzTx/>
+                        <a:buFontTx/>
+                        <a:buNone/>
+                        <a:tabLst/>
+                        <a:defRPr/>
+                      </a:pPr>
+                      <a:r>
+                        <a:rPr lang="en-US" altLang="zh-TW" dirty="0">
+                          <a:solidFill>
+                            <a:srgbClr val="1C2530"/>
+                          </a:solidFill>
+                        </a:rPr>
+                        <a:t>……..</a:t>
+                      </a:r>
+                      <a:endParaRPr lang="zh-TW" altLang="en-US" dirty="0">
+                        <a:solidFill>
+                          <a:srgbClr val="1C2530"/>
+                        </a:solidFill>
+                      </a:endParaRPr>
+                    </a:p>
+                    <a:p>
+                      <a:pPr algn="ctr"/>
+                      <a:endParaRPr lang="zh-TW" altLang="en-US" dirty="0"/>
+                    </a:p>
+                  </a:txBody>
+                  <a:tcPr>
+                    <a:lnL w="12700" cap="flat" cmpd="sng" algn="ctr">
+                      <a:solidFill>
+                        <a:schemeClr val="tx1"/>
+                      </a:solidFill>
+                      <a:prstDash val="solid"/>
+                      <a:round/>
+                      <a:headEnd type="none" w="med" len="med"/>
+                      <a:tailEnd type="none" w="med" len="med"/>
+                    </a:lnL>
+                    <a:lnR w="12700" cap="flat" cmpd="sng" algn="ctr">
+                      <a:solidFill>
+                        <a:schemeClr val="tx1"/>
+                      </a:solidFill>
+                      <a:prstDash val="solid"/>
+                      <a:round/>
+                      <a:headEnd type="none" w="med" len="med"/>
+                      <a:tailEnd type="none" w="med" len="med"/>
+                    </a:lnR>
+                    <a:lnT w="12700" cap="flat" cmpd="sng" algn="ctr">
+                      <a:solidFill>
+                        <a:schemeClr val="tx1"/>
+                      </a:solidFill>
+                      <a:prstDash val="solid"/>
+                      <a:round/>
+                      <a:headEnd type="none" w="med" len="med"/>
+                      <a:tailEnd type="none" w="med" len="med"/>
+                    </a:lnT>
+                    <a:lnB w="12700" cap="flat" cmpd="sng" algn="ctr">
+                      <a:solidFill>
+                        <a:schemeClr val="tx1"/>
+                      </a:solidFill>
+                      <a:prstDash val="solid"/>
+                      <a:round/>
+                      <a:headEnd type="none" w="med" len="med"/>
+                      <a:tailEnd type="none" w="med" len="med"/>
+                    </a:lnB>
+                    <a:lnTlToBr w="12700" cmpd="sng">
+                      <a:noFill/>
+                      <a:prstDash val="solid"/>
+                    </a:lnTlToBr>
+                    <a:lnBlToTr w="12700" cmpd="sng">
+                      <a:noFill/>
+                      <a:prstDash val="solid"/>
+                    </a:lnBlToTr>
+                  </a:tcPr>
+                </a:tc>
+                <a:extLst>
+                  <a:ext uri="{0D108BD9-81ED-4DB2-BD59-A6C34878D82A}">
+                    <a16:rowId xmlns:a16="http://schemas.microsoft.com/office/drawing/2014/main" val="1406834102"/>
+                  </a:ext>
+                </a:extLst>
+              </a:tr>
+              <a:tr h="716214">
+                <a:tc>
+                  <a:txBody>
+                    <a:bodyPr/>
+                    <a:lstStyle/>
+                    <a:p>
+                      <a:r>
+                        <a:rPr lang="en-US" altLang="zh-TW" dirty="0">
+                          <a:solidFill>
+                            <a:srgbClr val="1C2530"/>
+                          </a:solidFill>
+                        </a:rPr>
+                        <a:t>Loreal</a:t>
+                      </a:r>
+                      <a:endParaRPr lang="zh-TW" altLang="en-US" dirty="0">
+                        <a:solidFill>
+                          <a:srgbClr val="1C2530"/>
+                        </a:solidFill>
+                      </a:endParaRPr>
+                    </a:p>
+                  </a:txBody>
+                  <a:tcPr>
+                    <a:lnL w="12700" cap="flat" cmpd="sng" algn="ctr">
+                      <a:solidFill>
+                        <a:schemeClr val="tx1"/>
+                      </a:solidFill>
+                      <a:prstDash val="solid"/>
+                      <a:round/>
+                      <a:headEnd type="none" w="med" len="med"/>
+                      <a:tailEnd type="none" w="med" len="med"/>
+                    </a:lnL>
+                    <a:lnR w="12700" cap="flat" cmpd="sng" algn="ctr">
+                      <a:solidFill>
+                        <a:schemeClr val="tx1"/>
+                      </a:solidFill>
+                      <a:prstDash val="solid"/>
+                      <a:round/>
+                      <a:headEnd type="none" w="med" len="med"/>
+                      <a:tailEnd type="none" w="med" len="med"/>
+                    </a:lnR>
+                    <a:lnT w="12700" cap="flat" cmpd="sng" algn="ctr">
+                      <a:solidFill>
+                        <a:schemeClr val="tx1"/>
+                      </a:solidFill>
+                      <a:prstDash val="solid"/>
+                      <a:round/>
+                      <a:headEnd type="none" w="med" len="med"/>
+                      <a:tailEnd type="none" w="med" len="med"/>
+                    </a:lnT>
+                    <a:lnB w="12700" cap="flat" cmpd="sng" algn="ctr">
+                      <a:solidFill>
+                        <a:schemeClr val="tx1"/>
+                      </a:solidFill>
+                      <a:prstDash val="solid"/>
+                      <a:round/>
+                      <a:headEnd type="none" w="med" len="med"/>
+                      <a:tailEnd type="none" w="med" len="med"/>
+                    </a:lnB>
+                    <a:lnTlToBr w="12700" cmpd="sng">
+                      <a:noFill/>
+                      <a:prstDash val="solid"/>
+                    </a:lnTlToBr>
+                    <a:lnBlToTr w="12700" cmpd="sng">
+                      <a:noFill/>
+                      <a:prstDash val="solid"/>
+                    </a:lnBlToTr>
+                  </a:tcPr>
+                </a:tc>
+                <a:tc>
+                  <a:txBody>
+                    <a:bodyPr/>
+                    <a:lstStyle/>
+                    <a:p>
+                      <a:pPr algn="ctr"/>
+                      <a:r>
+                        <a:rPr lang="en-US" altLang="zh-TW" dirty="0"/>
+                        <a:t>0</a:t>
+                      </a:r>
+                      <a:endParaRPr lang="zh-TW" altLang="en-US" dirty="0"/>
+                    </a:p>
+                  </a:txBody>
+                  <a:tcPr>
+                    <a:lnL w="12700" cap="flat" cmpd="sng" algn="ctr">
+                      <a:solidFill>
+                        <a:schemeClr val="tx1"/>
+                      </a:solidFill>
+                      <a:prstDash val="solid"/>
+                      <a:round/>
+                      <a:headEnd type="none" w="med" len="med"/>
+                      <a:tailEnd type="none" w="med" len="med"/>
+                    </a:lnL>
+                    <a:lnR w="12700" cap="flat" cmpd="sng" algn="ctr">
+                      <a:solidFill>
+                        <a:schemeClr val="tx1"/>
+                      </a:solidFill>
+                      <a:prstDash val="solid"/>
+                      <a:round/>
+                      <a:headEnd type="none" w="med" len="med"/>
+                      <a:tailEnd type="none" w="med" len="med"/>
+                    </a:lnR>
+                    <a:lnT w="12700" cap="flat" cmpd="sng" algn="ctr">
+                      <a:solidFill>
+                        <a:schemeClr val="tx1"/>
+                      </a:solidFill>
+                      <a:prstDash val="solid"/>
+                      <a:round/>
+                      <a:headEnd type="none" w="med" len="med"/>
+                      <a:tailEnd type="none" w="med" len="med"/>
+                    </a:lnT>
+                    <a:lnB w="12700" cap="flat" cmpd="sng" algn="ctr">
+                      <a:solidFill>
+                        <a:schemeClr val="tx1"/>
+                      </a:solidFill>
+                      <a:prstDash val="solid"/>
+                      <a:round/>
+                      <a:headEnd type="none" w="med" len="med"/>
+                      <a:tailEnd type="none" w="med" len="med"/>
+                    </a:lnB>
+                    <a:lnTlToBr w="12700" cmpd="sng">
+                      <a:noFill/>
+                      <a:prstDash val="solid"/>
+                    </a:lnTlToBr>
+                    <a:lnBlToTr w="12700" cmpd="sng">
+                      <a:noFill/>
+                      <a:prstDash val="solid"/>
+                    </a:lnBlToTr>
+                  </a:tcPr>
+                </a:tc>
+                <a:tc>
+                  <a:txBody>
+                    <a:bodyPr/>
+                    <a:lstStyle/>
+                    <a:p>
+                      <a:pPr algn="ctr"/>
+                      <a:r>
+                        <a:rPr lang="en-US" altLang="zh-TW" dirty="0"/>
+                        <a:t>0</a:t>
+                      </a:r>
+                      <a:endParaRPr lang="zh-TW" altLang="en-US" dirty="0"/>
+                    </a:p>
+                  </a:txBody>
+                  <a:tcPr>
+                    <a:lnL w="12700" cap="flat" cmpd="sng" algn="ctr">
+                      <a:solidFill>
+                        <a:schemeClr val="tx1"/>
+                      </a:solidFill>
+                      <a:prstDash val="solid"/>
+                      <a:round/>
+                      <a:headEnd type="none" w="med" len="med"/>
+                      <a:tailEnd type="none" w="med" len="med"/>
+                    </a:lnL>
+                    <a:lnR w="12700" cap="flat" cmpd="sng" algn="ctr">
+                      <a:solidFill>
+                        <a:schemeClr val="tx1"/>
+                      </a:solidFill>
+                      <a:prstDash val="solid"/>
+                      <a:round/>
+                      <a:headEnd type="none" w="med" len="med"/>
+                      <a:tailEnd type="none" w="med" len="med"/>
+                    </a:lnR>
+                    <a:lnT w="12700" cap="flat" cmpd="sng" algn="ctr">
+                      <a:solidFill>
+                        <a:schemeClr val="tx1"/>
+                      </a:solidFill>
+                      <a:prstDash val="solid"/>
+                      <a:round/>
+                      <a:headEnd type="none" w="med" len="med"/>
+                      <a:tailEnd type="none" w="med" len="med"/>
+                    </a:lnT>
+                    <a:lnB w="12700" cap="flat" cmpd="sng" algn="ctr">
+                      <a:solidFill>
+                        <a:schemeClr val="tx1"/>
+                      </a:solidFill>
+                      <a:prstDash val="solid"/>
+                      <a:round/>
+                      <a:headEnd type="none" w="med" len="med"/>
+                      <a:tailEnd type="none" w="med" len="med"/>
+                    </a:lnB>
+                    <a:lnTlToBr w="12700" cmpd="sng">
+                      <a:noFill/>
+                      <a:prstDash val="solid"/>
+                    </a:lnTlToBr>
+                    <a:lnBlToTr w="12700" cmpd="sng">
+                      <a:noFill/>
+                      <a:prstDash val="solid"/>
+                    </a:lnBlToTr>
+                  </a:tcPr>
+                </a:tc>
+                <a:tc>
+                  <a:txBody>
+                    <a:bodyPr/>
+                    <a:lstStyle/>
+                    <a:p>
+                      <a:pPr algn="ctr"/>
+                      <a:r>
+                        <a:rPr lang="en-US" altLang="zh-TW" dirty="0"/>
+                        <a:t>1</a:t>
+                      </a:r>
+                      <a:endParaRPr lang="zh-TW" altLang="en-US" dirty="0"/>
+                    </a:p>
+                  </a:txBody>
+                  <a:tcPr>
+                    <a:lnL w="12700" cap="flat" cmpd="sng" algn="ctr">
+                      <a:solidFill>
+                        <a:schemeClr val="tx1"/>
+                      </a:solidFill>
+                      <a:prstDash val="solid"/>
+                      <a:round/>
+                      <a:headEnd type="none" w="med" len="med"/>
+                      <a:tailEnd type="none" w="med" len="med"/>
+                    </a:lnL>
+                    <a:lnR w="12700" cap="flat" cmpd="sng" algn="ctr">
+                      <a:solidFill>
+                        <a:schemeClr val="tx1"/>
+                      </a:solidFill>
+                      <a:prstDash val="solid"/>
+                      <a:round/>
+                      <a:headEnd type="none" w="med" len="med"/>
+                      <a:tailEnd type="none" w="med" len="med"/>
+                    </a:lnR>
+                    <a:lnT w="12700" cap="flat" cmpd="sng" algn="ctr">
+                      <a:solidFill>
+                        <a:schemeClr val="tx1"/>
+                      </a:solidFill>
+                      <a:prstDash val="solid"/>
+                      <a:round/>
+                      <a:headEnd type="none" w="med" len="med"/>
+                      <a:tailEnd type="none" w="med" len="med"/>
+                    </a:lnT>
+                    <a:lnB w="12700" cap="flat" cmpd="sng" algn="ctr">
+                      <a:solidFill>
+                        <a:schemeClr val="tx1"/>
+                      </a:solidFill>
+                      <a:prstDash val="solid"/>
+                      <a:round/>
+                      <a:headEnd type="none" w="med" len="med"/>
+                      <a:tailEnd type="none" w="med" len="med"/>
+                    </a:lnB>
+                    <a:lnTlToBr w="12700" cmpd="sng">
+                      <a:noFill/>
+                      <a:prstDash val="solid"/>
+                    </a:lnTlToBr>
+                    <a:lnBlToTr w="12700" cmpd="sng">
+                      <a:noFill/>
+                      <a:prstDash val="solid"/>
+                    </a:lnBlToTr>
+                  </a:tcPr>
+                </a:tc>
+                <a:tc>
+                  <a:txBody>
+                    <a:bodyPr/>
+                    <a:lstStyle/>
+                    <a:p>
+                      <a:pPr algn="ctr"/>
+                      <a:r>
+                        <a:rPr lang="en-US" altLang="zh-TW" dirty="0"/>
+                        <a:t>0</a:t>
+                      </a:r>
+                      <a:endParaRPr lang="zh-TW" altLang="en-US" dirty="0"/>
+                    </a:p>
+                  </a:txBody>
+                  <a:tcPr>
+                    <a:lnL w="12700" cap="flat" cmpd="sng" algn="ctr">
+                      <a:solidFill>
+                        <a:schemeClr val="tx1"/>
+                      </a:solidFill>
+                      <a:prstDash val="solid"/>
+                      <a:round/>
+                      <a:headEnd type="none" w="med" len="med"/>
+                      <a:tailEnd type="none" w="med" len="med"/>
+                    </a:lnL>
+                    <a:lnR w="12700" cap="flat" cmpd="sng" algn="ctr">
+                      <a:solidFill>
+                        <a:schemeClr val="tx1"/>
+                      </a:solidFill>
+                      <a:prstDash val="solid"/>
+                      <a:round/>
+                      <a:headEnd type="none" w="med" len="med"/>
+                      <a:tailEnd type="none" w="med" len="med"/>
+                    </a:lnR>
+                    <a:lnT w="12700" cap="flat" cmpd="sng" algn="ctr">
+                      <a:solidFill>
+                        <a:schemeClr val="tx1"/>
+                      </a:solidFill>
+                      <a:prstDash val="solid"/>
+                      <a:round/>
+                      <a:headEnd type="none" w="med" len="med"/>
+                      <a:tailEnd type="none" w="med" len="med"/>
+                    </a:lnT>
+                    <a:lnB w="12700" cap="flat" cmpd="sng" algn="ctr">
+                      <a:solidFill>
+                        <a:schemeClr val="tx1"/>
+                      </a:solidFill>
+                      <a:prstDash val="solid"/>
+                      <a:round/>
+                      <a:headEnd type="none" w="med" len="med"/>
+                      <a:tailEnd type="none" w="med" len="med"/>
+                    </a:lnB>
+                    <a:lnTlToBr w="12700" cmpd="sng">
+                      <a:noFill/>
+                      <a:prstDash val="solid"/>
+                    </a:lnTlToBr>
+                    <a:lnBlToTr w="12700" cmpd="sng">
+                      <a:noFill/>
+                      <a:prstDash val="solid"/>
+                    </a:lnBlToTr>
+                  </a:tcPr>
+                </a:tc>
+                <a:tc>
+                  <a:txBody>
+                    <a:bodyPr/>
+                    <a:lstStyle/>
+                    <a:p>
+                      <a:pPr algn="ctr"/>
+                      <a:r>
+                        <a:rPr lang="en-US" altLang="zh-TW" dirty="0"/>
+                        <a:t>0</a:t>
+                      </a:r>
+                      <a:endParaRPr lang="zh-TW" altLang="en-US" dirty="0"/>
+                    </a:p>
+                  </a:txBody>
+                  <a:tcPr>
+                    <a:lnL w="12700" cap="flat" cmpd="sng" algn="ctr">
+                      <a:solidFill>
+                        <a:schemeClr val="tx1"/>
+                      </a:solidFill>
+                      <a:prstDash val="solid"/>
+                      <a:round/>
+                      <a:headEnd type="none" w="med" len="med"/>
+                      <a:tailEnd type="none" w="med" len="med"/>
+                    </a:lnL>
+                    <a:lnR w="12700" cap="flat" cmpd="sng" algn="ctr">
+                      <a:solidFill>
+                        <a:schemeClr val="tx1"/>
+                      </a:solidFill>
+                      <a:prstDash val="solid"/>
+                      <a:round/>
+                      <a:headEnd type="none" w="med" len="med"/>
+                      <a:tailEnd type="none" w="med" len="med"/>
+                    </a:lnR>
+                    <a:lnT w="12700" cap="flat" cmpd="sng" algn="ctr">
+                      <a:solidFill>
+                        <a:schemeClr val="tx1"/>
+                      </a:solidFill>
+                      <a:prstDash val="solid"/>
+                      <a:round/>
+                      <a:headEnd type="none" w="med" len="med"/>
+                      <a:tailEnd type="none" w="med" len="med"/>
+                    </a:lnT>
+                    <a:lnB w="12700" cap="flat" cmpd="sng" algn="ctr">
+                      <a:solidFill>
+                        <a:schemeClr val="tx1"/>
+                      </a:solidFill>
+                      <a:prstDash val="solid"/>
+                      <a:round/>
+                      <a:headEnd type="none" w="med" len="med"/>
+                      <a:tailEnd type="none" w="med" len="med"/>
+                    </a:lnB>
+                    <a:lnTlToBr w="12700" cmpd="sng">
+                      <a:noFill/>
+                      <a:prstDash val="solid"/>
+                    </a:lnTlToBr>
+                    <a:lnBlToTr w="12700" cmpd="sng">
+                      <a:noFill/>
+                      <a:prstDash val="solid"/>
+                    </a:lnBlToTr>
+                  </a:tcPr>
+                </a:tc>
+                <a:tc>
+                  <a:txBody>
+                    <a:bodyPr/>
+                    <a:lstStyle/>
+                    <a:p>
+                      <a:pPr algn="ctr"/>
+                      <a:r>
+                        <a:rPr lang="en-US" altLang="zh-TW" dirty="0"/>
+                        <a:t>0</a:t>
+                      </a:r>
+                      <a:endParaRPr lang="zh-TW" altLang="en-US" dirty="0"/>
+                    </a:p>
+                  </a:txBody>
+                  <a:tcPr>
+                    <a:lnL w="12700" cap="flat" cmpd="sng" algn="ctr">
+                      <a:solidFill>
+                        <a:schemeClr val="tx1"/>
+                      </a:solidFill>
+                      <a:prstDash val="solid"/>
+                      <a:round/>
+                      <a:headEnd type="none" w="med" len="med"/>
+                      <a:tailEnd type="none" w="med" len="med"/>
+                    </a:lnL>
+                    <a:lnR w="12700" cap="flat" cmpd="sng" algn="ctr">
+                      <a:solidFill>
+                        <a:schemeClr val="tx1"/>
+                      </a:solidFill>
+                      <a:prstDash val="solid"/>
+                      <a:round/>
+                      <a:headEnd type="none" w="med" len="med"/>
+                      <a:tailEnd type="none" w="med" len="med"/>
+                    </a:lnR>
+                    <a:lnT w="12700" cap="flat" cmpd="sng" algn="ctr">
+                      <a:solidFill>
+                        <a:schemeClr val="tx1"/>
+                      </a:solidFill>
+                      <a:prstDash val="solid"/>
+                      <a:round/>
+                      <a:headEnd type="none" w="med" len="med"/>
+                      <a:tailEnd type="none" w="med" len="med"/>
+                    </a:lnT>
+                    <a:lnB w="12700" cap="flat" cmpd="sng" algn="ctr">
+                      <a:solidFill>
+                        <a:schemeClr val="tx1"/>
+                      </a:solidFill>
+                      <a:prstDash val="solid"/>
+                      <a:round/>
+                      <a:headEnd type="none" w="med" len="med"/>
+                      <a:tailEnd type="none" w="med" len="med"/>
+                    </a:lnB>
+                    <a:lnTlToBr w="12700" cmpd="sng">
+                      <a:noFill/>
+                      <a:prstDash val="solid"/>
+                    </a:lnTlToBr>
+                    <a:lnBlToTr w="12700" cmpd="sng">
+                      <a:noFill/>
+                      <a:prstDash val="solid"/>
+                    </a:lnBlToTr>
+                  </a:tcPr>
+                </a:tc>
+                <a:tc>
+                  <a:txBody>
+                    <a:bodyPr/>
+                    <a:lstStyle/>
+                    <a:p>
+                      <a:pPr algn="ctr"/>
+                      <a:r>
+                        <a:rPr lang="en-US" altLang="zh-TW" dirty="0"/>
+                        <a:t>1</a:t>
+                      </a:r>
+                      <a:endParaRPr lang="zh-TW" altLang="en-US" dirty="0"/>
+                    </a:p>
+                  </a:txBody>
+                  <a:tcPr>
+                    <a:lnL w="12700" cap="flat" cmpd="sng" algn="ctr">
+                      <a:solidFill>
+                        <a:schemeClr val="tx1"/>
+                      </a:solidFill>
+                      <a:prstDash val="solid"/>
+                      <a:round/>
+                      <a:headEnd type="none" w="med" len="med"/>
+                      <a:tailEnd type="none" w="med" len="med"/>
+                    </a:lnL>
+                    <a:lnR w="12700" cap="flat" cmpd="sng" algn="ctr">
+                      <a:solidFill>
+                        <a:schemeClr val="tx1"/>
+                      </a:solidFill>
+                      <a:prstDash val="solid"/>
+                      <a:round/>
+                      <a:headEnd type="none" w="med" len="med"/>
+                      <a:tailEnd type="none" w="med" len="med"/>
+                    </a:lnR>
+                    <a:lnT w="12700" cap="flat" cmpd="sng" algn="ctr">
+                      <a:solidFill>
+                        <a:schemeClr val="tx1"/>
+                      </a:solidFill>
+                      <a:prstDash val="solid"/>
+                      <a:round/>
+                      <a:headEnd type="none" w="med" len="med"/>
+                      <a:tailEnd type="none" w="med" len="med"/>
+                    </a:lnT>
+                    <a:lnB w="12700" cap="flat" cmpd="sng" algn="ctr">
+                      <a:solidFill>
+                        <a:schemeClr val="tx1"/>
+                      </a:solidFill>
+                      <a:prstDash val="solid"/>
+                      <a:round/>
+                      <a:headEnd type="none" w="med" len="med"/>
+                      <a:tailEnd type="none" w="med" len="med"/>
+                    </a:lnB>
+                    <a:lnTlToBr w="12700" cmpd="sng">
+                      <a:noFill/>
+                      <a:prstDash val="solid"/>
+                    </a:lnTlToBr>
+                    <a:lnBlToTr w="12700" cmpd="sng">
+                      <a:noFill/>
+                      <a:prstDash val="solid"/>
+                    </a:lnBlToTr>
+                  </a:tcPr>
+                </a:tc>
+                <a:tc>
+                  <a:txBody>
+                    <a:bodyPr/>
+                    <a:lstStyle/>
+                    <a:p>
+                      <a:pPr algn="ctr"/>
+                      <a:r>
+                        <a:rPr lang="en-US" altLang="zh-TW" dirty="0"/>
+                        <a:t>0</a:t>
+                      </a:r>
+                      <a:endParaRPr lang="zh-TW" altLang="en-US" dirty="0"/>
+                    </a:p>
+                  </a:txBody>
+                  <a:tcPr>
+                    <a:lnL w="12700" cap="flat" cmpd="sng" algn="ctr">
+                      <a:solidFill>
+                        <a:schemeClr val="tx1"/>
+                      </a:solidFill>
+                      <a:prstDash val="solid"/>
+                      <a:round/>
+                      <a:headEnd type="none" w="med" len="med"/>
+                      <a:tailEnd type="none" w="med" len="med"/>
+                    </a:lnL>
+                    <a:lnR w="12700" cap="flat" cmpd="sng" algn="ctr">
+                      <a:solidFill>
+                        <a:schemeClr val="tx1"/>
+                      </a:solidFill>
+                      <a:prstDash val="solid"/>
+                      <a:round/>
+                      <a:headEnd type="none" w="med" len="med"/>
+                      <a:tailEnd type="none" w="med" len="med"/>
+                    </a:lnR>
+                    <a:lnT w="12700" cap="flat" cmpd="sng" algn="ctr">
+                      <a:solidFill>
+                        <a:schemeClr val="tx1"/>
+                      </a:solidFill>
+                      <a:prstDash val="solid"/>
+                      <a:round/>
+                      <a:headEnd type="none" w="med" len="med"/>
+                      <a:tailEnd type="none" w="med" len="med"/>
+                    </a:lnT>
+                    <a:lnB w="12700" cap="flat" cmpd="sng" algn="ctr">
+                      <a:solidFill>
+                        <a:schemeClr val="tx1"/>
+                      </a:solidFill>
+                      <a:prstDash val="solid"/>
+                      <a:round/>
+                      <a:headEnd type="none" w="med" len="med"/>
+                      <a:tailEnd type="none" w="med" len="med"/>
+                    </a:lnB>
+                    <a:lnTlToBr w="12700" cmpd="sng">
+                      <a:noFill/>
+                      <a:prstDash val="solid"/>
+                    </a:lnTlToBr>
+                    <a:lnBlToTr w="12700" cmpd="sng">
+                      <a:noFill/>
+                      <a:prstDash val="solid"/>
+                    </a:lnBlToTr>
+                  </a:tcPr>
+                </a:tc>
+                <a:tc>
+                  <a:txBody>
+                    <a:bodyPr/>
+                    <a:lstStyle/>
+                    <a:p>
+                      <a:pPr marL="0" marR="0" lvl="0" indent="0" algn="ctr" defTabSz="914400" rtl="0" eaLnBrk="1" fontAlgn="auto" latinLnBrk="0" hangingPunct="1">
+                        <a:lnSpc>
+                          <a:spcPct val="100000"/>
+                        </a:lnSpc>
+                        <a:spcBef>
+                          <a:spcPts val="0"/>
+                        </a:spcBef>
+                        <a:spcAft>
+                          <a:spcPts val="0"/>
+                        </a:spcAft>
+                        <a:buClrTx/>
+                        <a:buSzTx/>
+                        <a:buFontTx/>
+                        <a:buNone/>
+                        <a:tabLst/>
+                        <a:defRPr/>
+                      </a:pPr>
+                      <a:r>
+                        <a:rPr lang="en-US" altLang="zh-TW" dirty="0">
+                          <a:solidFill>
+                            <a:srgbClr val="1C2530"/>
+                          </a:solidFill>
+                        </a:rPr>
+                        <a:t>……..</a:t>
+                      </a:r>
+                      <a:endParaRPr lang="zh-TW" altLang="en-US" dirty="0">
+                        <a:solidFill>
+                          <a:srgbClr val="1C2530"/>
+                        </a:solidFill>
+                      </a:endParaRPr>
+                    </a:p>
+                    <a:p>
+                      <a:pPr algn="ctr"/>
+                      <a:endParaRPr lang="zh-TW" altLang="en-US" dirty="0"/>
+                    </a:p>
+                  </a:txBody>
+                  <a:tcPr>
+                    <a:lnL w="12700" cap="flat" cmpd="sng" algn="ctr">
+                      <a:solidFill>
+                        <a:schemeClr val="tx1"/>
+                      </a:solidFill>
+                      <a:prstDash val="solid"/>
+                      <a:round/>
+                      <a:headEnd type="none" w="med" len="med"/>
+                      <a:tailEnd type="none" w="med" len="med"/>
+                    </a:lnL>
+                    <a:lnR w="12700" cap="flat" cmpd="sng" algn="ctr">
+                      <a:solidFill>
+                        <a:schemeClr val="tx1"/>
+                      </a:solidFill>
+                      <a:prstDash val="solid"/>
+                      <a:round/>
+                      <a:headEnd type="none" w="med" len="med"/>
+                      <a:tailEnd type="none" w="med" len="med"/>
+                    </a:lnR>
+                    <a:lnT w="12700" cap="flat" cmpd="sng" algn="ctr">
+                      <a:solidFill>
+                        <a:schemeClr val="tx1"/>
+                      </a:solidFill>
+                      <a:prstDash val="solid"/>
+                      <a:round/>
+                      <a:headEnd type="none" w="med" len="med"/>
+                      <a:tailEnd type="none" w="med" len="med"/>
+                    </a:lnT>
+                    <a:lnB w="12700" cap="flat" cmpd="sng" algn="ctr">
+                      <a:solidFill>
+                        <a:schemeClr val="tx1"/>
+                      </a:solidFill>
+                      <a:prstDash val="solid"/>
+                      <a:round/>
+                      <a:headEnd type="none" w="med" len="med"/>
+                      <a:tailEnd type="none" w="med" len="med"/>
+                    </a:lnB>
+                    <a:lnTlToBr w="12700" cmpd="sng">
+                      <a:noFill/>
+                      <a:prstDash val="solid"/>
+                    </a:lnTlToBr>
+                    <a:lnBlToTr w="12700" cmpd="sng">
+                      <a:noFill/>
+                      <a:prstDash val="solid"/>
+                    </a:lnBlToTr>
+                  </a:tcPr>
+                </a:tc>
+                <a:extLst>
+                  <a:ext uri="{0D108BD9-81ED-4DB2-BD59-A6C34878D82A}">
+                    <a16:rowId xmlns:a16="http://schemas.microsoft.com/office/drawing/2014/main" val="2776885501"/>
+                  </a:ext>
+                </a:extLst>
+              </a:tr>
+              <a:tr h="716214">
+                <a:tc>
+                  <a:txBody>
+                    <a:bodyPr/>
+                    <a:lstStyle/>
+                    <a:p>
+                      <a:r>
+                        <a:rPr lang="en-US" altLang="zh-TW" dirty="0">
+                          <a:solidFill>
+                            <a:srgbClr val="1C2530"/>
+                          </a:solidFill>
+                        </a:rPr>
+                        <a:t>Nestle SA</a:t>
+                      </a:r>
+                      <a:endParaRPr lang="zh-TW" altLang="en-US" dirty="0">
+                        <a:solidFill>
+                          <a:srgbClr val="1C2530"/>
+                        </a:solidFill>
+                      </a:endParaRPr>
+                    </a:p>
+                  </a:txBody>
+                  <a:tcPr>
+                    <a:lnL w="12700" cap="flat" cmpd="sng" algn="ctr">
+                      <a:solidFill>
+                        <a:schemeClr val="tx1"/>
+                      </a:solidFill>
+                      <a:prstDash val="solid"/>
+                      <a:round/>
+                      <a:headEnd type="none" w="med" len="med"/>
+                      <a:tailEnd type="none" w="med" len="med"/>
+                    </a:lnL>
+                    <a:lnR w="12700" cap="flat" cmpd="sng" algn="ctr">
+                      <a:solidFill>
+                        <a:schemeClr val="tx1"/>
+                      </a:solidFill>
+                      <a:prstDash val="solid"/>
+                      <a:round/>
+                      <a:headEnd type="none" w="med" len="med"/>
+                      <a:tailEnd type="none" w="med" len="med"/>
+                    </a:lnR>
+                    <a:lnT w="12700" cap="flat" cmpd="sng" algn="ctr">
+                      <a:solidFill>
+                        <a:schemeClr val="tx1"/>
+                      </a:solidFill>
+                      <a:prstDash val="solid"/>
+                      <a:round/>
+                      <a:headEnd type="none" w="med" len="med"/>
+                      <a:tailEnd type="none" w="med" len="med"/>
+                    </a:lnT>
+                    <a:lnB w="12700" cap="flat" cmpd="sng" algn="ctr">
+                      <a:solidFill>
+                        <a:schemeClr val="tx1"/>
+                      </a:solidFill>
+                      <a:prstDash val="solid"/>
+                      <a:round/>
+                      <a:headEnd type="none" w="med" len="med"/>
+                      <a:tailEnd type="none" w="med" len="med"/>
+                    </a:lnB>
+                    <a:lnTlToBr w="12700" cmpd="sng">
+                      <a:noFill/>
+                      <a:prstDash val="solid"/>
+                    </a:lnTlToBr>
+                    <a:lnBlToTr w="12700" cmpd="sng">
+                      <a:noFill/>
+                      <a:prstDash val="solid"/>
+                    </a:lnBlToTr>
+                  </a:tcPr>
+                </a:tc>
+                <a:tc>
+                  <a:txBody>
+                    <a:bodyPr/>
+                    <a:lstStyle/>
+                    <a:p>
+                      <a:pPr algn="ctr"/>
+                      <a:r>
+                        <a:rPr lang="en-US" altLang="zh-TW" dirty="0"/>
+                        <a:t>0</a:t>
+                      </a:r>
+                      <a:endParaRPr lang="zh-TW" altLang="en-US" dirty="0"/>
+                    </a:p>
+                  </a:txBody>
+                  <a:tcPr>
+                    <a:lnL w="12700" cap="flat" cmpd="sng" algn="ctr">
+                      <a:solidFill>
+                        <a:schemeClr val="tx1"/>
+                      </a:solidFill>
+                      <a:prstDash val="solid"/>
+                      <a:round/>
+                      <a:headEnd type="none" w="med" len="med"/>
+                      <a:tailEnd type="none" w="med" len="med"/>
+                    </a:lnL>
+                    <a:lnR w="12700" cap="flat" cmpd="sng" algn="ctr">
+                      <a:solidFill>
+                        <a:schemeClr val="tx1"/>
+                      </a:solidFill>
+                      <a:prstDash val="solid"/>
+                      <a:round/>
+                      <a:headEnd type="none" w="med" len="med"/>
+                      <a:tailEnd type="none" w="med" len="med"/>
+                    </a:lnR>
+                    <a:lnT w="12700" cap="flat" cmpd="sng" algn="ctr">
+                      <a:solidFill>
+                        <a:schemeClr val="tx1"/>
+                      </a:solidFill>
+                      <a:prstDash val="solid"/>
+                      <a:round/>
+                      <a:headEnd type="none" w="med" len="med"/>
+                      <a:tailEnd type="none" w="med" len="med"/>
+                    </a:lnT>
+                    <a:lnB w="12700" cap="flat" cmpd="sng" algn="ctr">
+                      <a:solidFill>
+                        <a:schemeClr val="tx1"/>
+                      </a:solidFill>
+                      <a:prstDash val="solid"/>
+                      <a:round/>
+                      <a:headEnd type="none" w="med" len="med"/>
+                      <a:tailEnd type="none" w="med" len="med"/>
+                    </a:lnB>
+                    <a:lnTlToBr w="12700" cmpd="sng">
+                      <a:noFill/>
+                      <a:prstDash val="solid"/>
+                    </a:lnTlToBr>
+                    <a:lnBlToTr w="12700" cmpd="sng">
+                      <a:noFill/>
+                      <a:prstDash val="solid"/>
+                    </a:lnBlToTr>
+                  </a:tcPr>
+                </a:tc>
+                <a:tc>
+                  <a:txBody>
+                    <a:bodyPr/>
+                    <a:lstStyle/>
+                    <a:p>
+                      <a:pPr algn="ctr"/>
+                      <a:r>
+                        <a:rPr lang="en-US" altLang="zh-TW" dirty="0"/>
+                        <a:t>1</a:t>
+                      </a:r>
+                      <a:endParaRPr lang="zh-TW" altLang="en-US" dirty="0"/>
+                    </a:p>
+                  </a:txBody>
+                  <a:tcPr>
+                    <a:lnL w="12700" cap="flat" cmpd="sng" algn="ctr">
+                      <a:solidFill>
+                        <a:schemeClr val="tx1"/>
+                      </a:solidFill>
+                      <a:prstDash val="solid"/>
+                      <a:round/>
+                      <a:headEnd type="none" w="med" len="med"/>
+                      <a:tailEnd type="none" w="med" len="med"/>
+                    </a:lnL>
+                    <a:lnR w="12700" cap="flat" cmpd="sng" algn="ctr">
+                      <a:solidFill>
+                        <a:schemeClr val="tx1"/>
+                      </a:solidFill>
+                      <a:prstDash val="solid"/>
+                      <a:round/>
+                      <a:headEnd type="none" w="med" len="med"/>
+                      <a:tailEnd type="none" w="med" len="med"/>
+                    </a:lnR>
+                    <a:lnT w="12700" cap="flat" cmpd="sng" algn="ctr">
+                      <a:solidFill>
+                        <a:schemeClr val="tx1"/>
+                      </a:solidFill>
+                      <a:prstDash val="solid"/>
+                      <a:round/>
+                      <a:headEnd type="none" w="med" len="med"/>
+                      <a:tailEnd type="none" w="med" len="med"/>
+                    </a:lnT>
+                    <a:lnB w="12700" cap="flat" cmpd="sng" algn="ctr">
+                      <a:solidFill>
+                        <a:schemeClr val="tx1"/>
+                      </a:solidFill>
+                      <a:prstDash val="solid"/>
+                      <a:round/>
+                      <a:headEnd type="none" w="med" len="med"/>
+                      <a:tailEnd type="none" w="med" len="med"/>
+                    </a:lnB>
+                    <a:lnTlToBr w="12700" cmpd="sng">
+                      <a:noFill/>
+                      <a:prstDash val="solid"/>
+                    </a:lnTlToBr>
+                    <a:lnBlToTr w="12700" cmpd="sng">
+                      <a:noFill/>
+                      <a:prstDash val="solid"/>
+                    </a:lnBlToTr>
+                  </a:tcPr>
+                </a:tc>
+                <a:tc>
+                  <a:txBody>
+                    <a:bodyPr/>
+                    <a:lstStyle/>
+                    <a:p>
+                      <a:pPr algn="ctr"/>
+                      <a:r>
+                        <a:rPr lang="en-US" altLang="zh-TW" dirty="0"/>
+                        <a:t>0</a:t>
+                      </a:r>
+                      <a:endParaRPr lang="zh-TW" altLang="en-US" dirty="0"/>
+                    </a:p>
+                  </a:txBody>
+                  <a:tcPr>
+                    <a:lnL w="12700" cap="flat" cmpd="sng" algn="ctr">
+                      <a:solidFill>
+                        <a:schemeClr val="tx1"/>
+                      </a:solidFill>
+                      <a:prstDash val="solid"/>
+                      <a:round/>
+                      <a:headEnd type="none" w="med" len="med"/>
+                      <a:tailEnd type="none" w="med" len="med"/>
+                    </a:lnL>
+                    <a:lnR w="12700" cap="flat" cmpd="sng" algn="ctr">
+                      <a:solidFill>
+                        <a:schemeClr val="tx1"/>
+                      </a:solidFill>
+                      <a:prstDash val="solid"/>
+                      <a:round/>
+                      <a:headEnd type="none" w="med" len="med"/>
+                      <a:tailEnd type="none" w="med" len="med"/>
+                    </a:lnR>
+                    <a:lnT w="12700" cap="flat" cmpd="sng" algn="ctr">
+                      <a:solidFill>
+                        <a:schemeClr val="tx1"/>
+                      </a:solidFill>
+                      <a:prstDash val="solid"/>
+                      <a:round/>
+                      <a:headEnd type="none" w="med" len="med"/>
+                      <a:tailEnd type="none" w="med" len="med"/>
+                    </a:lnT>
+                    <a:lnB w="12700" cap="flat" cmpd="sng" algn="ctr">
+                      <a:solidFill>
+                        <a:schemeClr val="tx1"/>
+                      </a:solidFill>
+                      <a:prstDash val="solid"/>
+                      <a:round/>
+                      <a:headEnd type="none" w="med" len="med"/>
+                      <a:tailEnd type="none" w="med" len="med"/>
+                    </a:lnB>
+                    <a:lnTlToBr w="12700" cmpd="sng">
+                      <a:noFill/>
+                      <a:prstDash val="solid"/>
+                    </a:lnTlToBr>
+                    <a:lnBlToTr w="12700" cmpd="sng">
+                      <a:noFill/>
+                      <a:prstDash val="solid"/>
+                    </a:lnBlToTr>
+                  </a:tcPr>
+                </a:tc>
+                <a:tc>
+                  <a:txBody>
+                    <a:bodyPr/>
+                    <a:lstStyle/>
+                    <a:p>
+                      <a:pPr algn="ctr"/>
+                      <a:r>
+                        <a:rPr lang="en-US" altLang="zh-TW" dirty="0"/>
+                        <a:t>0</a:t>
+                      </a:r>
+                      <a:endParaRPr lang="zh-TW" altLang="en-US" dirty="0"/>
+                    </a:p>
+                  </a:txBody>
+                  <a:tcPr>
+                    <a:lnL w="12700" cap="flat" cmpd="sng" algn="ctr">
+                      <a:solidFill>
+                        <a:schemeClr val="tx1"/>
+                      </a:solidFill>
+                      <a:prstDash val="solid"/>
+                      <a:round/>
+                      <a:headEnd type="none" w="med" len="med"/>
+                      <a:tailEnd type="none" w="med" len="med"/>
+                    </a:lnL>
+                    <a:lnR w="12700" cap="flat" cmpd="sng" algn="ctr">
+                      <a:solidFill>
+                        <a:schemeClr val="tx1"/>
+                      </a:solidFill>
+                      <a:prstDash val="solid"/>
+                      <a:round/>
+                      <a:headEnd type="none" w="med" len="med"/>
+                      <a:tailEnd type="none" w="med" len="med"/>
+                    </a:lnR>
+                    <a:lnT w="12700" cap="flat" cmpd="sng" algn="ctr">
+                      <a:solidFill>
+                        <a:schemeClr val="tx1"/>
+                      </a:solidFill>
+                      <a:prstDash val="solid"/>
+                      <a:round/>
+                      <a:headEnd type="none" w="med" len="med"/>
+                      <a:tailEnd type="none" w="med" len="med"/>
+                    </a:lnT>
+                    <a:lnB w="12700" cap="flat" cmpd="sng" algn="ctr">
+                      <a:solidFill>
+                        <a:schemeClr val="tx1"/>
+                      </a:solidFill>
+                      <a:prstDash val="solid"/>
+                      <a:round/>
+                      <a:headEnd type="none" w="med" len="med"/>
+                      <a:tailEnd type="none" w="med" len="med"/>
+                    </a:lnB>
+                    <a:lnTlToBr w="12700" cmpd="sng">
+                      <a:noFill/>
+                      <a:prstDash val="solid"/>
+                    </a:lnTlToBr>
+                    <a:lnBlToTr w="12700" cmpd="sng">
+                      <a:noFill/>
+                      <a:prstDash val="solid"/>
+                    </a:lnBlToTr>
+                  </a:tcPr>
+                </a:tc>
+                <a:tc>
+                  <a:txBody>
+                    <a:bodyPr/>
+                    <a:lstStyle/>
+                    <a:p>
+                      <a:pPr algn="ctr"/>
+                      <a:r>
+                        <a:rPr lang="en-US" altLang="zh-TW" dirty="0"/>
+                        <a:t>0</a:t>
+                      </a:r>
+                      <a:endParaRPr lang="zh-TW" altLang="en-US" dirty="0"/>
+                    </a:p>
+                  </a:txBody>
+                  <a:tcPr>
+                    <a:lnL w="12700" cap="flat" cmpd="sng" algn="ctr">
+                      <a:solidFill>
+                        <a:schemeClr val="tx1"/>
+                      </a:solidFill>
+                      <a:prstDash val="solid"/>
+                      <a:round/>
+                      <a:headEnd type="none" w="med" len="med"/>
+                      <a:tailEnd type="none" w="med" len="med"/>
+                    </a:lnL>
+                    <a:lnR w="12700" cap="flat" cmpd="sng" algn="ctr">
+                      <a:solidFill>
+                        <a:schemeClr val="tx1"/>
+                      </a:solidFill>
+                      <a:prstDash val="solid"/>
+                      <a:round/>
+                      <a:headEnd type="none" w="med" len="med"/>
+                      <a:tailEnd type="none" w="med" len="med"/>
+                    </a:lnR>
+                    <a:lnT w="12700" cap="flat" cmpd="sng" algn="ctr">
+                      <a:solidFill>
+                        <a:schemeClr val="tx1"/>
+                      </a:solidFill>
+                      <a:prstDash val="solid"/>
+                      <a:round/>
+                      <a:headEnd type="none" w="med" len="med"/>
+                      <a:tailEnd type="none" w="med" len="med"/>
+                    </a:lnT>
+                    <a:lnB w="12700" cap="flat" cmpd="sng" algn="ctr">
+                      <a:solidFill>
+                        <a:schemeClr val="tx1"/>
+                      </a:solidFill>
+                      <a:prstDash val="solid"/>
+                      <a:round/>
+                      <a:headEnd type="none" w="med" len="med"/>
+                      <a:tailEnd type="none" w="med" len="med"/>
+                    </a:lnB>
+                    <a:lnTlToBr w="12700" cmpd="sng">
+                      <a:noFill/>
+                      <a:prstDash val="solid"/>
+                    </a:lnTlToBr>
+                    <a:lnBlToTr w="12700" cmpd="sng">
+                      <a:noFill/>
+                      <a:prstDash val="solid"/>
+                    </a:lnBlToTr>
+                  </a:tcPr>
+                </a:tc>
+                <a:tc>
+                  <a:txBody>
+                    <a:bodyPr/>
+                    <a:lstStyle/>
+                    <a:p>
+                      <a:pPr algn="ctr"/>
+                      <a:r>
+                        <a:rPr lang="en-US" altLang="zh-TW" dirty="0"/>
+                        <a:t>1</a:t>
+                      </a:r>
+                      <a:endParaRPr lang="zh-TW" altLang="en-US" dirty="0"/>
+                    </a:p>
+                  </a:txBody>
+                  <a:tcPr>
+                    <a:lnL w="12700" cap="flat" cmpd="sng" algn="ctr">
+                      <a:solidFill>
+                        <a:schemeClr val="tx1"/>
+                      </a:solidFill>
+                      <a:prstDash val="solid"/>
+                      <a:round/>
+                      <a:headEnd type="none" w="med" len="med"/>
+                      <a:tailEnd type="none" w="med" len="med"/>
+                    </a:lnL>
+                    <a:lnR w="12700" cap="flat" cmpd="sng" algn="ctr">
+                      <a:solidFill>
+                        <a:schemeClr val="tx1"/>
+                      </a:solidFill>
+                      <a:prstDash val="solid"/>
+                      <a:round/>
+                      <a:headEnd type="none" w="med" len="med"/>
+                      <a:tailEnd type="none" w="med" len="med"/>
+                    </a:lnR>
+                    <a:lnT w="12700" cap="flat" cmpd="sng" algn="ctr">
+                      <a:solidFill>
+                        <a:schemeClr val="tx1"/>
+                      </a:solidFill>
+                      <a:prstDash val="solid"/>
+                      <a:round/>
+                      <a:headEnd type="none" w="med" len="med"/>
+                      <a:tailEnd type="none" w="med" len="med"/>
+                    </a:lnT>
+                    <a:lnB w="12700" cap="flat" cmpd="sng" algn="ctr">
+                      <a:solidFill>
+                        <a:schemeClr val="tx1"/>
+                      </a:solidFill>
+                      <a:prstDash val="solid"/>
+                      <a:round/>
+                      <a:headEnd type="none" w="med" len="med"/>
+                      <a:tailEnd type="none" w="med" len="med"/>
+                    </a:lnB>
+                    <a:lnTlToBr w="12700" cmpd="sng">
+                      <a:noFill/>
+                      <a:prstDash val="solid"/>
+                    </a:lnTlToBr>
+                    <a:lnBlToTr w="12700" cmpd="sng">
+                      <a:noFill/>
+                      <a:prstDash val="solid"/>
+                    </a:lnBlToTr>
+                  </a:tcPr>
+                </a:tc>
+                <a:tc>
+                  <a:txBody>
+                    <a:bodyPr/>
+                    <a:lstStyle/>
+                    <a:p>
+                      <a:pPr algn="ctr"/>
+                      <a:r>
+                        <a:rPr lang="en-US" altLang="zh-TW" dirty="0"/>
+                        <a:t>0</a:t>
+                      </a:r>
+                      <a:endParaRPr lang="zh-TW" altLang="en-US" dirty="0"/>
+                    </a:p>
+                  </a:txBody>
+                  <a:tcPr>
+                    <a:lnL w="12700" cap="flat" cmpd="sng" algn="ctr">
+                      <a:solidFill>
+                        <a:schemeClr val="tx1"/>
+                      </a:solidFill>
+                      <a:prstDash val="solid"/>
+                      <a:round/>
+                      <a:headEnd type="none" w="med" len="med"/>
+                      <a:tailEnd type="none" w="med" len="med"/>
+                    </a:lnL>
+                    <a:lnR w="12700" cap="flat" cmpd="sng" algn="ctr">
+                      <a:solidFill>
+                        <a:schemeClr val="tx1"/>
+                      </a:solidFill>
+                      <a:prstDash val="solid"/>
+                      <a:round/>
+                      <a:headEnd type="none" w="med" len="med"/>
+                      <a:tailEnd type="none" w="med" len="med"/>
+                    </a:lnR>
+                    <a:lnT w="12700" cap="flat" cmpd="sng" algn="ctr">
+                      <a:solidFill>
+                        <a:schemeClr val="tx1"/>
+                      </a:solidFill>
+                      <a:prstDash val="solid"/>
+                      <a:round/>
+                      <a:headEnd type="none" w="med" len="med"/>
+                      <a:tailEnd type="none" w="med" len="med"/>
+                    </a:lnT>
+                    <a:lnB w="12700" cap="flat" cmpd="sng" algn="ctr">
+                      <a:solidFill>
+                        <a:schemeClr val="tx1"/>
+                      </a:solidFill>
+                      <a:prstDash val="solid"/>
+                      <a:round/>
+                      <a:headEnd type="none" w="med" len="med"/>
+                      <a:tailEnd type="none" w="med" len="med"/>
+                    </a:lnB>
+                    <a:lnTlToBr w="12700" cmpd="sng">
+                      <a:noFill/>
+                      <a:prstDash val="solid"/>
+                    </a:lnTlToBr>
+                    <a:lnBlToTr w="12700" cmpd="sng">
+                      <a:noFill/>
+                      <a:prstDash val="solid"/>
+                    </a:lnBlToTr>
+                  </a:tcPr>
+                </a:tc>
+                <a:tc>
+                  <a:txBody>
+                    <a:bodyPr/>
+                    <a:lstStyle/>
+                    <a:p>
+                      <a:pPr algn="ctr"/>
+                      <a:r>
+                        <a:rPr lang="en-US" altLang="zh-TW" dirty="0"/>
+                        <a:t>0</a:t>
+                      </a:r>
+                      <a:endParaRPr lang="zh-TW" altLang="en-US" dirty="0"/>
+                    </a:p>
+                  </a:txBody>
+                  <a:tcPr>
+                    <a:lnL w="12700" cap="flat" cmpd="sng" algn="ctr">
+                      <a:solidFill>
+                        <a:schemeClr val="tx1"/>
+                      </a:solidFill>
+                      <a:prstDash val="solid"/>
+                      <a:round/>
+                      <a:headEnd type="none" w="med" len="med"/>
+                      <a:tailEnd type="none" w="med" len="med"/>
+                    </a:lnL>
+                    <a:lnR w="12700" cap="flat" cmpd="sng" algn="ctr">
+                      <a:solidFill>
+                        <a:schemeClr val="tx1"/>
+                      </a:solidFill>
+                      <a:prstDash val="solid"/>
+                      <a:round/>
+                      <a:headEnd type="none" w="med" len="med"/>
+                      <a:tailEnd type="none" w="med" len="med"/>
+                    </a:lnR>
+                    <a:lnT w="12700" cap="flat" cmpd="sng" algn="ctr">
+                      <a:solidFill>
+                        <a:schemeClr val="tx1"/>
+                      </a:solidFill>
+                      <a:prstDash val="solid"/>
+                      <a:round/>
+                      <a:headEnd type="none" w="med" len="med"/>
+                      <a:tailEnd type="none" w="med" len="med"/>
+                    </a:lnT>
+                    <a:lnB w="12700" cap="flat" cmpd="sng" algn="ctr">
+                      <a:solidFill>
+                        <a:schemeClr val="tx1"/>
+                      </a:solidFill>
+                      <a:prstDash val="solid"/>
+                      <a:round/>
+                      <a:headEnd type="none" w="med" len="med"/>
+                      <a:tailEnd type="none" w="med" len="med"/>
+                    </a:lnB>
+                    <a:lnTlToBr w="12700" cmpd="sng">
+                      <a:noFill/>
+                      <a:prstDash val="solid"/>
+                    </a:lnTlToBr>
+                    <a:lnBlToTr w="12700" cmpd="sng">
+                      <a:noFill/>
+                      <a:prstDash val="solid"/>
+                    </a:lnBlToTr>
+                  </a:tcPr>
+                </a:tc>
+                <a:tc>
+                  <a:txBody>
+                    <a:bodyPr/>
+                    <a:lstStyle/>
+                    <a:p>
+                      <a:pPr marL="0" marR="0" lvl="0" indent="0" algn="ctr" defTabSz="914400" rtl="0" eaLnBrk="1" fontAlgn="auto" latinLnBrk="0" hangingPunct="1">
+                        <a:lnSpc>
+                          <a:spcPct val="100000"/>
+                        </a:lnSpc>
+                        <a:spcBef>
+                          <a:spcPts val="0"/>
+                        </a:spcBef>
+                        <a:spcAft>
+                          <a:spcPts val="0"/>
+                        </a:spcAft>
+                        <a:buClrTx/>
+                        <a:buSzTx/>
+                        <a:buFontTx/>
+                        <a:buNone/>
+                        <a:tabLst/>
+                        <a:defRPr/>
+                      </a:pPr>
+                      <a:r>
+                        <a:rPr lang="en-US" altLang="zh-TW" dirty="0">
+                          <a:solidFill>
+                            <a:srgbClr val="1C2530"/>
+                          </a:solidFill>
+                        </a:rPr>
+                        <a:t>……..</a:t>
+                      </a:r>
+                      <a:endParaRPr lang="zh-TW" altLang="en-US" dirty="0">
+                        <a:solidFill>
+                          <a:srgbClr val="1C2530"/>
+                        </a:solidFill>
+                      </a:endParaRPr>
+                    </a:p>
+                    <a:p>
+                      <a:pPr algn="ctr"/>
+                      <a:endParaRPr lang="zh-TW" altLang="en-US" dirty="0"/>
+                    </a:p>
+                  </a:txBody>
+                  <a:tcPr>
+                    <a:lnL w="12700" cap="flat" cmpd="sng" algn="ctr">
+                      <a:solidFill>
+                        <a:schemeClr val="tx1"/>
+                      </a:solidFill>
+                      <a:prstDash val="solid"/>
+                      <a:round/>
+                      <a:headEnd type="none" w="med" len="med"/>
+                      <a:tailEnd type="none" w="med" len="med"/>
+                    </a:lnL>
+                    <a:lnR w="12700" cap="flat" cmpd="sng" algn="ctr">
+                      <a:solidFill>
+                        <a:schemeClr val="tx1"/>
+                      </a:solidFill>
+                      <a:prstDash val="solid"/>
+                      <a:round/>
+                      <a:headEnd type="none" w="med" len="med"/>
+                      <a:tailEnd type="none" w="med" len="med"/>
+                    </a:lnR>
+                    <a:lnT w="12700" cap="flat" cmpd="sng" algn="ctr">
+                      <a:solidFill>
+                        <a:schemeClr val="tx1"/>
+                      </a:solidFill>
+                      <a:prstDash val="solid"/>
+                      <a:round/>
+                      <a:headEnd type="none" w="med" len="med"/>
+                      <a:tailEnd type="none" w="med" len="med"/>
+                    </a:lnT>
+                    <a:lnB w="12700" cap="flat" cmpd="sng" algn="ctr">
+                      <a:solidFill>
+                        <a:schemeClr val="tx1"/>
+                      </a:solidFill>
+                      <a:prstDash val="solid"/>
+                      <a:round/>
+                      <a:headEnd type="none" w="med" len="med"/>
+                      <a:tailEnd type="none" w="med" len="med"/>
+                    </a:lnB>
+                    <a:lnTlToBr w="12700" cmpd="sng">
+                      <a:noFill/>
+                      <a:prstDash val="solid"/>
+                    </a:lnTlToBr>
+                    <a:lnBlToTr w="12700" cmpd="sng">
+                      <a:noFill/>
+                      <a:prstDash val="solid"/>
+                    </a:lnBlToTr>
+                  </a:tcPr>
+                </a:tc>
+                <a:extLst>
+                  <a:ext uri="{0D108BD9-81ED-4DB2-BD59-A6C34878D82A}">
+                    <a16:rowId xmlns:a16="http://schemas.microsoft.com/office/drawing/2014/main" val="174155253"/>
+                  </a:ext>
+                </a:extLst>
+              </a:tr>
+              <a:tr h="716214">
+                <a:tc>
+                  <a:txBody>
+                    <a:bodyPr/>
+                    <a:lstStyle/>
+                    <a:p>
+                      <a:r>
+                        <a:rPr lang="en-US" altLang="zh-TW" dirty="0">
+                          <a:solidFill>
+                            <a:srgbClr val="1C2530"/>
+                          </a:solidFill>
+                        </a:rPr>
+                        <a:t>VISA</a:t>
+                      </a:r>
+                    </a:p>
+                    <a:p>
+                      <a:r>
+                        <a:rPr lang="en-US" altLang="zh-TW" dirty="0">
+                          <a:solidFill>
+                            <a:srgbClr val="1C2530"/>
+                          </a:solidFill>
+                        </a:rPr>
+                        <a:t>Inc</a:t>
+                      </a:r>
+                      <a:endParaRPr lang="zh-TW" altLang="en-US" dirty="0">
+                        <a:solidFill>
+                          <a:srgbClr val="1C2530"/>
+                        </a:solidFill>
+                      </a:endParaRPr>
+                    </a:p>
+                  </a:txBody>
+                  <a:tcPr>
+                    <a:lnL w="12700" cap="flat" cmpd="sng" algn="ctr">
+                      <a:solidFill>
+                        <a:schemeClr val="tx1"/>
+                      </a:solidFill>
+                      <a:prstDash val="solid"/>
+                      <a:round/>
+                      <a:headEnd type="none" w="med" len="med"/>
+                      <a:tailEnd type="none" w="med" len="med"/>
+                    </a:lnL>
+                    <a:lnR w="12700" cap="flat" cmpd="sng" algn="ctr">
+                      <a:solidFill>
+                        <a:schemeClr val="tx1"/>
+                      </a:solidFill>
+                      <a:prstDash val="solid"/>
+                      <a:round/>
+                      <a:headEnd type="none" w="med" len="med"/>
+                      <a:tailEnd type="none" w="med" len="med"/>
+                    </a:lnR>
+                    <a:lnT w="12700" cap="flat" cmpd="sng" algn="ctr">
+                      <a:solidFill>
+                        <a:schemeClr val="tx1"/>
+                      </a:solidFill>
+                      <a:prstDash val="solid"/>
+                      <a:round/>
+                      <a:headEnd type="none" w="med" len="med"/>
+                      <a:tailEnd type="none" w="med" len="med"/>
+                    </a:lnT>
+                    <a:lnB w="12700" cap="flat" cmpd="sng" algn="ctr">
+                      <a:solidFill>
+                        <a:schemeClr val="tx1"/>
+                      </a:solidFill>
+                      <a:prstDash val="solid"/>
+                      <a:round/>
+                      <a:headEnd type="none" w="med" len="med"/>
+                      <a:tailEnd type="none" w="med" len="med"/>
+                    </a:lnB>
+                    <a:lnTlToBr w="12700" cmpd="sng">
+                      <a:noFill/>
+                      <a:prstDash val="solid"/>
+                    </a:lnTlToBr>
+                    <a:lnBlToTr w="12700" cmpd="sng">
+                      <a:noFill/>
+                      <a:prstDash val="solid"/>
+                    </a:lnBlToTr>
+                  </a:tcPr>
+                </a:tc>
+                <a:tc>
+                  <a:txBody>
+                    <a:bodyPr/>
+                    <a:lstStyle/>
+                    <a:p>
+                      <a:pPr algn="ctr"/>
+                      <a:r>
+                        <a:rPr lang="en-US" altLang="zh-TW" dirty="0"/>
+                        <a:t>0</a:t>
+                      </a:r>
+                      <a:endParaRPr lang="zh-TW" altLang="en-US" dirty="0"/>
+                    </a:p>
+                  </a:txBody>
+                  <a:tcPr>
+                    <a:lnL w="12700" cap="flat" cmpd="sng" algn="ctr">
+                      <a:solidFill>
+                        <a:schemeClr val="tx1"/>
+                      </a:solidFill>
+                      <a:prstDash val="solid"/>
+                      <a:round/>
+                      <a:headEnd type="none" w="med" len="med"/>
+                      <a:tailEnd type="none" w="med" len="med"/>
+                    </a:lnL>
+                    <a:lnR w="12700" cap="flat" cmpd="sng" algn="ctr">
+                      <a:solidFill>
+                        <a:schemeClr val="tx1"/>
+                      </a:solidFill>
+                      <a:prstDash val="solid"/>
+                      <a:round/>
+                      <a:headEnd type="none" w="med" len="med"/>
+                      <a:tailEnd type="none" w="med" len="med"/>
+                    </a:lnR>
+                    <a:lnT w="12700" cap="flat" cmpd="sng" algn="ctr">
+                      <a:solidFill>
+                        <a:schemeClr val="tx1"/>
+                      </a:solidFill>
+                      <a:prstDash val="solid"/>
+                      <a:round/>
+                      <a:headEnd type="none" w="med" len="med"/>
+                      <a:tailEnd type="none" w="med" len="med"/>
+                    </a:lnT>
+                    <a:lnB w="12700" cap="flat" cmpd="sng" algn="ctr">
+                      <a:solidFill>
+                        <a:schemeClr val="tx1"/>
+                      </a:solidFill>
+                      <a:prstDash val="solid"/>
+                      <a:round/>
+                      <a:headEnd type="none" w="med" len="med"/>
+                      <a:tailEnd type="none" w="med" len="med"/>
+                    </a:lnB>
+                    <a:lnTlToBr w="12700" cmpd="sng">
+                      <a:noFill/>
+                      <a:prstDash val="solid"/>
+                    </a:lnTlToBr>
+                    <a:lnBlToTr w="12700" cmpd="sng">
+                      <a:noFill/>
+                      <a:prstDash val="solid"/>
+                    </a:lnBlToTr>
+                  </a:tcPr>
+                </a:tc>
+                <a:tc>
+                  <a:txBody>
+                    <a:bodyPr/>
+                    <a:lstStyle/>
+                    <a:p>
+                      <a:pPr algn="ctr"/>
+                      <a:r>
+                        <a:rPr lang="en-US" altLang="zh-TW" dirty="0"/>
+                        <a:t>0</a:t>
+                      </a:r>
+                      <a:endParaRPr lang="zh-TW" altLang="en-US" dirty="0"/>
+                    </a:p>
+                  </a:txBody>
+                  <a:tcPr>
+                    <a:lnL w="12700" cap="flat" cmpd="sng" algn="ctr">
+                      <a:solidFill>
+                        <a:schemeClr val="tx1"/>
+                      </a:solidFill>
+                      <a:prstDash val="solid"/>
+                      <a:round/>
+                      <a:headEnd type="none" w="med" len="med"/>
+                      <a:tailEnd type="none" w="med" len="med"/>
+                    </a:lnL>
+                    <a:lnR w="12700" cap="flat" cmpd="sng" algn="ctr">
+                      <a:solidFill>
+                        <a:schemeClr val="tx1"/>
+                      </a:solidFill>
+                      <a:prstDash val="solid"/>
+                      <a:round/>
+                      <a:headEnd type="none" w="med" len="med"/>
+                      <a:tailEnd type="none" w="med" len="med"/>
+                    </a:lnR>
+                    <a:lnT w="12700" cap="flat" cmpd="sng" algn="ctr">
+                      <a:solidFill>
+                        <a:schemeClr val="tx1"/>
+                      </a:solidFill>
+                      <a:prstDash val="solid"/>
+                      <a:round/>
+                      <a:headEnd type="none" w="med" len="med"/>
+                      <a:tailEnd type="none" w="med" len="med"/>
+                    </a:lnT>
+                    <a:lnB w="12700" cap="flat" cmpd="sng" algn="ctr">
+                      <a:solidFill>
+                        <a:schemeClr val="tx1"/>
+                      </a:solidFill>
+                      <a:prstDash val="solid"/>
+                      <a:round/>
+                      <a:headEnd type="none" w="med" len="med"/>
+                      <a:tailEnd type="none" w="med" len="med"/>
+                    </a:lnB>
+                    <a:lnTlToBr w="12700" cmpd="sng">
+                      <a:noFill/>
+                      <a:prstDash val="solid"/>
+                    </a:lnTlToBr>
+                    <a:lnBlToTr w="12700" cmpd="sng">
+                      <a:noFill/>
+                      <a:prstDash val="solid"/>
+                    </a:lnBlToTr>
+                  </a:tcPr>
+                </a:tc>
+                <a:tc>
+                  <a:txBody>
+                    <a:bodyPr/>
+                    <a:lstStyle/>
+                    <a:p>
+                      <a:pPr algn="ctr"/>
+                      <a:r>
+                        <a:rPr lang="en-US" altLang="zh-TW" dirty="0"/>
+                        <a:t>1</a:t>
+                      </a:r>
+                      <a:endParaRPr lang="zh-TW" altLang="en-US" dirty="0"/>
+                    </a:p>
+                  </a:txBody>
+                  <a:tcPr>
+                    <a:lnL w="12700" cap="flat" cmpd="sng" algn="ctr">
+                      <a:solidFill>
+                        <a:schemeClr val="tx1"/>
+                      </a:solidFill>
+                      <a:prstDash val="solid"/>
+                      <a:round/>
+                      <a:headEnd type="none" w="med" len="med"/>
+                      <a:tailEnd type="none" w="med" len="med"/>
+                    </a:lnL>
+                    <a:lnR w="12700" cap="flat" cmpd="sng" algn="ctr">
+                      <a:solidFill>
+                        <a:schemeClr val="tx1"/>
+                      </a:solidFill>
+                      <a:prstDash val="solid"/>
+                      <a:round/>
+                      <a:headEnd type="none" w="med" len="med"/>
+                      <a:tailEnd type="none" w="med" len="med"/>
+                    </a:lnR>
+                    <a:lnT w="12700" cap="flat" cmpd="sng" algn="ctr">
+                      <a:solidFill>
+                        <a:schemeClr val="tx1"/>
+                      </a:solidFill>
+                      <a:prstDash val="solid"/>
+                      <a:round/>
+                      <a:headEnd type="none" w="med" len="med"/>
+                      <a:tailEnd type="none" w="med" len="med"/>
+                    </a:lnT>
+                    <a:lnB w="12700" cap="flat" cmpd="sng" algn="ctr">
+                      <a:solidFill>
+                        <a:schemeClr val="tx1"/>
+                      </a:solidFill>
+                      <a:prstDash val="solid"/>
+                      <a:round/>
+                      <a:headEnd type="none" w="med" len="med"/>
+                      <a:tailEnd type="none" w="med" len="med"/>
+                    </a:lnB>
+                    <a:lnTlToBr w="12700" cmpd="sng">
+                      <a:noFill/>
+                      <a:prstDash val="solid"/>
+                    </a:lnTlToBr>
+                    <a:lnBlToTr w="12700" cmpd="sng">
+                      <a:noFill/>
+                      <a:prstDash val="solid"/>
+                    </a:lnBlToTr>
+                  </a:tcPr>
+                </a:tc>
+                <a:tc>
+                  <a:txBody>
+                    <a:bodyPr/>
+                    <a:lstStyle/>
+                    <a:p>
+                      <a:pPr algn="ctr"/>
+                      <a:r>
+                        <a:rPr lang="en-US" altLang="zh-TW" dirty="0"/>
+                        <a:t>0</a:t>
+                      </a:r>
+                      <a:endParaRPr lang="zh-TW" altLang="en-US" dirty="0"/>
+                    </a:p>
+                  </a:txBody>
+                  <a:tcPr>
+                    <a:lnL w="12700" cap="flat" cmpd="sng" algn="ctr">
+                      <a:solidFill>
+                        <a:schemeClr val="tx1"/>
+                      </a:solidFill>
+                      <a:prstDash val="solid"/>
+                      <a:round/>
+                      <a:headEnd type="none" w="med" len="med"/>
+                      <a:tailEnd type="none" w="med" len="med"/>
+                    </a:lnL>
+                    <a:lnR w="12700" cap="flat" cmpd="sng" algn="ctr">
+                      <a:solidFill>
+                        <a:schemeClr val="tx1"/>
+                      </a:solidFill>
+                      <a:prstDash val="solid"/>
+                      <a:round/>
+                      <a:headEnd type="none" w="med" len="med"/>
+                      <a:tailEnd type="none" w="med" len="med"/>
+                    </a:lnR>
+                    <a:lnT w="12700" cap="flat" cmpd="sng" algn="ctr">
+                      <a:solidFill>
+                        <a:schemeClr val="tx1"/>
+                      </a:solidFill>
+                      <a:prstDash val="solid"/>
+                      <a:round/>
+                      <a:headEnd type="none" w="med" len="med"/>
+                      <a:tailEnd type="none" w="med" len="med"/>
+                    </a:lnT>
+                    <a:lnB w="12700" cap="flat" cmpd="sng" algn="ctr">
+                      <a:solidFill>
+                        <a:schemeClr val="tx1"/>
+                      </a:solidFill>
+                      <a:prstDash val="solid"/>
+                      <a:round/>
+                      <a:headEnd type="none" w="med" len="med"/>
+                      <a:tailEnd type="none" w="med" len="med"/>
+                    </a:lnB>
+                    <a:lnTlToBr w="12700" cmpd="sng">
+                      <a:noFill/>
+                      <a:prstDash val="solid"/>
+                    </a:lnTlToBr>
+                    <a:lnBlToTr w="12700" cmpd="sng">
+                      <a:noFill/>
+                      <a:prstDash val="solid"/>
+                    </a:lnBlToTr>
+                  </a:tcPr>
+                </a:tc>
+                <a:tc>
+                  <a:txBody>
+                    <a:bodyPr/>
+                    <a:lstStyle/>
+                    <a:p>
+                      <a:pPr algn="ctr"/>
+                      <a:r>
+                        <a:rPr lang="en-US" altLang="zh-TW" dirty="0"/>
+                        <a:t>1</a:t>
+                      </a:r>
+                      <a:endParaRPr lang="zh-TW" altLang="en-US" dirty="0"/>
+                    </a:p>
+                  </a:txBody>
+                  <a:tcPr>
+                    <a:lnL w="12700" cap="flat" cmpd="sng" algn="ctr">
+                      <a:solidFill>
+                        <a:schemeClr val="tx1"/>
+                      </a:solidFill>
+                      <a:prstDash val="solid"/>
+                      <a:round/>
+                      <a:headEnd type="none" w="med" len="med"/>
+                      <a:tailEnd type="none" w="med" len="med"/>
+                    </a:lnL>
+                    <a:lnR w="12700" cap="flat" cmpd="sng" algn="ctr">
+                      <a:solidFill>
+                        <a:schemeClr val="tx1"/>
+                      </a:solidFill>
+                      <a:prstDash val="solid"/>
+                      <a:round/>
+                      <a:headEnd type="none" w="med" len="med"/>
+                      <a:tailEnd type="none" w="med" len="med"/>
+                    </a:lnR>
+                    <a:lnT w="12700" cap="flat" cmpd="sng" algn="ctr">
+                      <a:solidFill>
+                        <a:schemeClr val="tx1"/>
+                      </a:solidFill>
+                      <a:prstDash val="solid"/>
+                      <a:round/>
+                      <a:headEnd type="none" w="med" len="med"/>
+                      <a:tailEnd type="none" w="med" len="med"/>
+                    </a:lnT>
+                    <a:lnB w="12700" cap="flat" cmpd="sng" algn="ctr">
+                      <a:solidFill>
+                        <a:schemeClr val="tx1"/>
+                      </a:solidFill>
+                      <a:prstDash val="solid"/>
+                      <a:round/>
+                      <a:headEnd type="none" w="med" len="med"/>
+                      <a:tailEnd type="none" w="med" len="med"/>
+                    </a:lnB>
+                    <a:lnTlToBr w="12700" cmpd="sng">
+                      <a:noFill/>
+                      <a:prstDash val="solid"/>
+                    </a:lnTlToBr>
+                    <a:lnBlToTr w="12700" cmpd="sng">
+                      <a:noFill/>
+                      <a:prstDash val="solid"/>
+                    </a:lnBlToTr>
+                  </a:tcPr>
+                </a:tc>
+                <a:tc>
+                  <a:txBody>
+                    <a:bodyPr/>
+                    <a:lstStyle/>
+                    <a:p>
+                      <a:pPr algn="ctr"/>
+                      <a:r>
+                        <a:rPr lang="en-US" altLang="zh-TW" dirty="0"/>
+                        <a:t>0</a:t>
+                      </a:r>
+                      <a:endParaRPr lang="zh-TW" altLang="en-US" dirty="0"/>
+                    </a:p>
+                  </a:txBody>
+                  <a:tcPr>
+                    <a:lnL w="12700" cap="flat" cmpd="sng" algn="ctr">
+                      <a:solidFill>
+                        <a:schemeClr val="tx1"/>
+                      </a:solidFill>
+                      <a:prstDash val="solid"/>
+                      <a:round/>
+                      <a:headEnd type="none" w="med" len="med"/>
+                      <a:tailEnd type="none" w="med" len="med"/>
+                    </a:lnL>
+                    <a:lnR w="12700" cap="flat" cmpd="sng" algn="ctr">
+                      <a:solidFill>
+                        <a:schemeClr val="tx1"/>
+                      </a:solidFill>
+                      <a:prstDash val="solid"/>
+                      <a:round/>
+                      <a:headEnd type="none" w="med" len="med"/>
+                      <a:tailEnd type="none" w="med" len="med"/>
+                    </a:lnR>
+                    <a:lnT w="12700" cap="flat" cmpd="sng" algn="ctr">
+                      <a:solidFill>
+                        <a:schemeClr val="tx1"/>
+                      </a:solidFill>
+                      <a:prstDash val="solid"/>
+                      <a:round/>
+                      <a:headEnd type="none" w="med" len="med"/>
+                      <a:tailEnd type="none" w="med" len="med"/>
+                    </a:lnT>
+                    <a:lnB w="12700" cap="flat" cmpd="sng" algn="ctr">
+                      <a:solidFill>
+                        <a:schemeClr val="tx1"/>
+                      </a:solidFill>
+                      <a:prstDash val="solid"/>
+                      <a:round/>
+                      <a:headEnd type="none" w="med" len="med"/>
+                      <a:tailEnd type="none" w="med" len="med"/>
+                    </a:lnB>
+                    <a:lnTlToBr w="12700" cmpd="sng">
+                      <a:noFill/>
+                      <a:prstDash val="solid"/>
+                    </a:lnTlToBr>
+                    <a:lnBlToTr w="12700" cmpd="sng">
+                      <a:noFill/>
+                      <a:prstDash val="solid"/>
+                    </a:lnBlToTr>
+                  </a:tcPr>
+                </a:tc>
+                <a:tc>
+                  <a:txBody>
+                    <a:bodyPr/>
+                    <a:lstStyle/>
+                    <a:p>
+                      <a:pPr algn="ctr"/>
+                      <a:r>
+                        <a:rPr lang="en-US" altLang="zh-TW" dirty="0"/>
+                        <a:t>0</a:t>
+                      </a:r>
+                      <a:endParaRPr lang="zh-TW" altLang="en-US" dirty="0"/>
+                    </a:p>
+                  </a:txBody>
+                  <a:tcPr>
+                    <a:lnL w="12700" cap="flat" cmpd="sng" algn="ctr">
+                      <a:solidFill>
+                        <a:schemeClr val="tx1"/>
+                      </a:solidFill>
+                      <a:prstDash val="solid"/>
+                      <a:round/>
+                      <a:headEnd type="none" w="med" len="med"/>
+                      <a:tailEnd type="none" w="med" len="med"/>
+                    </a:lnL>
+                    <a:lnR w="12700" cap="flat" cmpd="sng" algn="ctr">
+                      <a:solidFill>
+                        <a:schemeClr val="tx1"/>
+                      </a:solidFill>
+                      <a:prstDash val="solid"/>
+                      <a:round/>
+                      <a:headEnd type="none" w="med" len="med"/>
+                      <a:tailEnd type="none" w="med" len="med"/>
+                    </a:lnR>
+                    <a:lnT w="12700" cap="flat" cmpd="sng" algn="ctr">
+                      <a:solidFill>
+                        <a:schemeClr val="tx1"/>
+                      </a:solidFill>
+                      <a:prstDash val="solid"/>
+                      <a:round/>
+                      <a:headEnd type="none" w="med" len="med"/>
+                      <a:tailEnd type="none" w="med" len="med"/>
+                    </a:lnT>
+                    <a:lnB w="12700" cap="flat" cmpd="sng" algn="ctr">
+                      <a:solidFill>
+                        <a:schemeClr val="tx1"/>
+                      </a:solidFill>
+                      <a:prstDash val="solid"/>
+                      <a:round/>
+                      <a:headEnd type="none" w="med" len="med"/>
+                      <a:tailEnd type="none" w="med" len="med"/>
+                    </a:lnB>
+                    <a:lnTlToBr w="12700" cmpd="sng">
+                      <a:noFill/>
+                      <a:prstDash val="solid"/>
+                    </a:lnTlToBr>
+                    <a:lnBlToTr w="12700" cmpd="sng">
+                      <a:noFill/>
+                      <a:prstDash val="solid"/>
+                    </a:lnBlToTr>
+                  </a:tcPr>
+                </a:tc>
+                <a:tc>
+                  <a:txBody>
+                    <a:bodyPr/>
+                    <a:lstStyle/>
+                    <a:p>
+                      <a:pPr algn="ctr"/>
+                      <a:r>
+                        <a:rPr lang="en-US" altLang="zh-TW"/>
+                        <a:t>0</a:t>
+                      </a:r>
+                      <a:endParaRPr lang="zh-TW" altLang="en-US" dirty="0"/>
+                    </a:p>
+                  </a:txBody>
+                  <a:tcPr>
+                    <a:lnL w="12700" cap="flat" cmpd="sng" algn="ctr">
+                      <a:solidFill>
+                        <a:schemeClr val="tx1"/>
+                      </a:solidFill>
+                      <a:prstDash val="solid"/>
+                      <a:round/>
+                      <a:headEnd type="none" w="med" len="med"/>
+                      <a:tailEnd type="none" w="med" len="med"/>
+                    </a:lnL>
+                    <a:lnR w="12700" cap="flat" cmpd="sng" algn="ctr">
+                      <a:solidFill>
+                        <a:schemeClr val="tx1"/>
+                      </a:solidFill>
+                      <a:prstDash val="solid"/>
+                      <a:round/>
+                      <a:headEnd type="none" w="med" len="med"/>
+                      <a:tailEnd type="none" w="med" len="med"/>
+                    </a:lnR>
+                    <a:lnT w="12700" cap="flat" cmpd="sng" algn="ctr">
+                      <a:solidFill>
+                        <a:schemeClr val="tx1"/>
+                      </a:solidFill>
+                      <a:prstDash val="solid"/>
+                      <a:round/>
+                      <a:headEnd type="none" w="med" len="med"/>
+                      <a:tailEnd type="none" w="med" len="med"/>
+                    </a:lnT>
+                    <a:lnB w="12700" cap="flat" cmpd="sng" algn="ctr">
+                      <a:solidFill>
+                        <a:schemeClr val="tx1"/>
+                      </a:solidFill>
+                      <a:prstDash val="solid"/>
+                      <a:round/>
+                      <a:headEnd type="none" w="med" len="med"/>
+                      <a:tailEnd type="none" w="med" len="med"/>
+                    </a:lnB>
+                    <a:lnTlToBr w="12700" cmpd="sng">
+                      <a:noFill/>
+                      <a:prstDash val="solid"/>
+                    </a:lnTlToBr>
+                    <a:lnBlToTr w="12700" cmpd="sng">
+                      <a:noFill/>
+                      <a:prstDash val="solid"/>
+                    </a:lnBlToTr>
+                  </a:tcPr>
+                </a:tc>
+                <a:tc>
+                  <a:txBody>
+                    <a:bodyPr/>
+                    <a:lstStyle/>
+                    <a:p>
+                      <a:pPr marL="0" marR="0" lvl="0" indent="0" algn="ctr" defTabSz="914400" rtl="0" eaLnBrk="1" fontAlgn="auto" latinLnBrk="0" hangingPunct="1">
+                        <a:lnSpc>
+                          <a:spcPct val="100000"/>
+                        </a:lnSpc>
+                        <a:spcBef>
+                          <a:spcPts val="0"/>
+                        </a:spcBef>
+                        <a:spcAft>
+                          <a:spcPts val="0"/>
+                        </a:spcAft>
+                        <a:buClrTx/>
+                        <a:buSzTx/>
+                        <a:buFontTx/>
+                        <a:buNone/>
+                        <a:tabLst/>
+                        <a:defRPr/>
+                      </a:pPr>
+                      <a:r>
+                        <a:rPr lang="en-US" altLang="zh-TW" dirty="0">
+                          <a:solidFill>
+                            <a:srgbClr val="1C2530"/>
+                          </a:solidFill>
+                        </a:rPr>
+                        <a:t>……..</a:t>
+                      </a:r>
+                      <a:endParaRPr lang="zh-TW" altLang="en-US" dirty="0">
+                        <a:solidFill>
+                          <a:srgbClr val="1C2530"/>
+                        </a:solidFill>
+                      </a:endParaRPr>
+                    </a:p>
+                    <a:p>
+                      <a:pPr algn="ctr"/>
+                      <a:endParaRPr lang="zh-TW" altLang="en-US" dirty="0"/>
+                    </a:p>
+                  </a:txBody>
+                  <a:tcPr>
+                    <a:lnL w="12700" cap="flat" cmpd="sng" algn="ctr">
+                      <a:solidFill>
+                        <a:schemeClr val="tx1"/>
+                      </a:solidFill>
+                      <a:prstDash val="solid"/>
+                      <a:round/>
+                      <a:headEnd type="none" w="med" len="med"/>
+                      <a:tailEnd type="none" w="med" len="med"/>
+                    </a:lnL>
+                    <a:lnR w="12700" cap="flat" cmpd="sng" algn="ctr">
+                      <a:solidFill>
+                        <a:schemeClr val="tx1"/>
+                      </a:solidFill>
+                      <a:prstDash val="solid"/>
+                      <a:round/>
+                      <a:headEnd type="none" w="med" len="med"/>
+                      <a:tailEnd type="none" w="med" len="med"/>
+                    </a:lnR>
+                    <a:lnT w="12700" cap="flat" cmpd="sng" algn="ctr">
+                      <a:solidFill>
+                        <a:schemeClr val="tx1"/>
+                      </a:solidFill>
+                      <a:prstDash val="solid"/>
+                      <a:round/>
+                      <a:headEnd type="none" w="med" len="med"/>
+                      <a:tailEnd type="none" w="med" len="med"/>
+                    </a:lnT>
+                    <a:lnB w="12700" cap="flat" cmpd="sng" algn="ctr">
+                      <a:solidFill>
+                        <a:schemeClr val="tx1"/>
+                      </a:solidFill>
+                      <a:prstDash val="solid"/>
+                      <a:round/>
+                      <a:headEnd type="none" w="med" len="med"/>
+                      <a:tailEnd type="none" w="med" len="med"/>
+                    </a:lnB>
+                    <a:lnTlToBr w="12700" cmpd="sng">
+                      <a:noFill/>
+                      <a:prstDash val="solid"/>
+                    </a:lnTlToBr>
+                    <a:lnBlToTr w="12700" cmpd="sng">
+                      <a:noFill/>
+                      <a:prstDash val="solid"/>
+                    </a:lnBlToTr>
+                  </a:tcPr>
+                </a:tc>
+                <a:extLst>
+                  <a:ext uri="{0D108BD9-81ED-4DB2-BD59-A6C34878D82A}">
+                    <a16:rowId xmlns:a16="http://schemas.microsoft.com/office/drawing/2014/main" val="4200582315"/>
+                  </a:ext>
+                </a:extLst>
+              </a:tr>
+            </a:tbl>
+          </a:graphicData>
+        </a:graphic>
+      </p:graphicFrame>
     </p:spTree>
     <p:extLst>
       <p:ext uri="{BB962C8B-B14F-4D97-AF65-F5344CB8AC3E}">
-        <p14:creationId xmlns:p14="http://schemas.microsoft.com/office/powerpoint/2010/main" val="641506186"/>
+        <p14:creationId xmlns:p14="http://schemas.microsoft.com/office/powerpoint/2010/main" val="923652946"/>
       </p:ext>
     </p:extLst>
   </p:cSld>
   <p:clrMapOvr>
     <a:masterClrMapping/>
   </p:clrMapOvr>
-  <mc:AlternateContent xmlns:mc="http://schemas.openxmlformats.org/markup-compatibility/2006" xmlns:p14="http://schemas.microsoft.com/office/powerpoint/2010/main">
-    <mc:Choice Requires="p14">
-      <p:transition spd="slow" p14:dur="900">
-        <p14:warp dir="in"/>
-      </p:transition>
-    </mc:Choice>
-    <mc:Fallback xmlns="">
-      <p:transition spd="slow">
-        <p:fade/>
-      </p:transition>
-    </mc:Fallback>
-  </mc:AlternateContent>
-  <mc:AlternateContent xmlns:mc="http://schemas.openxmlformats.org/markup-compatibility/2006" xmlns:p14="http://schemas.microsoft.com/office/powerpoint/2010/main">
-    <mc:Choice Requires="p14">
-      <p:timing>
-        <p:tnLst>
-          <p:par>
-            <p:cTn id="1" dur="indefinite" restart="never" nodeType="tmRoot">
-              <p:childTnLst>
-                <p:seq concurrent="1" nextAc="seek">
-                  <p:cTn id="2" dur="indefinite" nodeType="mainSeq">
-                    <p:childTnLst>
-                      <p:par>
-                        <p:cTn id="3" fill="hold">
-                          <p:stCondLst>
-                            <p:cond delay="indefinite"/>
-                            <p:cond evt="onBegin" delay="0">
-                              <p:tn val="2"/>
-                            </p:cond>
-                          </p:stCondLst>
-                          <p:childTnLst>
-                            <p:par>
-                              <p:cTn id="4" fill="hold">
-                                <p:stCondLst>
-                                  <p:cond delay="0"/>
-                                </p:stCondLst>
-                                <p:childTnLst>
-                                  <p:par>
-                                    <p:cTn id="5" presetID="2" presetClass="entr" presetSubtype="8" fill="hold" nodeType="afterEffect" p14:presetBounceEnd="40000">
-                                      <p:stCondLst>
-                                        <p:cond delay="0"/>
-                                      </p:stCondLst>
-                                      <p:childTnLst>
-                                        <p:set>
-                                          <p:cBhvr>
-                                            <p:cTn id="6" dur="1" fill="hold">
-                                              <p:stCondLst>
-                                                <p:cond delay="0"/>
-                                              </p:stCondLst>
-                                            </p:cTn>
-                                            <p:tgtEl>
-                                              <p:spTgt spid="18"/>
-                                            </p:tgtEl>
-                                            <p:attrNameLst>
-                                              <p:attrName>style.visibility</p:attrName>
-                                            </p:attrNameLst>
-                                          </p:cBhvr>
-                                          <p:to>
-                                            <p:strVal val="visible"/>
-                                          </p:to>
-                                        </p:set>
-                                        <p:anim calcmode="lin" valueType="num" p14:bounceEnd="40000">
-                                          <p:cBhvr additive="base">
-                                            <p:cTn id="7" dur="750" fill="hold"/>
-                                            <p:tgtEl>
-                                              <p:spTgt spid="18"/>
-                                            </p:tgtEl>
-                                            <p:attrNameLst>
-                                              <p:attrName>ppt_x</p:attrName>
-                                            </p:attrNameLst>
-                                          </p:cBhvr>
-                                          <p:tavLst>
-                                            <p:tav tm="0">
-                                              <p:val>
-                                                <p:strVal val="0-#ppt_w/2"/>
-                                              </p:val>
-                                            </p:tav>
-                                            <p:tav tm="100000">
-                                              <p:val>
-                                                <p:strVal val="#ppt_x"/>
-                                              </p:val>
-                                            </p:tav>
-                                          </p:tavLst>
-                                        </p:anim>
-                                        <p:anim calcmode="lin" valueType="num" p14:bounceEnd="40000">
-                                          <p:cBhvr additive="base">
-                                            <p:cTn id="8" dur="750" fill="hold"/>
-                                            <p:tgtEl>
-                                              <p:spTgt spid="18"/>
-                                            </p:tgtEl>
-                                            <p:attrNameLst>
-                                              <p:attrName>ppt_y</p:attrName>
-                                            </p:attrNameLst>
-                                          </p:cBhvr>
-                                          <p:tavLst>
-                                            <p:tav tm="0">
-                                              <p:val>
-                                                <p:strVal val="#ppt_y"/>
-                                              </p:val>
-                                            </p:tav>
-                                            <p:tav tm="100000">
-                                              <p:val>
-                                                <p:strVal val="#ppt_y"/>
-                                              </p:val>
-                                            </p:tav>
-                                          </p:tavLst>
-                                        </p:anim>
-                                      </p:childTnLst>
-                                    </p:cTn>
-                                  </p:par>
-                                </p:childTnLst>
-                              </p:cTn>
-                            </p:par>
-                            <p:par>
-                              <p:cTn id="9" fill="hold">
-                                <p:stCondLst>
-                                  <p:cond delay="750"/>
-                                </p:stCondLst>
-                                <p:childTnLst>
-                                  <p:par>
-                                    <p:cTn id="10" presetID="41" presetClass="entr" presetSubtype="0" fill="hold" grpId="0" nodeType="afterEffect">
-                                      <p:stCondLst>
-                                        <p:cond delay="0"/>
-                                      </p:stCondLst>
-                                      <p:iterate type="lt">
-                                        <p:tmPct val="10000"/>
-                                      </p:iterate>
-                                      <p:childTnLst>
-                                        <p:set>
-                                          <p:cBhvr>
-                                            <p:cTn id="11" dur="1" fill="hold">
-                                              <p:stCondLst>
-                                                <p:cond delay="0"/>
-                                              </p:stCondLst>
-                                            </p:cTn>
-                                            <p:tgtEl>
-                                              <p:spTgt spid="11"/>
-                                            </p:tgtEl>
-                                            <p:attrNameLst>
-                                              <p:attrName>style.visibility</p:attrName>
-                                            </p:attrNameLst>
-                                          </p:cBhvr>
-                                          <p:to>
-                                            <p:strVal val="visible"/>
-                                          </p:to>
-                                        </p:set>
-                                        <p:anim calcmode="lin" valueType="num">
-                                          <p:cBhvr>
-                                            <p:cTn id="12" dur="500" fill="hold"/>
-                                            <p:tgtEl>
-                                              <p:spTgt spid="11"/>
-                                            </p:tgtEl>
-                                            <p:attrNameLst>
-                                              <p:attrName>ppt_x</p:attrName>
-                                            </p:attrNameLst>
-                                          </p:cBhvr>
-                                          <p:tavLst>
-                                            <p:tav tm="0">
-                                              <p:val>
-                                                <p:strVal val="#ppt_x"/>
-                                              </p:val>
-                                            </p:tav>
-                                            <p:tav tm="50000">
-                                              <p:val>
-                                                <p:strVal val="#ppt_x+.1"/>
-                                              </p:val>
-                                            </p:tav>
-                                            <p:tav tm="100000">
-                                              <p:val>
-                                                <p:strVal val="#ppt_x"/>
-                                              </p:val>
-                                            </p:tav>
-                                          </p:tavLst>
-                                        </p:anim>
-                                        <p:anim calcmode="lin" valueType="num">
-                                          <p:cBhvr>
-                                            <p:cTn id="13" dur="500" fill="hold"/>
-                                            <p:tgtEl>
-                                              <p:spTgt spid="11"/>
-                                            </p:tgtEl>
-                                            <p:attrNameLst>
-                                              <p:attrName>ppt_y</p:attrName>
-                                            </p:attrNameLst>
-                                          </p:cBhvr>
-                                          <p:tavLst>
-                                            <p:tav tm="0">
-                                              <p:val>
-                                                <p:strVal val="#ppt_y"/>
-                                              </p:val>
-                                            </p:tav>
-                                            <p:tav tm="100000">
-                                              <p:val>
-                                                <p:strVal val="#ppt_y"/>
-                                              </p:val>
-                                            </p:tav>
-                                          </p:tavLst>
-                                        </p:anim>
-                                        <p:anim calcmode="lin" valueType="num">
-                                          <p:cBhvr>
-                                            <p:cTn id="14" dur="500" fill="hold"/>
-                                            <p:tgtEl>
-                                              <p:spTgt spid="11"/>
-                                            </p:tgtEl>
-                                            <p:attrNameLst>
-                                              <p:attrName>ppt_h</p:attrName>
-                                            </p:attrNameLst>
-                                          </p:cBhvr>
-                                          <p:tavLst>
-                                            <p:tav tm="0">
-                                              <p:val>
-                                                <p:strVal val="#ppt_h/10"/>
-                                              </p:val>
-                                            </p:tav>
-                                            <p:tav tm="50000">
-                                              <p:val>
-                                                <p:strVal val="#ppt_h+.01"/>
-                                              </p:val>
-                                            </p:tav>
-                                            <p:tav tm="100000">
-                                              <p:val>
-                                                <p:strVal val="#ppt_h"/>
-                                              </p:val>
-                                            </p:tav>
-                                          </p:tavLst>
-                                        </p:anim>
-                                        <p:anim calcmode="lin" valueType="num">
-                                          <p:cBhvr>
-                                            <p:cTn id="15" dur="500" fill="hold"/>
-                                            <p:tgtEl>
-                                              <p:spTgt spid="11"/>
-                                            </p:tgtEl>
-                                            <p:attrNameLst>
-                                              <p:attrName>ppt_w</p:attrName>
-                                            </p:attrNameLst>
-                                          </p:cBhvr>
-                                          <p:tavLst>
-                                            <p:tav tm="0">
-                                              <p:val>
-                                                <p:strVal val="#ppt_w/10"/>
-                                              </p:val>
-                                            </p:tav>
-                                            <p:tav tm="50000">
-                                              <p:val>
-                                                <p:strVal val="#ppt_w+.01"/>
-                                              </p:val>
-                                            </p:tav>
-                                            <p:tav tm="100000">
-                                              <p:val>
-                                                <p:strVal val="#ppt_w"/>
-                                              </p:val>
-                                            </p:tav>
-                                          </p:tavLst>
-                                        </p:anim>
-                                        <p:animEffect transition="in" filter="fade">
-                                          <p:cBhvr>
-                                            <p:cTn id="16" dur="500" tmFilter="0,0; .5, 1; 1, 1"/>
-                                            <p:tgtEl>
-                                              <p:spTgt spid="11"/>
-                                            </p:tgtEl>
-                                          </p:cBhvr>
-                                        </p:animEffect>
-                                      </p:childTnLst>
-                                    </p:cTn>
-                                  </p:par>
-                                </p:childTnLst>
-                              </p:cTn>
-                            </p:par>
-                            <p:par>
-                              <p:cTn id="17" fill="hold">
-                                <p:stCondLst>
-                                  <p:cond delay="1400"/>
-                                </p:stCondLst>
-                                <p:childTnLst>
-                                  <p:par>
-                                    <p:cTn id="18" presetID="22" presetClass="entr" presetSubtype="8" fill="hold" nodeType="afterEffect">
-                                      <p:stCondLst>
-                                        <p:cond delay="0"/>
-                                      </p:stCondLst>
-                                      <p:childTnLst>
-                                        <p:set>
-                                          <p:cBhvr>
-                                            <p:cTn id="19" dur="1" fill="hold">
-                                              <p:stCondLst>
-                                                <p:cond delay="0"/>
-                                              </p:stCondLst>
-                                            </p:cTn>
-                                            <p:tgtEl>
-                                              <p:spTgt spid="4"/>
-                                            </p:tgtEl>
-                                            <p:attrNameLst>
-                                              <p:attrName>style.visibility</p:attrName>
-                                            </p:attrNameLst>
-                                          </p:cBhvr>
-                                          <p:to>
-                                            <p:strVal val="visible"/>
-                                          </p:to>
-                                        </p:set>
-                                        <p:animEffect transition="in" filter="wipe(left)">
-                                          <p:cBhvr>
-                                            <p:cTn id="20" dur="500"/>
-                                            <p:tgtEl>
-                                              <p:spTgt spid="4"/>
-                                            </p:tgtEl>
-                                          </p:cBhvr>
-                                        </p:animEffect>
-                                      </p:childTnLst>
-                                    </p:cTn>
-                                  </p:par>
-                                </p:childTnLst>
-                              </p:cTn>
-                            </p:par>
-                          </p:childTnLst>
-                        </p:cTn>
-                      </p:par>
-                    </p:childTnLst>
-                  </p:cTn>
-                  <p:prevCondLst>
-                    <p:cond evt="onPrev" delay="0">
-                      <p:tgtEl>
-                        <p:sldTgt/>
-                      </p:tgtEl>
-                    </p:cond>
-                  </p:prevCondLst>
-                  <p:nextCondLst>
-                    <p:cond evt="onNext" delay="0">
-                      <p:tgtEl>
-                        <p:sldTgt/>
-                      </p:tgtEl>
-                    </p:cond>
-                  </p:nextCondLst>
-                </p:seq>
-              </p:childTnLst>
-            </p:cTn>
-          </p:par>
-        </p:tnLst>
-        <p:bldLst>
-          <p:bldP spid="11" grpId="0"/>
-        </p:bldLst>
-      </p:timing>
-    </mc:Choice>
-    <mc:Fallback xmlns="">
-      <p:timing>
-        <p:tnLst>
-          <p:par>
-            <p:cTn id="1" dur="indefinite" restart="never" nodeType="tmRoot">
-              <p:childTnLst>
-                <p:seq concurrent="1" nextAc="seek">
-                  <p:cTn id="2" dur="indefinite" nodeType="mainSeq">
-                    <p:childTnLst>
-                      <p:par>
-                        <p:cTn id="3" fill="hold">
-                          <p:stCondLst>
-                            <p:cond delay="indefinite"/>
-                            <p:cond evt="onBegin" delay="0">
-                              <p:tn val="2"/>
-                            </p:cond>
-                          </p:stCondLst>
-                          <p:childTnLst>
-                            <p:par>
-                              <p:cTn id="4" fill="hold">
-                                <p:stCondLst>
-                                  <p:cond delay="0"/>
-                                </p:stCondLst>
-                                <p:childTnLst>
-                                  <p:par>
-                                    <p:cTn id="5" presetID="2" presetClass="entr" presetSubtype="8" fill="hold" nodeType="afterEffect">
-                                      <p:stCondLst>
-                                        <p:cond delay="0"/>
-                                      </p:stCondLst>
-                                      <p:childTnLst>
-                                        <p:set>
-                                          <p:cBhvr>
-                                            <p:cTn id="6" dur="1" fill="hold">
-                                              <p:stCondLst>
-                                                <p:cond delay="0"/>
-                                              </p:stCondLst>
-                                            </p:cTn>
-                                            <p:tgtEl>
-                                              <p:spTgt spid="18"/>
-                                            </p:tgtEl>
-                                            <p:attrNameLst>
-                                              <p:attrName>style.visibility</p:attrName>
-                                            </p:attrNameLst>
-                                          </p:cBhvr>
-                                          <p:to>
-                                            <p:strVal val="visible"/>
-                                          </p:to>
-                                        </p:set>
-                                        <p:anim calcmode="lin" valueType="num">
-                                          <p:cBhvr additive="base">
-                                            <p:cTn id="7" dur="750" fill="hold"/>
-                                            <p:tgtEl>
-                                              <p:spTgt spid="18"/>
-                                            </p:tgtEl>
-                                            <p:attrNameLst>
-                                              <p:attrName>ppt_x</p:attrName>
-                                            </p:attrNameLst>
-                                          </p:cBhvr>
-                                          <p:tavLst>
-                                            <p:tav tm="0">
-                                              <p:val>
-                                                <p:strVal val="0-#ppt_w/2"/>
-                                              </p:val>
-                                            </p:tav>
-                                            <p:tav tm="100000">
-                                              <p:val>
-                                                <p:strVal val="#ppt_x"/>
-                                              </p:val>
-                                            </p:tav>
-                                          </p:tavLst>
-                                        </p:anim>
-                                        <p:anim calcmode="lin" valueType="num">
-                                          <p:cBhvr additive="base">
-                                            <p:cTn id="8" dur="750" fill="hold"/>
-                                            <p:tgtEl>
-                                              <p:spTgt spid="18"/>
-                                            </p:tgtEl>
-                                            <p:attrNameLst>
-                                              <p:attrName>ppt_y</p:attrName>
-                                            </p:attrNameLst>
-                                          </p:cBhvr>
-                                          <p:tavLst>
-                                            <p:tav tm="0">
-                                              <p:val>
-                                                <p:strVal val="#ppt_y"/>
-                                              </p:val>
-                                            </p:tav>
-                                            <p:tav tm="100000">
-                                              <p:val>
-                                                <p:strVal val="#ppt_y"/>
-                                              </p:val>
-                                            </p:tav>
-                                          </p:tavLst>
-                                        </p:anim>
-                                      </p:childTnLst>
-                                    </p:cTn>
-                                  </p:par>
-                                </p:childTnLst>
-                              </p:cTn>
-                            </p:par>
-                            <p:par>
-                              <p:cTn id="9" fill="hold">
-                                <p:stCondLst>
-                                  <p:cond delay="750"/>
-                                </p:stCondLst>
-                                <p:childTnLst>
-                                  <p:par>
-                                    <p:cTn id="10" presetID="41" presetClass="entr" presetSubtype="0" fill="hold" grpId="0" nodeType="afterEffect">
-                                      <p:stCondLst>
-                                        <p:cond delay="0"/>
-                                      </p:stCondLst>
-                                      <p:iterate type="lt">
-                                        <p:tmPct val="10000"/>
-                                      </p:iterate>
-                                      <p:childTnLst>
-                                        <p:set>
-                                          <p:cBhvr>
-                                            <p:cTn id="11" dur="1" fill="hold">
-                                              <p:stCondLst>
-                                                <p:cond delay="0"/>
-                                              </p:stCondLst>
-                                            </p:cTn>
-                                            <p:tgtEl>
-                                              <p:spTgt spid="11"/>
-                                            </p:tgtEl>
-                                            <p:attrNameLst>
-                                              <p:attrName>style.visibility</p:attrName>
-                                            </p:attrNameLst>
-                                          </p:cBhvr>
-                                          <p:to>
-                                            <p:strVal val="visible"/>
-                                          </p:to>
-                                        </p:set>
-                                        <p:anim calcmode="lin" valueType="num">
-                                          <p:cBhvr>
-                                            <p:cTn id="12" dur="500" fill="hold"/>
-                                            <p:tgtEl>
-                                              <p:spTgt spid="11"/>
-                                            </p:tgtEl>
-                                            <p:attrNameLst>
-                                              <p:attrName>ppt_x</p:attrName>
-                                            </p:attrNameLst>
-                                          </p:cBhvr>
-                                          <p:tavLst>
-                                            <p:tav tm="0">
-                                              <p:val>
-                                                <p:strVal val="#ppt_x"/>
-                                              </p:val>
-                                            </p:tav>
-                                            <p:tav tm="50000">
-                                              <p:val>
-                                                <p:strVal val="#ppt_x+.1"/>
-                                              </p:val>
-                                            </p:tav>
-                                            <p:tav tm="100000">
-                                              <p:val>
-                                                <p:strVal val="#ppt_x"/>
-                                              </p:val>
-                                            </p:tav>
-                                          </p:tavLst>
-                                        </p:anim>
-                                        <p:anim calcmode="lin" valueType="num">
-                                          <p:cBhvr>
-                                            <p:cTn id="13" dur="500" fill="hold"/>
-                                            <p:tgtEl>
-                                              <p:spTgt spid="11"/>
-                                            </p:tgtEl>
-                                            <p:attrNameLst>
-                                              <p:attrName>ppt_y</p:attrName>
-                                            </p:attrNameLst>
-                                          </p:cBhvr>
-                                          <p:tavLst>
-                                            <p:tav tm="0">
-                                              <p:val>
-                                                <p:strVal val="#ppt_y"/>
-                                              </p:val>
-                                            </p:tav>
-                                            <p:tav tm="100000">
-                                              <p:val>
-                                                <p:strVal val="#ppt_y"/>
-                                              </p:val>
-                                            </p:tav>
-                                          </p:tavLst>
-                                        </p:anim>
-                                        <p:anim calcmode="lin" valueType="num">
-                                          <p:cBhvr>
-                                            <p:cTn id="14" dur="500" fill="hold"/>
-                                            <p:tgtEl>
-                                              <p:spTgt spid="11"/>
-                                            </p:tgtEl>
-                                            <p:attrNameLst>
-                                              <p:attrName>ppt_h</p:attrName>
-                                            </p:attrNameLst>
-                                          </p:cBhvr>
-                                          <p:tavLst>
-                                            <p:tav tm="0">
-                                              <p:val>
-                                                <p:strVal val="#ppt_h/10"/>
-                                              </p:val>
-                                            </p:tav>
-                                            <p:tav tm="50000">
-                                              <p:val>
-                                                <p:strVal val="#ppt_h+.01"/>
-                                              </p:val>
-                                            </p:tav>
-                                            <p:tav tm="100000">
-                                              <p:val>
-                                                <p:strVal val="#ppt_h"/>
-                                              </p:val>
-                                            </p:tav>
-                                          </p:tavLst>
-                                        </p:anim>
-                                        <p:anim calcmode="lin" valueType="num">
-                                          <p:cBhvr>
-                                            <p:cTn id="15" dur="500" fill="hold"/>
-                                            <p:tgtEl>
-                                              <p:spTgt spid="11"/>
-                                            </p:tgtEl>
-                                            <p:attrNameLst>
-                                              <p:attrName>ppt_w</p:attrName>
-                                            </p:attrNameLst>
-                                          </p:cBhvr>
-                                          <p:tavLst>
-                                            <p:tav tm="0">
-                                              <p:val>
-                                                <p:strVal val="#ppt_w/10"/>
-                                              </p:val>
-                                            </p:tav>
-                                            <p:tav tm="50000">
-                                              <p:val>
-                                                <p:strVal val="#ppt_w+.01"/>
-                                              </p:val>
-                                            </p:tav>
-                                            <p:tav tm="100000">
-                                              <p:val>
-                                                <p:strVal val="#ppt_w"/>
-                                              </p:val>
-                                            </p:tav>
-                                          </p:tavLst>
-                                        </p:anim>
-                                        <p:animEffect transition="in" filter="fade">
-                                          <p:cBhvr>
-                                            <p:cTn id="16" dur="500" tmFilter="0,0; .5, 1; 1, 1"/>
-                                            <p:tgtEl>
-                                              <p:spTgt spid="11"/>
-                                            </p:tgtEl>
-                                          </p:cBhvr>
-                                        </p:animEffect>
-                                      </p:childTnLst>
-                                    </p:cTn>
-                                  </p:par>
-                                </p:childTnLst>
-                              </p:cTn>
-                            </p:par>
-                            <p:par>
-                              <p:cTn id="17" fill="hold">
-                                <p:stCondLst>
-                                  <p:cond delay="1400"/>
-                                </p:stCondLst>
-                                <p:childTnLst>
-                                  <p:par>
-                                    <p:cTn id="18" presetID="22" presetClass="entr" presetSubtype="8" fill="hold" nodeType="afterEffect">
-                                      <p:stCondLst>
-                                        <p:cond delay="0"/>
-                                      </p:stCondLst>
-                                      <p:childTnLst>
-                                        <p:set>
-                                          <p:cBhvr>
-                                            <p:cTn id="19" dur="1" fill="hold">
-                                              <p:stCondLst>
-                                                <p:cond delay="0"/>
-                                              </p:stCondLst>
-                                            </p:cTn>
-                                            <p:tgtEl>
-                                              <p:spTgt spid="4"/>
-                                            </p:tgtEl>
-                                            <p:attrNameLst>
-                                              <p:attrName>style.visibility</p:attrName>
-                                            </p:attrNameLst>
-                                          </p:cBhvr>
-                                          <p:to>
-                                            <p:strVal val="visible"/>
-                                          </p:to>
-                                        </p:set>
-                                        <p:animEffect transition="in" filter="wipe(left)">
-                                          <p:cBhvr>
-                                            <p:cTn id="20" dur="500"/>
-                                            <p:tgtEl>
-                                              <p:spTgt spid="4"/>
-                                            </p:tgtEl>
-                                          </p:cBhvr>
-                                        </p:animEffect>
-                                      </p:childTnLst>
-                                    </p:cTn>
-                                  </p:par>
-                                </p:childTnLst>
-                              </p:cTn>
-                            </p:par>
-                          </p:childTnLst>
-                        </p:cTn>
-                      </p:par>
-                    </p:childTnLst>
-                  </p:cTn>
-                  <p:prevCondLst>
-                    <p:cond evt="onPrev" delay="0">
-                      <p:tgtEl>
-                        <p:sldTgt/>
-                      </p:tgtEl>
-                    </p:cond>
-                  </p:prevCondLst>
-                  <p:nextCondLst>
-                    <p:cond evt="onNext" delay="0">
-                      <p:tgtEl>
-                        <p:sldTgt/>
-                      </p:tgtEl>
-                    </p:cond>
-                  </p:nextCondLst>
-                </p:seq>
-              </p:childTnLst>
-            </p:cTn>
-          </p:par>
-        </p:tnLst>
-        <p:bldLst>
-          <p:bldP spid="11" grpId="0"/>
-        </p:bldLst>
-      </p:timing>
-    </mc:Fallback>
-  </mc:AlternateContent>
+  <p:transition spd="slow">
+    <p:push dir="u"/>
+  </p:transition>
 </p:sld>
 </file>
 
